--- a/static/instructions.pptx
+++ b/static/instructions.pptx
@@ -6,17 +6,12 @@
   </p:sldMasterIdLst>
   <p:sldIdLst>
     <p:sldId id="260" r:id="rId2"/>
-    <p:sldId id="273" r:id="rId3"/>
-    <p:sldId id="269" r:id="rId4"/>
-    <p:sldId id="270" r:id="rId5"/>
-    <p:sldId id="271" r:id="rId6"/>
-    <p:sldId id="272" r:id="rId7"/>
-    <p:sldId id="261" r:id="rId8"/>
-    <p:sldId id="262" r:id="rId9"/>
-    <p:sldId id="263" r:id="rId10"/>
-    <p:sldId id="264" r:id="rId11"/>
-    <p:sldId id="265" r:id="rId12"/>
-    <p:sldId id="266" r:id="rId13"/>
+    <p:sldId id="274" r:id="rId3"/>
+    <p:sldId id="275" r:id="rId4"/>
+    <p:sldId id="276" r:id="rId5"/>
+    <p:sldId id="277" r:id="rId6"/>
+    <p:sldId id="278" r:id="rId7"/>
+    <p:sldId id="272" r:id="rId8"/>
   </p:sldIdLst>
   <p:sldSz cx="9144000" cy="6858000" type="screen4x3"/>
   <p:notesSz cx="6858000" cy="9144000"/>
@@ -123,6 +118,18 @@
 </p:presentation>
 </file>
 
+<file path=ppt/commentAuthors.xml><?xml version="1.0" encoding="utf-8"?>
+<p:cmAuthorLst xmlns:a="http://schemas.openxmlformats.org/drawingml/2006/main" xmlns:r="http://schemas.openxmlformats.org/officeDocument/2006/relationships" xmlns:p="http://schemas.openxmlformats.org/presentationml/2006/main">
+  <p:cmAuthor id="1" name="Sarah Shomstein" initials="SS" lastIdx="2" clrIdx="0">
+    <p:extLst>
+      <p:ext uri="{19B8F6BF-5375-455C-9EA6-DF929625EA0E}">
+        <p15:presenceInfo xmlns:p15="http://schemas.microsoft.com/office/powerpoint/2012/main" userId="S-1-5-21-1636126146-3873782714-193920358-3740" providerId="AD"/>
+      </p:ext>
+    </p:extLst>
+  </p:cmAuthor>
+</p:cmAuthorLst>
+</file>
+
 <file path=ppt/slideLayouts/slideLayout1.xml><?xml version="1.0" encoding="utf-8"?>
 <p:sldLayout xmlns:a="http://schemas.openxmlformats.org/drawingml/2006/main" xmlns:r="http://schemas.openxmlformats.org/officeDocument/2006/relationships" xmlns:p="http://schemas.openxmlformats.org/presentationml/2006/main" type="title" preserve="1">
   <p:cSld name="Title Slide">
@@ -254,7 +261,7 @@
           <a:p>
             <a:fld id="{902713C3-5061-9A46-A5B3-217D06B1AD92}" type="datetimeFigureOut">
               <a:rPr lang="en-US" smtClean="0"/>
-              <a:t>8/3/18</a:t>
+              <a:t>8/7/18</a:t>
             </a:fld>
             <a:endParaRPr lang="en-US"/>
           </a:p>
@@ -424,7 +431,7 @@
           <a:p>
             <a:fld id="{902713C3-5061-9A46-A5B3-217D06B1AD92}" type="datetimeFigureOut">
               <a:rPr lang="en-US" smtClean="0"/>
-              <a:t>8/3/18</a:t>
+              <a:t>8/7/18</a:t>
             </a:fld>
             <a:endParaRPr lang="en-US"/>
           </a:p>
@@ -604,7 +611,7 @@
           <a:p>
             <a:fld id="{902713C3-5061-9A46-A5B3-217D06B1AD92}" type="datetimeFigureOut">
               <a:rPr lang="en-US" smtClean="0"/>
-              <a:t>8/3/18</a:t>
+              <a:t>8/7/18</a:t>
             </a:fld>
             <a:endParaRPr lang="en-US"/>
           </a:p>
@@ -774,7 +781,7 @@
           <a:p>
             <a:fld id="{902713C3-5061-9A46-A5B3-217D06B1AD92}" type="datetimeFigureOut">
               <a:rPr lang="en-US" smtClean="0"/>
-              <a:t>8/3/18</a:t>
+              <a:t>8/7/18</a:t>
             </a:fld>
             <a:endParaRPr lang="en-US"/>
           </a:p>
@@ -1018,7 +1025,7 @@
           <a:p>
             <a:fld id="{902713C3-5061-9A46-A5B3-217D06B1AD92}" type="datetimeFigureOut">
               <a:rPr lang="en-US" smtClean="0"/>
-              <a:t>8/3/18</a:t>
+              <a:t>8/7/18</a:t>
             </a:fld>
             <a:endParaRPr lang="en-US"/>
           </a:p>
@@ -1250,7 +1257,7 @@
           <a:p>
             <a:fld id="{902713C3-5061-9A46-A5B3-217D06B1AD92}" type="datetimeFigureOut">
               <a:rPr lang="en-US" smtClean="0"/>
-              <a:t>8/3/18</a:t>
+              <a:t>8/7/18</a:t>
             </a:fld>
             <a:endParaRPr lang="en-US"/>
           </a:p>
@@ -1617,7 +1624,7 @@
           <a:p>
             <a:fld id="{902713C3-5061-9A46-A5B3-217D06B1AD92}" type="datetimeFigureOut">
               <a:rPr lang="en-US" smtClean="0"/>
-              <a:t>8/3/18</a:t>
+              <a:t>8/7/18</a:t>
             </a:fld>
             <a:endParaRPr lang="en-US"/>
           </a:p>
@@ -1735,7 +1742,7 @@
           <a:p>
             <a:fld id="{902713C3-5061-9A46-A5B3-217D06B1AD92}" type="datetimeFigureOut">
               <a:rPr lang="en-US" smtClean="0"/>
-              <a:t>8/3/18</a:t>
+              <a:t>8/7/18</a:t>
             </a:fld>
             <a:endParaRPr lang="en-US"/>
           </a:p>
@@ -1830,7 +1837,7 @@
           <a:p>
             <a:fld id="{902713C3-5061-9A46-A5B3-217D06B1AD92}" type="datetimeFigureOut">
               <a:rPr lang="en-US" smtClean="0"/>
-              <a:t>8/3/18</a:t>
+              <a:t>8/7/18</a:t>
             </a:fld>
             <a:endParaRPr lang="en-US"/>
           </a:p>
@@ -2107,7 +2114,7 @@
           <a:p>
             <a:fld id="{902713C3-5061-9A46-A5B3-217D06B1AD92}" type="datetimeFigureOut">
               <a:rPr lang="en-US" smtClean="0"/>
-              <a:t>8/3/18</a:t>
+              <a:t>8/7/18</a:t>
             </a:fld>
             <a:endParaRPr lang="en-US"/>
           </a:p>
@@ -2364,7 +2371,7 @@
           <a:p>
             <a:fld id="{902713C3-5061-9A46-A5B3-217D06B1AD92}" type="datetimeFigureOut">
               <a:rPr lang="en-US" smtClean="0"/>
-              <a:t>8/3/18</a:t>
+              <a:t>8/7/18</a:t>
             </a:fld>
             <a:endParaRPr lang="en-US"/>
           </a:p>
@@ -2580,7 +2587,7 @@
           <a:p>
             <a:fld id="{902713C3-5061-9A46-A5B3-217D06B1AD92}" type="datetimeFigureOut">
               <a:rPr lang="en-US" smtClean="0"/>
-              <a:t>8/3/18</a:t>
+              <a:t>8/7/18</a:t>
             </a:fld>
             <a:endParaRPr lang="en-US"/>
           </a:p>
@@ -2987,10 +2994,10 @@
       </p:grpSpPr>
       <p:sp>
         <p:nvSpPr>
-          <p:cNvPr id="8" name="Rectangle 7">
+          <p:cNvPr id="10" name="Rectangle 9">
             <a:extLst>
               <a:ext uri="{FF2B5EF4-FFF2-40B4-BE49-F238E27FC236}">
-                <a16:creationId xmlns:a16="http://schemas.microsoft.com/office/drawing/2014/main" id="{278B45D5-E8C2-434C-8409-90EDEBACE4AA}"/>
+                <a16:creationId xmlns:a16="http://schemas.microsoft.com/office/drawing/2014/main" id="{0540BD83-46C7-9A48-A306-4253A35345A4}"/>
               </a:ext>
             </a:extLst>
           </p:cNvPr>
@@ -2999,13 +3006,15 @@
         </p:nvSpPr>
         <p:spPr>
           <a:xfrm>
-            <a:off x="956734" y="804334"/>
-            <a:ext cx="7188200" cy="5326456"/>
+            <a:off x="105184" y="804334"/>
+            <a:ext cx="8830734" cy="5326456"/>
           </a:xfrm>
           <a:prstGeom prst="rect">
             <a:avLst/>
           </a:prstGeom>
-          <a:noFill/>
+          <a:solidFill>
+            <a:schemeClr val="tx1"/>
+          </a:solidFill>
           <a:ln>
             <a:solidFill>
               <a:srgbClr val="004065"/>
@@ -3039,63 +3048,6 @@
       </p:sp>
       <p:sp>
         <p:nvSpPr>
-          <p:cNvPr id="5" name="Rectangle 4">
-            <a:extLst>
-              <a:ext uri="{FF2B5EF4-FFF2-40B4-BE49-F238E27FC236}">
-                <a16:creationId xmlns:a16="http://schemas.microsoft.com/office/drawing/2014/main" id="{E76FB631-3968-9443-AA9E-318919A78148}"/>
-              </a:ext>
-            </a:extLst>
-          </p:cNvPr>
-          <p:cNvSpPr/>
-          <p:nvPr/>
-        </p:nvSpPr>
-        <p:spPr>
-          <a:xfrm>
-            <a:off x="1223755" y="1490133"/>
-            <a:ext cx="1451103" cy="1075267"/>
-          </a:xfrm>
-          <a:prstGeom prst="rect">
-            <a:avLst/>
-          </a:prstGeom>
-          <a:noFill/>
-          <a:ln>
-            <a:solidFill>
-              <a:srgbClr val="FFEEBB"/>
-            </a:solidFill>
-          </a:ln>
-        </p:spPr>
-        <p:style>
-          <a:lnRef idx="2">
-            <a:schemeClr val="accent1">
-              <a:shade val="50000"/>
-            </a:schemeClr>
-          </a:lnRef>
-          <a:fillRef idx="1">
-            <a:schemeClr val="accent1"/>
-          </a:fillRef>
-          <a:effectRef idx="0">
-            <a:schemeClr val="accent1"/>
-          </a:effectRef>
-          <a:fontRef idx="minor">
-            <a:schemeClr val="lt1"/>
-          </a:fontRef>
-        </p:style>
-        <p:txBody>
-          <a:bodyPr rtlCol="0" anchor="ctr"/>
-          <a:lstStyle/>
-          <a:p>
-            <a:pPr algn="ctr"/>
-            <a:r>
-              <a:rPr lang="en-US" sz="1400" b="1" dirty="0">
-                <a:latin typeface="Avenir Next" panose="020B0503020202020204" pitchFamily="34" charset="0"/>
-              </a:rPr>
-              <a:t>+</a:t>
-            </a:r>
-          </a:p>
-        </p:txBody>
-      </p:sp>
-      <p:sp>
-        <p:nvSpPr>
           <p:cNvPr id="16" name="TextBox 15">
             <a:extLst>
               <a:ext uri="{FF2B5EF4-FFF2-40B4-BE49-F238E27FC236}">
@@ -3108,8 +3060,8 @@
         </p:nvSpPr>
         <p:spPr>
           <a:xfrm>
-            <a:off x="1384620" y="3347307"/>
-            <a:ext cx="6271863" cy="1281120"/>
+            <a:off x="1270969" y="1089988"/>
+            <a:ext cx="6271863" cy="4355038"/>
           </a:xfrm>
           <a:prstGeom prst="rect">
             <a:avLst/>
@@ -3128,1139 +3080,292 @@
               </a:spcAft>
             </a:pPr>
             <a:r>
-              <a:rPr lang="en-US" sz="1400" b="1" dirty="0">
+              <a:rPr lang="en-US" sz="1600" b="1" dirty="0">
+                <a:solidFill>
+                  <a:schemeClr val="bg1"/>
+                </a:solidFill>
+                <a:latin typeface="Avenir Next" panose="020B0503020202020204" pitchFamily="34" charset="0"/>
+              </a:rPr>
+              <a:t>Welcome!</a:t>
+            </a:r>
+          </a:p>
+          <a:p>
+            <a:pPr>
+              <a:spcAft>
+                <a:spcPts val="600"/>
+              </a:spcAft>
+            </a:pPr>
+            <a:endParaRPr lang="en-US" sz="1600" b="1" dirty="0">
+              <a:solidFill>
+                <a:srgbClr val="E31937"/>
+              </a:solidFill>
+              <a:latin typeface="Avenir Next" panose="020B0503020202020204" pitchFamily="34" charset="0"/>
+            </a:endParaRPr>
+          </a:p>
+          <a:p>
+            <a:pPr>
+              <a:spcAft>
+                <a:spcPts val="600"/>
+              </a:spcAft>
+            </a:pPr>
+            <a:r>
+              <a:rPr lang="en-US" sz="1600" b="1" dirty="0">
+                <a:solidFill>
+                  <a:schemeClr val="bg1"/>
+                </a:solidFill>
+                <a:latin typeface="Avenir Next" panose="020B0503020202020204" pitchFamily="34" charset="0"/>
+              </a:rPr>
+              <a:t>In this experiment, you will be performing an orientation matching task. On every trial, you will be briefly presented with two patches of orientation and a checkerboard (like below) overlaid on top of two objects. </a:t>
+            </a:r>
+          </a:p>
+          <a:p>
+            <a:pPr>
+              <a:spcAft>
+                <a:spcPts val="600"/>
+              </a:spcAft>
+            </a:pPr>
+            <a:endParaRPr lang="en-US" sz="1600" b="1" dirty="0">
+              <a:solidFill>
+                <a:schemeClr val="bg1"/>
+              </a:solidFill>
+              <a:latin typeface="Avenir Next" panose="020B0503020202020204" pitchFamily="34" charset="0"/>
+            </a:endParaRPr>
+          </a:p>
+          <a:p>
+            <a:pPr>
+              <a:spcAft>
+                <a:spcPts val="600"/>
+              </a:spcAft>
+            </a:pPr>
+            <a:endParaRPr lang="en-US" sz="1600" b="1" dirty="0">
+              <a:solidFill>
+                <a:schemeClr val="bg1"/>
+              </a:solidFill>
+              <a:latin typeface="Avenir Next" panose="020B0503020202020204" pitchFamily="34" charset="0"/>
+            </a:endParaRPr>
+          </a:p>
+          <a:p>
+            <a:pPr>
+              <a:spcAft>
+                <a:spcPts val="600"/>
+              </a:spcAft>
+            </a:pPr>
+            <a:endParaRPr lang="en-US" sz="1600" b="1" dirty="0">
+              <a:solidFill>
+                <a:schemeClr val="bg1"/>
+              </a:solidFill>
+              <a:latin typeface="Avenir Next" panose="020B0503020202020204" pitchFamily="34" charset="0"/>
+            </a:endParaRPr>
+          </a:p>
+          <a:p>
+            <a:pPr>
+              <a:spcAft>
+                <a:spcPts val="600"/>
+              </a:spcAft>
+            </a:pPr>
+            <a:r>
+              <a:rPr lang="en-US" sz="1600" b="1" dirty="0">
+                <a:solidFill>
+                  <a:schemeClr val="bg1"/>
+                </a:solidFill>
+                <a:latin typeface="Avenir Next" panose="020B0503020202020204" pitchFamily="34" charset="0"/>
+              </a:rPr>
+              <a:t>Your task is to report whether the two patches match in orientation, and to ignore the checkerboard. </a:t>
+            </a:r>
+          </a:p>
+          <a:p>
+            <a:pPr>
+              <a:spcAft>
+                <a:spcPts val="600"/>
+              </a:spcAft>
+            </a:pPr>
+            <a:endParaRPr lang="en-US" sz="1600" b="1" dirty="0">
+              <a:solidFill>
+                <a:schemeClr val="bg1"/>
+              </a:solidFill>
+              <a:latin typeface="Avenir Next" panose="020B0503020202020204" pitchFamily="34" charset="0"/>
+            </a:endParaRPr>
+          </a:p>
+          <a:p>
+            <a:pPr>
+              <a:spcAft>
+                <a:spcPts val="600"/>
+              </a:spcAft>
+            </a:pPr>
+            <a:r>
+              <a:rPr lang="en-US" sz="1600" b="1" dirty="0">
+                <a:solidFill>
+                  <a:schemeClr val="bg1"/>
+                </a:solidFill>
+                <a:latin typeface="Avenir Next" panose="020B0503020202020204" pitchFamily="34" charset="0"/>
+              </a:rPr>
+              <a:t>There will be a total of </a:t>
+            </a:r>
+            <a:r>
+              <a:rPr lang="en-US" sz="1600" b="1" dirty="0">
                 <a:solidFill>
                   <a:srgbClr val="E31937"/>
                 </a:solidFill>
                 <a:latin typeface="Avenir Next" panose="020B0503020202020204" pitchFamily="34" charset="0"/>
               </a:rPr>
-              <a:t>Display 1: Fixation</a:t>
-            </a:r>
-          </a:p>
-          <a:p>
-            <a:pPr marL="285750" indent="-285750">
-              <a:lnSpc>
-                <a:spcPct val="150000"/>
-              </a:lnSpc>
-              <a:buFont typeface="Arial" panose="020B0604020202020204" pitchFamily="34" charset="0"/>
-              <a:buChar char="•"/>
-            </a:pPr>
-            <a:r>
-              <a:rPr lang="en-US" sz="1400" dirty="0">
+              <a:t>X</a:t>
+            </a:r>
+            <a:r>
+              <a:rPr lang="en-US" sz="1600" b="1" dirty="0">
                 <a:solidFill>
                   <a:schemeClr val="bg1"/>
                 </a:solidFill>
                 <a:latin typeface="Avenir Next" panose="020B0503020202020204" pitchFamily="34" charset="0"/>
               </a:rPr>
-              <a:t>A fixation cross will first appear in the middle of the screen. </a:t>
-            </a:r>
-          </a:p>
-          <a:p>
-            <a:pPr marL="285750" indent="-285750">
-              <a:lnSpc>
-                <a:spcPct val="150000"/>
-              </a:lnSpc>
-              <a:buFont typeface="Arial" panose="020B0604020202020204" pitchFamily="34" charset="0"/>
-              <a:buChar char="•"/>
-            </a:pPr>
-            <a:r>
-              <a:rPr lang="en-US" sz="1400" dirty="0">
+              <a:t> blocks of trials. Each block has </a:t>
+            </a:r>
+            <a:r>
+              <a:rPr lang="en-US" sz="1600" b="1" dirty="0">
+                <a:solidFill>
+                  <a:srgbClr val="E31937"/>
+                </a:solidFill>
+                <a:latin typeface="Avenir Next" panose="020B0503020202020204" pitchFamily="34" charset="0"/>
+              </a:rPr>
+              <a:t>XX</a:t>
+            </a:r>
+            <a:r>
+              <a:rPr lang="en-US" sz="1600" b="1" dirty="0">
                 <a:solidFill>
                   <a:schemeClr val="bg1"/>
                 </a:solidFill>
                 <a:latin typeface="Avenir Next" panose="020B0503020202020204" pitchFamily="34" charset="0"/>
               </a:rPr>
-              <a:t>This indicates the beginning of a new trial. </a:t>
-            </a:r>
-          </a:p>
-          <a:p>
-            <a:pPr marL="285750" indent="-285750">
-              <a:lnSpc>
-                <a:spcPct val="150000"/>
-              </a:lnSpc>
-              <a:buFont typeface="Arial" panose="020B0604020202020204" pitchFamily="34" charset="0"/>
-              <a:buChar char="•"/>
-            </a:pPr>
-            <a:r>
-              <a:rPr lang="en-US" sz="1400" dirty="0">
-                <a:solidFill>
-                  <a:schemeClr val="bg1"/>
-                </a:solidFill>
-                <a:latin typeface="Avenir Next" panose="020B0503020202020204" pitchFamily="34" charset="0"/>
-              </a:rPr>
-              <a:t>Please maintain fixation throughout the experiment.  </a:t>
-            </a:r>
-          </a:p>
-        </p:txBody>
-      </p:sp>
-      <p:sp>
-        <p:nvSpPr>
-          <p:cNvPr id="17" name="TextBox 16">
+              <a:t> trials and the experiment will last between 20 to 30 minutes. You will be able to take breaks in between blocks.</a:t>
+            </a:r>
+          </a:p>
+        </p:txBody>
+      </p:sp>
+      <p:pic>
+        <p:nvPicPr>
+          <p:cNvPr id="3" name="Picture 2">
             <a:extLst>
               <a:ext uri="{FF2B5EF4-FFF2-40B4-BE49-F238E27FC236}">
-                <a16:creationId xmlns:a16="http://schemas.microsoft.com/office/drawing/2014/main" id="{B49F8974-FABD-F74B-B459-897B7E68272C}"/>
+                <a16:creationId xmlns:a16="http://schemas.microsoft.com/office/drawing/2014/main" id="{7624361F-ADE4-964E-9827-3B340ADC8D8C}"/>
               </a:ext>
             </a:extLst>
           </p:cNvPr>
-          <p:cNvSpPr txBox="1"/>
+          <p:cNvPicPr>
+            <a:picLocks noChangeAspect="1"/>
+          </p:cNvPicPr>
           <p:nvPr/>
-        </p:nvSpPr>
-        <p:spPr>
-          <a:xfrm>
-            <a:off x="1223755" y="2565400"/>
-            <a:ext cx="1463520" cy="307777"/>
+        </p:nvPicPr>
+        <p:blipFill>
+          <a:blip r:embed="rId2"/>
+          <a:stretch>
+            <a:fillRect/>
+          </a:stretch>
+        </p:blipFill>
+        <p:spPr>
+          <a:xfrm rot="2700000">
+            <a:off x="2130438" y="2767262"/>
+            <a:ext cx="814897" cy="814897"/>
           </a:xfrm>
           <a:prstGeom prst="rect">
             <a:avLst/>
           </a:prstGeom>
-          <a:noFill/>
-        </p:spPr>
-        <p:txBody>
-          <a:bodyPr wrap="square" rtlCol="0">
-            <a:spAutoFit/>
-          </a:bodyPr>
-          <a:lstStyle/>
-          <a:p>
-            <a:pPr algn="ctr"/>
-            <a:r>
-              <a:rPr lang="en-US" sz="1400" b="1" dirty="0">
-                <a:solidFill>
-                  <a:srgbClr val="E31937"/>
-                </a:solidFill>
-                <a:latin typeface="Avenir Next" panose="020B0503020202020204" pitchFamily="34" charset="0"/>
-              </a:rPr>
-              <a:t>Display 1</a:t>
-            </a:r>
-          </a:p>
-        </p:txBody>
-      </p:sp>
+        </p:spPr>
+      </p:pic>
+      <p:pic>
+        <p:nvPicPr>
+          <p:cNvPr id="9" name="Picture 8">
+            <a:extLst>
+              <a:ext uri="{FF2B5EF4-FFF2-40B4-BE49-F238E27FC236}">
+                <a16:creationId xmlns:a16="http://schemas.microsoft.com/office/drawing/2014/main" id="{1CD3675B-9D4A-9A4F-9032-244DB4A20492}"/>
+              </a:ext>
+            </a:extLst>
+          </p:cNvPr>
+          <p:cNvPicPr>
+            <a:picLocks noChangeAspect="1"/>
+          </p:cNvPicPr>
+          <p:nvPr/>
+        </p:nvPicPr>
+        <p:blipFill>
+          <a:blip r:embed="rId2"/>
+          <a:stretch>
+            <a:fillRect/>
+          </a:stretch>
+        </p:blipFill>
+        <p:spPr>
+          <a:xfrm rot="18900000">
+            <a:off x="3791825" y="2767264"/>
+            <a:ext cx="814897" cy="814897"/>
+          </a:xfrm>
+          <a:prstGeom prst="rect">
+            <a:avLst/>
+          </a:prstGeom>
+        </p:spPr>
+      </p:pic>
+      <p:pic>
+        <p:nvPicPr>
+          <p:cNvPr id="6" name="Picture 5">
+            <a:extLst>
+              <a:ext uri="{FF2B5EF4-FFF2-40B4-BE49-F238E27FC236}">
+                <a16:creationId xmlns:a16="http://schemas.microsoft.com/office/drawing/2014/main" id="{7A83ABDF-42C7-9641-9F5C-F1A1B14DDDFD}"/>
+              </a:ext>
+            </a:extLst>
+          </p:cNvPr>
+          <p:cNvPicPr>
+            <a:picLocks noChangeAspect="1"/>
+          </p:cNvPicPr>
+          <p:nvPr/>
+        </p:nvPicPr>
+        <p:blipFill>
+          <a:blip r:embed="rId2"/>
+          <a:stretch>
+            <a:fillRect/>
+          </a:stretch>
+        </p:blipFill>
+        <p:spPr>
+          <a:xfrm rot="2700000">
+            <a:off x="5453212" y="2767264"/>
+            <a:ext cx="814897" cy="814897"/>
+          </a:xfrm>
+          <a:prstGeom prst="rect">
+            <a:avLst/>
+          </a:prstGeom>
+        </p:spPr>
+      </p:pic>
+      <p:pic>
+        <p:nvPicPr>
+          <p:cNvPr id="7" name="Picture 6">
+            <a:extLst>
+              <a:ext uri="{FF2B5EF4-FFF2-40B4-BE49-F238E27FC236}">
+                <a16:creationId xmlns:a16="http://schemas.microsoft.com/office/drawing/2014/main" id="{283FE03D-6847-FA4F-874E-415903EC4F0E}"/>
+              </a:ext>
+            </a:extLst>
+          </p:cNvPr>
+          <p:cNvPicPr>
+            <a:picLocks noChangeAspect="1"/>
+          </p:cNvPicPr>
+          <p:nvPr/>
+        </p:nvPicPr>
+        <p:blipFill>
+          <a:blip r:embed="rId2">
+            <a:alphaModFix amt="50000"/>
+          </a:blip>
+          <a:stretch>
+            <a:fillRect/>
+          </a:stretch>
+        </p:blipFill>
+        <p:spPr>
+          <a:xfrm rot="18900000">
+            <a:off x="5453212" y="2767266"/>
+            <a:ext cx="814897" cy="814897"/>
+          </a:xfrm>
+          <a:prstGeom prst="rect">
+            <a:avLst/>
+          </a:prstGeom>
+        </p:spPr>
+      </p:pic>
     </p:spTree>
     <p:extLst>
       <p:ext uri="{BB962C8B-B14F-4D97-AF65-F5344CB8AC3E}">
         <p14:creationId xmlns:p14="http://schemas.microsoft.com/office/powerpoint/2010/main" val="519474267"/>
-      </p:ext>
-    </p:extLst>
-  </p:cSld>
-  <p:clrMapOvr>
-    <a:masterClrMapping/>
-  </p:clrMapOvr>
-</p:sld>
-</file>
-
-<file path=ppt/slides/slide10.xml><?xml version="1.0" encoding="utf-8"?>
-<p:sld xmlns:a="http://schemas.openxmlformats.org/drawingml/2006/main" xmlns:r="http://schemas.openxmlformats.org/officeDocument/2006/relationships" xmlns:p="http://schemas.openxmlformats.org/presentationml/2006/main">
-  <p:cSld>
-    <p:spTree>
-      <p:nvGrpSpPr>
-        <p:cNvPr id="1" name=""/>
-        <p:cNvGrpSpPr/>
-        <p:nvPr/>
-      </p:nvGrpSpPr>
-      <p:grpSpPr>
-        <a:xfrm>
-          <a:off x="0" y="0"/>
-          <a:ext cx="0" cy="0"/>
-          <a:chOff x="0" y="0"/>
-          <a:chExt cx="0" cy="0"/>
-        </a:xfrm>
-      </p:grpSpPr>
-      <p:sp>
-        <p:nvSpPr>
-          <p:cNvPr id="8" name="Rectangle 7">
-            <a:extLst>
-              <a:ext uri="{FF2B5EF4-FFF2-40B4-BE49-F238E27FC236}">
-                <a16:creationId xmlns:a16="http://schemas.microsoft.com/office/drawing/2014/main" id="{278B45D5-E8C2-434C-8409-90EDEBACE4AA}"/>
-              </a:ext>
-            </a:extLst>
-          </p:cNvPr>
-          <p:cNvSpPr/>
-          <p:nvPr/>
-        </p:nvSpPr>
-        <p:spPr>
-          <a:xfrm>
-            <a:off x="956734" y="668867"/>
-            <a:ext cx="7188200" cy="5326456"/>
-          </a:xfrm>
-          <a:prstGeom prst="rect">
-            <a:avLst/>
-          </a:prstGeom>
-          <a:noFill/>
-          <a:ln>
-            <a:solidFill>
-              <a:srgbClr val="004065"/>
-            </a:solidFill>
-          </a:ln>
-        </p:spPr>
-        <p:style>
-          <a:lnRef idx="2">
-            <a:schemeClr val="accent1">
-              <a:shade val="50000"/>
-            </a:schemeClr>
-          </a:lnRef>
-          <a:fillRef idx="1">
-            <a:schemeClr val="accent1"/>
-          </a:fillRef>
-          <a:effectRef idx="0">
-            <a:schemeClr val="accent1"/>
-          </a:effectRef>
-          <a:fontRef idx="minor">
-            <a:schemeClr val="lt1"/>
-          </a:fontRef>
-        </p:style>
-        <p:txBody>
-          <a:bodyPr rtlCol="0" anchor="ctr"/>
-          <a:lstStyle/>
-          <a:p>
-            <a:pPr algn="ctr"/>
-            <a:endParaRPr lang="en-US"/>
-          </a:p>
-        </p:txBody>
-      </p:sp>
-      <p:sp>
-        <p:nvSpPr>
-          <p:cNvPr id="5" name="Rectangle 4">
-            <a:extLst>
-              <a:ext uri="{FF2B5EF4-FFF2-40B4-BE49-F238E27FC236}">
-                <a16:creationId xmlns:a16="http://schemas.microsoft.com/office/drawing/2014/main" id="{E76FB631-3968-9443-AA9E-318919A78148}"/>
-              </a:ext>
-            </a:extLst>
-          </p:cNvPr>
-          <p:cNvSpPr/>
-          <p:nvPr/>
-        </p:nvSpPr>
-        <p:spPr>
-          <a:xfrm>
-            <a:off x="1384621" y="1845733"/>
-            <a:ext cx="1828161" cy="1354667"/>
-          </a:xfrm>
-          <a:prstGeom prst="rect">
-            <a:avLst/>
-          </a:prstGeom>
-          <a:noFill/>
-          <a:ln>
-            <a:solidFill>
-              <a:srgbClr val="FFEEBB"/>
-            </a:solidFill>
-          </a:ln>
-        </p:spPr>
-        <p:style>
-          <a:lnRef idx="2">
-            <a:schemeClr val="accent1">
-              <a:shade val="50000"/>
-            </a:schemeClr>
-          </a:lnRef>
-          <a:fillRef idx="1">
-            <a:schemeClr val="accent1"/>
-          </a:fillRef>
-          <a:effectRef idx="0">
-            <a:schemeClr val="accent1"/>
-          </a:effectRef>
-          <a:fontRef idx="minor">
-            <a:schemeClr val="lt1"/>
-          </a:fontRef>
-        </p:style>
-        <p:txBody>
-          <a:bodyPr rtlCol="0" anchor="ctr"/>
-          <a:lstStyle/>
-          <a:p>
-            <a:pPr algn="ctr"/>
-            <a:r>
-              <a:rPr lang="en-US" sz="2200" b="1" dirty="0">
-                <a:latin typeface="Avenir Next" panose="020B0503020202020204" pitchFamily="34" charset="0"/>
-              </a:rPr>
-              <a:t>+</a:t>
-            </a:r>
-          </a:p>
-        </p:txBody>
-      </p:sp>
-      <p:sp>
-        <p:nvSpPr>
-          <p:cNvPr id="2" name="TextBox 1">
-            <a:extLst>
-              <a:ext uri="{FF2B5EF4-FFF2-40B4-BE49-F238E27FC236}">
-                <a16:creationId xmlns:a16="http://schemas.microsoft.com/office/drawing/2014/main" id="{82363686-2340-5C40-B9D6-D732761BFDD8}"/>
-              </a:ext>
-            </a:extLst>
-          </p:cNvPr>
-          <p:cNvSpPr txBox="1"/>
-          <p:nvPr/>
-        </p:nvSpPr>
-        <p:spPr>
-          <a:xfrm>
-            <a:off x="1384621" y="3200400"/>
-            <a:ext cx="1828161" cy="307777"/>
-          </a:xfrm>
-          <a:prstGeom prst="rect">
-            <a:avLst/>
-          </a:prstGeom>
-          <a:noFill/>
-        </p:spPr>
-        <p:txBody>
-          <a:bodyPr wrap="square" rtlCol="0">
-            <a:spAutoFit/>
-          </a:bodyPr>
-          <a:lstStyle/>
-          <a:p>
-            <a:pPr algn="ctr"/>
-            <a:r>
-              <a:rPr lang="en-US" sz="1400" b="1" dirty="0">
-                <a:solidFill>
-                  <a:srgbClr val="E31937"/>
-                </a:solidFill>
-                <a:latin typeface="Avenir Next" panose="020B0503020202020204" pitchFamily="34" charset="0"/>
-              </a:rPr>
-              <a:t>Display 1</a:t>
-            </a:r>
-          </a:p>
-        </p:txBody>
-      </p:sp>
-      <p:sp>
-        <p:nvSpPr>
-          <p:cNvPr id="7" name="TextBox 6">
-            <a:extLst>
-              <a:ext uri="{FF2B5EF4-FFF2-40B4-BE49-F238E27FC236}">
-                <a16:creationId xmlns:a16="http://schemas.microsoft.com/office/drawing/2014/main" id="{9CB15087-B04A-EB4A-B82F-828A8B59FFC3}"/>
-              </a:ext>
-            </a:extLst>
-          </p:cNvPr>
-          <p:cNvSpPr txBox="1"/>
-          <p:nvPr/>
-        </p:nvSpPr>
-        <p:spPr>
-          <a:xfrm>
-            <a:off x="1384620" y="3982307"/>
-            <a:ext cx="6271863" cy="984885"/>
-          </a:xfrm>
-          <a:prstGeom prst="rect">
-            <a:avLst/>
-          </a:prstGeom>
-          <a:noFill/>
-        </p:spPr>
-        <p:txBody>
-          <a:bodyPr wrap="square" bIns="0" rtlCol="0">
-            <a:spAutoFit/>
-          </a:bodyPr>
-          <a:lstStyle/>
-          <a:p>
-            <a:pPr>
-              <a:spcAft>
-                <a:spcPts val="600"/>
-              </a:spcAft>
-            </a:pPr>
-            <a:r>
-              <a:rPr lang="en-US" sz="1400" b="1" dirty="0">
-                <a:solidFill>
-                  <a:srgbClr val="E31937"/>
-                </a:solidFill>
-                <a:latin typeface="Avenir Next" panose="020B0503020202020204" pitchFamily="34" charset="0"/>
-              </a:rPr>
-              <a:t>Display 1: Fixation</a:t>
-            </a:r>
-          </a:p>
-          <a:p>
-            <a:r>
-              <a:rPr lang="en-US" sz="1400" dirty="0">
-                <a:solidFill>
-                  <a:schemeClr val="bg1"/>
-                </a:solidFill>
-                <a:latin typeface="Avenir Next" panose="020B0503020202020204" pitchFamily="34" charset="0"/>
-              </a:rPr>
-              <a:t>A fixation cross will first appear in the middle of the screen. This indicates the beginning of a new trial. Please maintain fixation throughout the experiment.  </a:t>
-            </a:r>
-          </a:p>
-        </p:txBody>
-      </p:sp>
-    </p:spTree>
-    <p:extLst>
-      <p:ext uri="{BB962C8B-B14F-4D97-AF65-F5344CB8AC3E}">
-        <p14:creationId xmlns:p14="http://schemas.microsoft.com/office/powerpoint/2010/main" val="1580264353"/>
-      </p:ext>
-    </p:extLst>
-  </p:cSld>
-  <p:clrMapOvr>
-    <a:masterClrMapping/>
-  </p:clrMapOvr>
-</p:sld>
-</file>
-
-<file path=ppt/slides/slide11.xml><?xml version="1.0" encoding="utf-8"?>
-<p:sld xmlns:a="http://schemas.openxmlformats.org/drawingml/2006/main" xmlns:r="http://schemas.openxmlformats.org/officeDocument/2006/relationships" xmlns:p="http://schemas.openxmlformats.org/presentationml/2006/main">
-  <p:cSld>
-    <p:spTree>
-      <p:nvGrpSpPr>
-        <p:cNvPr id="1" name=""/>
-        <p:cNvGrpSpPr/>
-        <p:nvPr/>
-      </p:nvGrpSpPr>
-      <p:grpSpPr>
-        <a:xfrm>
-          <a:off x="0" y="0"/>
-          <a:ext cx="0" cy="0"/>
-          <a:chOff x="0" y="0"/>
-          <a:chExt cx="0" cy="0"/>
-        </a:xfrm>
-      </p:grpSpPr>
-      <p:sp>
-        <p:nvSpPr>
-          <p:cNvPr id="8" name="Rectangle 7">
-            <a:extLst>
-              <a:ext uri="{FF2B5EF4-FFF2-40B4-BE49-F238E27FC236}">
-                <a16:creationId xmlns:a16="http://schemas.microsoft.com/office/drawing/2014/main" id="{278B45D5-E8C2-434C-8409-90EDEBACE4AA}"/>
-              </a:ext>
-            </a:extLst>
-          </p:cNvPr>
-          <p:cNvSpPr/>
-          <p:nvPr/>
-        </p:nvSpPr>
-        <p:spPr>
-          <a:xfrm>
-            <a:off x="956734" y="668867"/>
-            <a:ext cx="7188200" cy="5326456"/>
-          </a:xfrm>
-          <a:prstGeom prst="rect">
-            <a:avLst/>
-          </a:prstGeom>
-          <a:noFill/>
-          <a:ln>
-            <a:solidFill>
-              <a:srgbClr val="004065"/>
-            </a:solidFill>
-          </a:ln>
-        </p:spPr>
-        <p:style>
-          <a:lnRef idx="2">
-            <a:schemeClr val="accent1">
-              <a:shade val="50000"/>
-            </a:schemeClr>
-          </a:lnRef>
-          <a:fillRef idx="1">
-            <a:schemeClr val="accent1"/>
-          </a:fillRef>
-          <a:effectRef idx="0">
-            <a:schemeClr val="accent1"/>
-          </a:effectRef>
-          <a:fontRef idx="minor">
-            <a:schemeClr val="lt1"/>
-          </a:fontRef>
-        </p:style>
-        <p:txBody>
-          <a:bodyPr rtlCol="0" anchor="ctr"/>
-          <a:lstStyle/>
-          <a:p>
-            <a:pPr algn="ctr"/>
-            <a:endParaRPr lang="en-US"/>
-          </a:p>
-        </p:txBody>
-      </p:sp>
-      <p:sp>
-        <p:nvSpPr>
-          <p:cNvPr id="5" name="Rectangle 4">
-            <a:extLst>
-              <a:ext uri="{FF2B5EF4-FFF2-40B4-BE49-F238E27FC236}">
-                <a16:creationId xmlns:a16="http://schemas.microsoft.com/office/drawing/2014/main" id="{E76FB631-3968-9443-AA9E-318919A78148}"/>
-              </a:ext>
-            </a:extLst>
-          </p:cNvPr>
-          <p:cNvSpPr/>
-          <p:nvPr/>
-        </p:nvSpPr>
-        <p:spPr>
-          <a:xfrm>
-            <a:off x="1384621" y="1845733"/>
-            <a:ext cx="1828161" cy="1354667"/>
-          </a:xfrm>
-          <a:prstGeom prst="rect">
-            <a:avLst/>
-          </a:prstGeom>
-          <a:noFill/>
-          <a:ln>
-            <a:solidFill>
-              <a:srgbClr val="FFEEBB"/>
-            </a:solidFill>
-          </a:ln>
-        </p:spPr>
-        <p:style>
-          <a:lnRef idx="2">
-            <a:schemeClr val="accent1">
-              <a:shade val="50000"/>
-            </a:schemeClr>
-          </a:lnRef>
-          <a:fillRef idx="1">
-            <a:schemeClr val="accent1"/>
-          </a:fillRef>
-          <a:effectRef idx="0">
-            <a:schemeClr val="accent1"/>
-          </a:effectRef>
-          <a:fontRef idx="minor">
-            <a:schemeClr val="lt1"/>
-          </a:fontRef>
-        </p:style>
-        <p:txBody>
-          <a:bodyPr rtlCol="0" anchor="ctr"/>
-          <a:lstStyle/>
-          <a:p>
-            <a:pPr algn="ctr"/>
-            <a:r>
-              <a:rPr lang="en-US" sz="2200" b="1" dirty="0">
-                <a:latin typeface="Avenir Next" panose="020B0503020202020204" pitchFamily="34" charset="0"/>
-              </a:rPr>
-              <a:t>+</a:t>
-            </a:r>
-          </a:p>
-        </p:txBody>
-      </p:sp>
-      <p:sp>
-        <p:nvSpPr>
-          <p:cNvPr id="4" name="Rectangle 3">
-            <a:extLst>
-              <a:ext uri="{FF2B5EF4-FFF2-40B4-BE49-F238E27FC236}">
-                <a16:creationId xmlns:a16="http://schemas.microsoft.com/office/drawing/2014/main" id="{2A28EF87-0B63-024C-9ACA-3A5EF7EBCDD0}"/>
-              </a:ext>
-            </a:extLst>
-          </p:cNvPr>
-          <p:cNvSpPr/>
-          <p:nvPr/>
-        </p:nvSpPr>
-        <p:spPr>
-          <a:xfrm>
-            <a:off x="3606471" y="1845733"/>
-            <a:ext cx="1828161" cy="1354667"/>
-          </a:xfrm>
-          <a:prstGeom prst="rect">
-            <a:avLst/>
-          </a:prstGeom>
-          <a:noFill/>
-          <a:ln>
-            <a:solidFill>
-              <a:srgbClr val="FFEEBB"/>
-            </a:solidFill>
-          </a:ln>
-        </p:spPr>
-        <p:style>
-          <a:lnRef idx="2">
-            <a:schemeClr val="accent1">
-              <a:shade val="50000"/>
-            </a:schemeClr>
-          </a:lnRef>
-          <a:fillRef idx="1">
-            <a:schemeClr val="accent1"/>
-          </a:fillRef>
-          <a:effectRef idx="0">
-            <a:schemeClr val="accent1"/>
-          </a:effectRef>
-          <a:fontRef idx="minor">
-            <a:schemeClr val="lt1"/>
-          </a:fontRef>
-        </p:style>
-        <p:txBody>
-          <a:bodyPr rtlCol="0" anchor="ctr"/>
-          <a:lstStyle/>
-          <a:p>
-            <a:pPr algn="ctr"/>
-            <a:r>
-              <a:rPr lang="en-US" sz="2200" b="1" dirty="0">
-                <a:latin typeface="Avenir Next" panose="020B0503020202020204" pitchFamily="34" charset="0"/>
-              </a:rPr>
-              <a:t>+</a:t>
-            </a:r>
-          </a:p>
-        </p:txBody>
-      </p:sp>
-      <p:cxnSp>
-        <p:nvCxnSpPr>
-          <p:cNvPr id="3" name="Straight Arrow Connector 2">
-            <a:extLst>
-              <a:ext uri="{FF2B5EF4-FFF2-40B4-BE49-F238E27FC236}">
-                <a16:creationId xmlns:a16="http://schemas.microsoft.com/office/drawing/2014/main" id="{0F443836-E06E-A244-9998-89334764748C}"/>
-              </a:ext>
-            </a:extLst>
-          </p:cNvPr>
-          <p:cNvCxnSpPr>
-            <a:stCxn id="5" idx="3"/>
-            <a:endCxn id="4" idx="1"/>
-          </p:cNvCxnSpPr>
-          <p:nvPr/>
-        </p:nvCxnSpPr>
-        <p:spPr>
-          <a:xfrm>
-            <a:off x="3212782" y="2523067"/>
-            <a:ext cx="393689" cy="0"/>
-          </a:xfrm>
-          <a:prstGeom prst="straightConnector1">
-            <a:avLst/>
-          </a:prstGeom>
-          <a:ln w="19050">
-            <a:solidFill>
-              <a:srgbClr val="E31937"/>
-            </a:solidFill>
-            <a:tailEnd type="triangle"/>
-          </a:ln>
-        </p:spPr>
-        <p:style>
-          <a:lnRef idx="1">
-            <a:schemeClr val="accent1"/>
-          </a:lnRef>
-          <a:fillRef idx="0">
-            <a:schemeClr val="accent1"/>
-          </a:fillRef>
-          <a:effectRef idx="0">
-            <a:schemeClr val="accent1"/>
-          </a:effectRef>
-          <a:fontRef idx="minor">
-            <a:schemeClr val="tx1"/>
-          </a:fontRef>
-        </p:style>
-      </p:cxnSp>
-      <p:sp>
-        <p:nvSpPr>
-          <p:cNvPr id="9" name="TextBox 8">
-            <a:extLst>
-              <a:ext uri="{FF2B5EF4-FFF2-40B4-BE49-F238E27FC236}">
-                <a16:creationId xmlns:a16="http://schemas.microsoft.com/office/drawing/2014/main" id="{A7399520-090E-E046-B095-67E7A9C2161B}"/>
-              </a:ext>
-            </a:extLst>
-          </p:cNvPr>
-          <p:cNvSpPr txBox="1"/>
-          <p:nvPr/>
-        </p:nvSpPr>
-        <p:spPr>
-          <a:xfrm>
-            <a:off x="1384621" y="3200400"/>
-            <a:ext cx="1828161" cy="307777"/>
-          </a:xfrm>
-          <a:prstGeom prst="rect">
-            <a:avLst/>
-          </a:prstGeom>
-          <a:noFill/>
-        </p:spPr>
-        <p:txBody>
-          <a:bodyPr wrap="square" rtlCol="0">
-            <a:spAutoFit/>
-          </a:bodyPr>
-          <a:lstStyle/>
-          <a:p>
-            <a:pPr algn="ctr"/>
-            <a:r>
-              <a:rPr lang="en-US" sz="1400" dirty="0">
-                <a:solidFill>
-                  <a:schemeClr val="bg1"/>
-                </a:solidFill>
-                <a:latin typeface="Avenir Next" panose="020B0503020202020204" pitchFamily="34" charset="0"/>
-              </a:rPr>
-              <a:t>Display 1</a:t>
-            </a:r>
-          </a:p>
-        </p:txBody>
-      </p:sp>
-      <p:sp>
-        <p:nvSpPr>
-          <p:cNvPr id="10" name="TextBox 9">
-            <a:extLst>
-              <a:ext uri="{FF2B5EF4-FFF2-40B4-BE49-F238E27FC236}">
-                <a16:creationId xmlns:a16="http://schemas.microsoft.com/office/drawing/2014/main" id="{0237C86A-C28B-E048-9159-4371A3D46222}"/>
-              </a:ext>
-            </a:extLst>
-          </p:cNvPr>
-          <p:cNvSpPr txBox="1"/>
-          <p:nvPr/>
-        </p:nvSpPr>
-        <p:spPr>
-          <a:xfrm>
-            <a:off x="3606471" y="3200399"/>
-            <a:ext cx="1828161" cy="307777"/>
-          </a:xfrm>
-          <a:prstGeom prst="rect">
-            <a:avLst/>
-          </a:prstGeom>
-          <a:noFill/>
-        </p:spPr>
-        <p:txBody>
-          <a:bodyPr wrap="square" rtlCol="0">
-            <a:spAutoFit/>
-          </a:bodyPr>
-          <a:lstStyle/>
-          <a:p>
-            <a:pPr algn="ctr"/>
-            <a:r>
-              <a:rPr lang="en-US" sz="1400" b="1" dirty="0">
-                <a:solidFill>
-                  <a:srgbClr val="E31937"/>
-                </a:solidFill>
-                <a:latin typeface="Avenir Next" panose="020B0503020202020204" pitchFamily="34" charset="0"/>
-              </a:rPr>
-              <a:t>Display 2</a:t>
-            </a:r>
-          </a:p>
-        </p:txBody>
-      </p:sp>
-    </p:spTree>
-    <p:extLst>
-      <p:ext uri="{BB962C8B-B14F-4D97-AF65-F5344CB8AC3E}">
-        <p14:creationId xmlns:p14="http://schemas.microsoft.com/office/powerpoint/2010/main" val="2640846980"/>
-      </p:ext>
-    </p:extLst>
-  </p:cSld>
-  <p:clrMapOvr>
-    <a:masterClrMapping/>
-  </p:clrMapOvr>
-</p:sld>
-</file>
-
-<file path=ppt/slides/slide12.xml><?xml version="1.0" encoding="utf-8"?>
-<p:sld xmlns:a="http://schemas.openxmlformats.org/drawingml/2006/main" xmlns:r="http://schemas.openxmlformats.org/officeDocument/2006/relationships" xmlns:p="http://schemas.openxmlformats.org/presentationml/2006/main">
-  <p:cSld>
-    <p:spTree>
-      <p:nvGrpSpPr>
-        <p:cNvPr id="1" name=""/>
-        <p:cNvGrpSpPr/>
-        <p:nvPr/>
-      </p:nvGrpSpPr>
-      <p:grpSpPr>
-        <a:xfrm>
-          <a:off x="0" y="0"/>
-          <a:ext cx="0" cy="0"/>
-          <a:chOff x="0" y="0"/>
-          <a:chExt cx="0" cy="0"/>
-        </a:xfrm>
-      </p:grpSpPr>
-      <p:sp>
-        <p:nvSpPr>
-          <p:cNvPr id="8" name="Rectangle 7">
-            <a:extLst>
-              <a:ext uri="{FF2B5EF4-FFF2-40B4-BE49-F238E27FC236}">
-                <a16:creationId xmlns:a16="http://schemas.microsoft.com/office/drawing/2014/main" id="{278B45D5-E8C2-434C-8409-90EDEBACE4AA}"/>
-              </a:ext>
-            </a:extLst>
-          </p:cNvPr>
-          <p:cNvSpPr/>
-          <p:nvPr/>
-        </p:nvSpPr>
-        <p:spPr>
-          <a:xfrm>
-            <a:off x="956734" y="668867"/>
-            <a:ext cx="7188200" cy="5326456"/>
-          </a:xfrm>
-          <a:prstGeom prst="rect">
-            <a:avLst/>
-          </a:prstGeom>
-          <a:noFill/>
-          <a:ln>
-            <a:solidFill>
-              <a:srgbClr val="004065"/>
-            </a:solidFill>
-          </a:ln>
-        </p:spPr>
-        <p:style>
-          <a:lnRef idx="2">
-            <a:schemeClr val="accent1">
-              <a:shade val="50000"/>
-            </a:schemeClr>
-          </a:lnRef>
-          <a:fillRef idx="1">
-            <a:schemeClr val="accent1"/>
-          </a:fillRef>
-          <a:effectRef idx="0">
-            <a:schemeClr val="accent1"/>
-          </a:effectRef>
-          <a:fontRef idx="minor">
-            <a:schemeClr val="lt1"/>
-          </a:fontRef>
-        </p:style>
-        <p:txBody>
-          <a:bodyPr rtlCol="0" anchor="ctr"/>
-          <a:lstStyle/>
-          <a:p>
-            <a:pPr algn="ctr"/>
-            <a:endParaRPr lang="en-US"/>
-          </a:p>
-        </p:txBody>
-      </p:sp>
-      <p:sp>
-        <p:nvSpPr>
-          <p:cNvPr id="5" name="Rectangle 4">
-            <a:extLst>
-              <a:ext uri="{FF2B5EF4-FFF2-40B4-BE49-F238E27FC236}">
-                <a16:creationId xmlns:a16="http://schemas.microsoft.com/office/drawing/2014/main" id="{E76FB631-3968-9443-AA9E-318919A78148}"/>
-              </a:ext>
-            </a:extLst>
-          </p:cNvPr>
-          <p:cNvSpPr/>
-          <p:nvPr/>
-        </p:nvSpPr>
-        <p:spPr>
-          <a:xfrm>
-            <a:off x="1384621" y="1845733"/>
-            <a:ext cx="1828161" cy="1354667"/>
-          </a:xfrm>
-          <a:prstGeom prst="rect">
-            <a:avLst/>
-          </a:prstGeom>
-          <a:noFill/>
-          <a:ln>
-            <a:solidFill>
-              <a:srgbClr val="FFEEBB"/>
-            </a:solidFill>
-          </a:ln>
-        </p:spPr>
-        <p:style>
-          <a:lnRef idx="2">
-            <a:schemeClr val="accent1">
-              <a:shade val="50000"/>
-            </a:schemeClr>
-          </a:lnRef>
-          <a:fillRef idx="1">
-            <a:schemeClr val="accent1"/>
-          </a:fillRef>
-          <a:effectRef idx="0">
-            <a:schemeClr val="accent1"/>
-          </a:effectRef>
-          <a:fontRef idx="minor">
-            <a:schemeClr val="lt1"/>
-          </a:fontRef>
-        </p:style>
-        <p:txBody>
-          <a:bodyPr rtlCol="0" anchor="ctr"/>
-          <a:lstStyle/>
-          <a:p>
-            <a:pPr algn="ctr"/>
-            <a:r>
-              <a:rPr lang="en-US" sz="2200" b="1" dirty="0">
-                <a:latin typeface="Avenir Next" panose="020B0503020202020204" pitchFamily="34" charset="0"/>
-              </a:rPr>
-              <a:t>+</a:t>
-            </a:r>
-          </a:p>
-        </p:txBody>
-      </p:sp>
-      <p:sp>
-        <p:nvSpPr>
-          <p:cNvPr id="4" name="Rectangle 3">
-            <a:extLst>
-              <a:ext uri="{FF2B5EF4-FFF2-40B4-BE49-F238E27FC236}">
-                <a16:creationId xmlns:a16="http://schemas.microsoft.com/office/drawing/2014/main" id="{2A28EF87-0B63-024C-9ACA-3A5EF7EBCDD0}"/>
-              </a:ext>
-            </a:extLst>
-          </p:cNvPr>
-          <p:cNvSpPr/>
-          <p:nvPr/>
-        </p:nvSpPr>
-        <p:spPr>
-          <a:xfrm>
-            <a:off x="3606471" y="1845733"/>
-            <a:ext cx="1828161" cy="1354667"/>
-          </a:xfrm>
-          <a:prstGeom prst="rect">
-            <a:avLst/>
-          </a:prstGeom>
-          <a:noFill/>
-          <a:ln>
-            <a:solidFill>
-              <a:srgbClr val="FFEEBB"/>
-            </a:solidFill>
-          </a:ln>
-        </p:spPr>
-        <p:style>
-          <a:lnRef idx="2">
-            <a:schemeClr val="accent1">
-              <a:shade val="50000"/>
-            </a:schemeClr>
-          </a:lnRef>
-          <a:fillRef idx="1">
-            <a:schemeClr val="accent1"/>
-          </a:fillRef>
-          <a:effectRef idx="0">
-            <a:schemeClr val="accent1"/>
-          </a:effectRef>
-          <a:fontRef idx="minor">
-            <a:schemeClr val="lt1"/>
-          </a:fontRef>
-        </p:style>
-        <p:txBody>
-          <a:bodyPr rtlCol="0" anchor="ctr"/>
-          <a:lstStyle/>
-          <a:p>
-            <a:pPr algn="ctr"/>
-            <a:r>
-              <a:rPr lang="en-US" sz="2200" b="1" dirty="0">
-                <a:latin typeface="Avenir Next" panose="020B0503020202020204" pitchFamily="34" charset="0"/>
-              </a:rPr>
-              <a:t>+</a:t>
-            </a:r>
-          </a:p>
-        </p:txBody>
-      </p:sp>
-      <p:sp>
-        <p:nvSpPr>
-          <p:cNvPr id="6" name="Rectangle 5">
-            <a:extLst>
-              <a:ext uri="{FF2B5EF4-FFF2-40B4-BE49-F238E27FC236}">
-                <a16:creationId xmlns:a16="http://schemas.microsoft.com/office/drawing/2014/main" id="{45A65EF7-797C-9645-94D5-EEB459B8A864}"/>
-              </a:ext>
-            </a:extLst>
-          </p:cNvPr>
-          <p:cNvSpPr/>
-          <p:nvPr/>
-        </p:nvSpPr>
-        <p:spPr>
-          <a:xfrm>
-            <a:off x="5828322" y="1845733"/>
-            <a:ext cx="1828161" cy="1354667"/>
-          </a:xfrm>
-          <a:prstGeom prst="rect">
-            <a:avLst/>
-          </a:prstGeom>
-          <a:noFill/>
-          <a:ln>
-            <a:solidFill>
-              <a:srgbClr val="FFEEBB"/>
-            </a:solidFill>
-          </a:ln>
-        </p:spPr>
-        <p:style>
-          <a:lnRef idx="2">
-            <a:schemeClr val="accent1">
-              <a:shade val="50000"/>
-            </a:schemeClr>
-          </a:lnRef>
-          <a:fillRef idx="1">
-            <a:schemeClr val="accent1"/>
-          </a:fillRef>
-          <a:effectRef idx="0">
-            <a:schemeClr val="accent1"/>
-          </a:effectRef>
-          <a:fontRef idx="minor">
-            <a:schemeClr val="lt1"/>
-          </a:fontRef>
-        </p:style>
-        <p:txBody>
-          <a:bodyPr rtlCol="0" anchor="ctr"/>
-          <a:lstStyle/>
-          <a:p>
-            <a:pPr algn="ctr"/>
-            <a:r>
-              <a:rPr lang="en-US" sz="2200" b="1" dirty="0">
-                <a:latin typeface="Avenir Next" panose="020B0503020202020204" pitchFamily="34" charset="0"/>
-              </a:rPr>
-              <a:t>+</a:t>
-            </a:r>
-          </a:p>
-        </p:txBody>
-      </p:sp>
-      <p:cxnSp>
-        <p:nvCxnSpPr>
-          <p:cNvPr id="7" name="Straight Arrow Connector 6">
-            <a:extLst>
-              <a:ext uri="{FF2B5EF4-FFF2-40B4-BE49-F238E27FC236}">
-                <a16:creationId xmlns:a16="http://schemas.microsoft.com/office/drawing/2014/main" id="{5DC2186A-F037-D14D-8B78-350DDF46724A}"/>
-              </a:ext>
-            </a:extLst>
-          </p:cNvPr>
-          <p:cNvCxnSpPr>
-            <a:cxnSpLocks/>
-            <a:stCxn id="4" idx="3"/>
-            <a:endCxn id="6" idx="1"/>
-          </p:cNvCxnSpPr>
-          <p:nvPr/>
-        </p:nvCxnSpPr>
-        <p:spPr>
-          <a:xfrm>
-            <a:off x="5434632" y="2523067"/>
-            <a:ext cx="393690" cy="0"/>
-          </a:xfrm>
-          <a:prstGeom prst="straightConnector1">
-            <a:avLst/>
-          </a:prstGeom>
-          <a:ln w="19050">
-            <a:solidFill>
-              <a:srgbClr val="E31937"/>
-            </a:solidFill>
-            <a:tailEnd type="triangle"/>
-          </a:ln>
-        </p:spPr>
-        <p:style>
-          <a:lnRef idx="1">
-            <a:schemeClr val="accent1"/>
-          </a:lnRef>
-          <a:fillRef idx="0">
-            <a:schemeClr val="accent1"/>
-          </a:fillRef>
-          <a:effectRef idx="0">
-            <a:schemeClr val="accent1"/>
-          </a:effectRef>
-          <a:fontRef idx="minor">
-            <a:schemeClr val="tx1"/>
-          </a:fontRef>
-        </p:style>
-      </p:cxnSp>
-      <p:cxnSp>
-        <p:nvCxnSpPr>
-          <p:cNvPr id="9" name="Straight Arrow Connector 8">
-            <a:extLst>
-              <a:ext uri="{FF2B5EF4-FFF2-40B4-BE49-F238E27FC236}">
-                <a16:creationId xmlns:a16="http://schemas.microsoft.com/office/drawing/2014/main" id="{D2E5ED3F-42BE-7444-95DC-A1DE050AFC2C}"/>
-              </a:ext>
-            </a:extLst>
-          </p:cNvPr>
-          <p:cNvCxnSpPr/>
-          <p:nvPr/>
-        </p:nvCxnSpPr>
-        <p:spPr>
-          <a:xfrm>
-            <a:off x="3212782" y="2523067"/>
-            <a:ext cx="393689" cy="0"/>
-          </a:xfrm>
-          <a:prstGeom prst="straightConnector1">
-            <a:avLst/>
-          </a:prstGeom>
-          <a:ln w="19050">
-            <a:solidFill>
-              <a:srgbClr val="E31937"/>
-            </a:solidFill>
-            <a:tailEnd type="triangle"/>
-          </a:ln>
-        </p:spPr>
-        <p:style>
-          <a:lnRef idx="1">
-            <a:schemeClr val="accent1"/>
-          </a:lnRef>
-          <a:fillRef idx="0">
-            <a:schemeClr val="accent1"/>
-          </a:fillRef>
-          <a:effectRef idx="0">
-            <a:schemeClr val="accent1"/>
-          </a:effectRef>
-          <a:fontRef idx="minor">
-            <a:schemeClr val="tx1"/>
-          </a:fontRef>
-        </p:style>
-      </p:cxnSp>
-      <p:sp>
-        <p:nvSpPr>
-          <p:cNvPr id="10" name="TextBox 9">
-            <a:extLst>
-              <a:ext uri="{FF2B5EF4-FFF2-40B4-BE49-F238E27FC236}">
-                <a16:creationId xmlns:a16="http://schemas.microsoft.com/office/drawing/2014/main" id="{5D19E0CF-A58A-F34F-97A1-B2FA6EDA11F8}"/>
-              </a:ext>
-            </a:extLst>
-          </p:cNvPr>
-          <p:cNvSpPr txBox="1"/>
-          <p:nvPr/>
-        </p:nvSpPr>
-        <p:spPr>
-          <a:xfrm>
-            <a:off x="1384621" y="3200400"/>
-            <a:ext cx="1828161" cy="307777"/>
-          </a:xfrm>
-          <a:prstGeom prst="rect">
-            <a:avLst/>
-          </a:prstGeom>
-          <a:noFill/>
-        </p:spPr>
-        <p:txBody>
-          <a:bodyPr wrap="square" rtlCol="0">
-            <a:spAutoFit/>
-          </a:bodyPr>
-          <a:lstStyle/>
-          <a:p>
-            <a:pPr algn="ctr"/>
-            <a:r>
-              <a:rPr lang="en-US" sz="1400" dirty="0">
-                <a:solidFill>
-                  <a:schemeClr val="bg1"/>
-                </a:solidFill>
-                <a:latin typeface="Avenir Next" panose="020B0503020202020204" pitchFamily="34" charset="0"/>
-              </a:rPr>
-              <a:t>Display 1</a:t>
-            </a:r>
-          </a:p>
-        </p:txBody>
-      </p:sp>
-      <p:sp>
-        <p:nvSpPr>
-          <p:cNvPr id="11" name="TextBox 10">
-            <a:extLst>
-              <a:ext uri="{FF2B5EF4-FFF2-40B4-BE49-F238E27FC236}">
-                <a16:creationId xmlns:a16="http://schemas.microsoft.com/office/drawing/2014/main" id="{6DCD82B3-F660-6A4F-BAD2-1A92963031F3}"/>
-              </a:ext>
-            </a:extLst>
-          </p:cNvPr>
-          <p:cNvSpPr txBox="1"/>
-          <p:nvPr/>
-        </p:nvSpPr>
-        <p:spPr>
-          <a:xfrm>
-            <a:off x="3606471" y="3200399"/>
-            <a:ext cx="1828161" cy="307777"/>
-          </a:xfrm>
-          <a:prstGeom prst="rect">
-            <a:avLst/>
-          </a:prstGeom>
-          <a:noFill/>
-        </p:spPr>
-        <p:txBody>
-          <a:bodyPr wrap="square" rtlCol="0">
-            <a:spAutoFit/>
-          </a:bodyPr>
-          <a:lstStyle/>
-          <a:p>
-            <a:pPr algn="ctr"/>
-            <a:r>
-              <a:rPr lang="en-US" sz="1400" dirty="0">
-                <a:solidFill>
-                  <a:schemeClr val="bg1"/>
-                </a:solidFill>
-                <a:latin typeface="Avenir Next" panose="020B0503020202020204" pitchFamily="34" charset="0"/>
-              </a:rPr>
-              <a:t>Display 2</a:t>
-            </a:r>
-          </a:p>
-        </p:txBody>
-      </p:sp>
-      <p:sp>
-        <p:nvSpPr>
-          <p:cNvPr id="12" name="TextBox 11">
-            <a:extLst>
-              <a:ext uri="{FF2B5EF4-FFF2-40B4-BE49-F238E27FC236}">
-                <a16:creationId xmlns:a16="http://schemas.microsoft.com/office/drawing/2014/main" id="{5EA9DDC7-3643-E74A-AE73-9F9E96712EE0}"/>
-              </a:ext>
-            </a:extLst>
-          </p:cNvPr>
-          <p:cNvSpPr txBox="1"/>
-          <p:nvPr/>
-        </p:nvSpPr>
-        <p:spPr>
-          <a:xfrm>
-            <a:off x="5828322" y="3200398"/>
-            <a:ext cx="1828161" cy="307777"/>
-          </a:xfrm>
-          <a:prstGeom prst="rect">
-            <a:avLst/>
-          </a:prstGeom>
-          <a:noFill/>
-        </p:spPr>
-        <p:txBody>
-          <a:bodyPr wrap="square" rtlCol="0">
-            <a:spAutoFit/>
-          </a:bodyPr>
-          <a:lstStyle/>
-          <a:p>
-            <a:pPr algn="ctr"/>
-            <a:r>
-              <a:rPr lang="en-US" sz="1400" b="1" dirty="0">
-                <a:solidFill>
-                  <a:srgbClr val="E31937"/>
-                </a:solidFill>
-                <a:latin typeface="Avenir Next" panose="020B0503020202020204" pitchFamily="34" charset="0"/>
-              </a:rPr>
-              <a:t>Display 3</a:t>
-            </a:r>
-          </a:p>
-        </p:txBody>
-      </p:sp>
-    </p:spTree>
-    <p:extLst>
-      <p:ext uri="{BB962C8B-B14F-4D97-AF65-F5344CB8AC3E}">
-        <p14:creationId xmlns:p14="http://schemas.microsoft.com/office/powerpoint/2010/main" val="3285149099"/>
       </p:ext>
     </p:extLst>
   </p:cSld>
@@ -4289,10 +3394,10 @@
       </p:grpSpPr>
       <p:sp>
         <p:nvSpPr>
-          <p:cNvPr id="8" name="Rectangle 7">
+          <p:cNvPr id="15" name="Rectangle 14">
             <a:extLst>
               <a:ext uri="{FF2B5EF4-FFF2-40B4-BE49-F238E27FC236}">
-                <a16:creationId xmlns:a16="http://schemas.microsoft.com/office/drawing/2014/main" id="{278B45D5-E8C2-434C-8409-90EDEBACE4AA}"/>
+                <a16:creationId xmlns:a16="http://schemas.microsoft.com/office/drawing/2014/main" id="{B5ED20AA-2E81-4F44-975E-1854A154D3D0}"/>
               </a:ext>
             </a:extLst>
           </p:cNvPr>
@@ -4301,13 +3406,15 @@
         </p:nvSpPr>
         <p:spPr>
           <a:xfrm>
-            <a:off x="956734" y="804334"/>
-            <a:ext cx="7188200" cy="5326456"/>
+            <a:off x="105184" y="804334"/>
+            <a:ext cx="8830734" cy="5326456"/>
           </a:xfrm>
           <a:prstGeom prst="rect">
             <a:avLst/>
           </a:prstGeom>
-          <a:noFill/>
+          <a:solidFill>
+            <a:schemeClr val="tx1"/>
+          </a:solidFill>
           <a:ln>
             <a:solidFill>
               <a:srgbClr val="004065"/>
@@ -4353,8 +3460,8 @@
         </p:nvSpPr>
         <p:spPr>
           <a:xfrm>
-            <a:off x="1223755" y="1490133"/>
-            <a:ext cx="1451103" cy="1075267"/>
+            <a:off x="3499916" y="1245004"/>
+            <a:ext cx="2101837" cy="1557461"/>
           </a:xfrm>
           <a:prstGeom prst="rect">
             <a:avLst/>
@@ -4411,7 +3518,7 @@
         <p:spPr>
           <a:xfrm>
             <a:off x="1384620" y="3347307"/>
-            <a:ext cx="6271863" cy="1281120"/>
+            <a:ext cx="6500075" cy="1061829"/>
           </a:xfrm>
           <a:prstGeom prst="rect">
             <a:avLst/>
@@ -4441,66 +3548,175 @@
           </a:p>
           <a:p>
             <a:pPr marL="285750" indent="-285750">
-              <a:lnSpc>
-                <a:spcPct val="150000"/>
-              </a:lnSpc>
+              <a:spcAft>
+                <a:spcPts val="600"/>
+              </a:spcAft>
               <a:buFont typeface="Arial" panose="020B0604020202020204" pitchFamily="34" charset="0"/>
               <a:buChar char="•"/>
             </a:pPr>
             <a:r>
-              <a:rPr lang="en-US" sz="1400" dirty="0">
+              <a:rPr lang="en-US" sz="1400" b="1" dirty="0">
                 <a:solidFill>
                   <a:schemeClr val="bg1"/>
                 </a:solidFill>
                 <a:latin typeface="Avenir Next" panose="020B0503020202020204" pitchFamily="34" charset="0"/>
               </a:rPr>
-              <a:t>A fixation cross will first appear in the middle of the screen. </a:t>
+              <a:t>A fixation cross will appear in the middle of the screen, indicating the start of a new trial</a:t>
             </a:r>
           </a:p>
           <a:p>
             <a:pPr marL="285750" indent="-285750">
-              <a:lnSpc>
-                <a:spcPct val="150000"/>
-              </a:lnSpc>
+              <a:spcAft>
+                <a:spcPts val="600"/>
+              </a:spcAft>
               <a:buFont typeface="Arial" panose="020B0604020202020204" pitchFamily="34" charset="0"/>
               <a:buChar char="•"/>
             </a:pPr>
             <a:r>
-              <a:rPr lang="en-US" sz="1400" dirty="0">
+              <a:rPr lang="en-US" sz="1400" b="1" dirty="0">
                 <a:solidFill>
                   <a:schemeClr val="bg1"/>
                 </a:solidFill>
                 <a:latin typeface="Avenir Next" panose="020B0503020202020204" pitchFamily="34" charset="0"/>
               </a:rPr>
-              <a:t>This indicates the beginning of a new trial. </a:t>
-            </a:r>
-          </a:p>
-          <a:p>
-            <a:pPr marL="285750" indent="-285750">
-              <a:lnSpc>
-                <a:spcPct val="150000"/>
-              </a:lnSpc>
-              <a:buFont typeface="Arial" panose="020B0604020202020204" pitchFamily="34" charset="0"/>
-              <a:buChar char="•"/>
-            </a:pPr>
-            <a:r>
-              <a:rPr lang="en-US" sz="1400" dirty="0">
-                <a:solidFill>
-                  <a:schemeClr val="bg1"/>
-                </a:solidFill>
+              <a:t>No response is necessary, please keep your eyes fixated on the cross</a:t>
+            </a:r>
+          </a:p>
+        </p:txBody>
+      </p:sp>
+      <p:sp>
+        <p:nvSpPr>
+          <p:cNvPr id="9" name="Rectangle 8">
+            <a:extLst>
+              <a:ext uri="{FF2B5EF4-FFF2-40B4-BE49-F238E27FC236}">
+                <a16:creationId xmlns:a16="http://schemas.microsoft.com/office/drawing/2014/main" id="{55F15586-9E1C-8446-9369-16175082319C}"/>
+              </a:ext>
+            </a:extLst>
+          </p:cNvPr>
+          <p:cNvSpPr/>
+          <p:nvPr/>
+        </p:nvSpPr>
+        <p:spPr>
+          <a:xfrm>
+            <a:off x="6141583" y="1490133"/>
+            <a:ext cx="1451103" cy="1075267"/>
+          </a:xfrm>
+          <a:prstGeom prst="rect">
+            <a:avLst/>
+          </a:prstGeom>
+          <a:noFill/>
+          <a:ln>
+            <a:solidFill>
+              <a:srgbClr val="FFEEBB">
+                <a:alpha val="25000"/>
+              </a:srgbClr>
+            </a:solidFill>
+          </a:ln>
+        </p:spPr>
+        <p:style>
+          <a:lnRef idx="2">
+            <a:schemeClr val="accent1">
+              <a:shade val="50000"/>
+            </a:schemeClr>
+          </a:lnRef>
+          <a:fillRef idx="1">
+            <a:schemeClr val="accent1"/>
+          </a:fillRef>
+          <a:effectRef idx="0">
+            <a:schemeClr val="accent1"/>
+          </a:effectRef>
+          <a:fontRef idx="minor">
+            <a:schemeClr val="lt1"/>
+          </a:fontRef>
+        </p:style>
+        <p:txBody>
+          <a:bodyPr rtlCol="0" anchor="ctr"/>
+          <a:lstStyle/>
+          <a:p>
+            <a:pPr algn="ctr"/>
+            <a:r>
+              <a:rPr lang="en-US" sz="1400" b="1" dirty="0">
                 <a:latin typeface="Avenir Next" panose="020B0503020202020204" pitchFamily="34" charset="0"/>
               </a:rPr>
-              <a:t>Please maintain fixation throughout the experiment.  </a:t>
-            </a:r>
-          </a:p>
-        </p:txBody>
-      </p:sp>
-      <p:sp>
-        <p:nvSpPr>
-          <p:cNvPr id="17" name="TextBox 16">
+              <a:t>+</a:t>
+            </a:r>
+          </a:p>
+        </p:txBody>
+      </p:sp>
+      <p:sp>
+        <p:nvSpPr>
+          <p:cNvPr id="10" name="Rectangle 9">
             <a:extLst>
               <a:ext uri="{FF2B5EF4-FFF2-40B4-BE49-F238E27FC236}">
-                <a16:creationId xmlns:a16="http://schemas.microsoft.com/office/drawing/2014/main" id="{B49F8974-FABD-F74B-B459-897B7E68272C}"/>
+                <a16:creationId xmlns:a16="http://schemas.microsoft.com/office/drawing/2014/main" id="{05E83365-5C81-8748-B790-27D39F3A21CC}"/>
+              </a:ext>
+            </a:extLst>
+          </p:cNvPr>
+          <p:cNvSpPr/>
+          <p:nvPr/>
+        </p:nvSpPr>
+        <p:spPr>
+          <a:xfrm>
+            <a:off x="6472134" y="1726438"/>
+            <a:ext cx="802418" cy="594592"/>
+          </a:xfrm>
+          <a:prstGeom prst="rect">
+            <a:avLst/>
+          </a:prstGeom>
+          <a:blipFill dpi="0" rotWithShape="1">
+            <a:blip r:embed="rId2">
+              <a:alphaModFix amt="25000"/>
+              <a:extLst>
+                <a:ext uri="{28A0092B-C50C-407E-A947-70E740481C1C}">
+                  <a14:useLocalDpi xmlns:a14="http://schemas.microsoft.com/office/drawing/2010/main" val="0"/>
+                </a:ext>
+              </a:extLst>
+            </a:blip>
+            <a:srcRect/>
+            <a:stretch>
+              <a:fillRect/>
+            </a:stretch>
+          </a:blipFill>
+          <a:ln>
+            <a:noFill/>
+          </a:ln>
+        </p:spPr>
+        <p:style>
+          <a:lnRef idx="2">
+            <a:schemeClr val="accent1">
+              <a:shade val="50000"/>
+            </a:schemeClr>
+          </a:lnRef>
+          <a:fillRef idx="1">
+            <a:schemeClr val="accent1"/>
+          </a:fillRef>
+          <a:effectRef idx="0">
+            <a:schemeClr val="accent1"/>
+          </a:effectRef>
+          <a:fontRef idx="minor">
+            <a:schemeClr val="lt1"/>
+          </a:fontRef>
+        </p:style>
+        <p:txBody>
+          <a:bodyPr rtlCol="0" anchor="ctr"/>
+          <a:lstStyle/>
+          <a:p>
+            <a:pPr algn="ctr"/>
+            <a:r>
+              <a:rPr lang="en-US" sz="1400" b="1" dirty="0">
+                <a:latin typeface="Avenir Next" panose="020B0503020202020204" pitchFamily="34" charset="0"/>
+              </a:rPr>
+              <a:t>+</a:t>
+            </a:r>
+          </a:p>
+        </p:txBody>
+      </p:sp>
+      <p:sp>
+        <p:nvSpPr>
+          <p:cNvPr id="11" name="TextBox 10">
+            <a:extLst>
+              <a:ext uri="{FF2B5EF4-FFF2-40B4-BE49-F238E27FC236}">
+                <a16:creationId xmlns:a16="http://schemas.microsoft.com/office/drawing/2014/main" id="{07673E56-D9DD-7548-9802-4D4735C41C14}"/>
               </a:ext>
             </a:extLst>
           </p:cNvPr>
@@ -4509,7 +3725,7 @@
         </p:nvSpPr>
         <p:spPr>
           <a:xfrm>
-            <a:off x="1223755" y="2565400"/>
+            <a:off x="3819074" y="2802465"/>
             <a:ext cx="1463520" cy="307777"/>
           </a:xfrm>
           <a:prstGeom prst="rect">
@@ -4536,10 +3752,49 @@
           </a:p>
         </p:txBody>
       </p:sp>
+      <p:cxnSp>
+        <p:nvCxnSpPr>
+          <p:cNvPr id="13" name="Straight Arrow Connector 12">
+            <a:extLst>
+              <a:ext uri="{FF2B5EF4-FFF2-40B4-BE49-F238E27FC236}">
+                <a16:creationId xmlns:a16="http://schemas.microsoft.com/office/drawing/2014/main" id="{CEE4E439-27F0-5540-A084-AF3F81D68C3D}"/>
+              </a:ext>
+            </a:extLst>
+          </p:cNvPr>
+          <p:cNvCxnSpPr/>
+          <p:nvPr/>
+        </p:nvCxnSpPr>
+        <p:spPr>
+          <a:xfrm>
+            <a:off x="5601753" y="2023735"/>
+            <a:ext cx="539830" cy="4032"/>
+          </a:xfrm>
+          <a:prstGeom prst="straightConnector1">
+            <a:avLst/>
+          </a:prstGeom>
+          <a:ln>
+            <a:tailEnd type="triangle"/>
+          </a:ln>
+        </p:spPr>
+        <p:style>
+          <a:lnRef idx="1">
+            <a:schemeClr val="accent1"/>
+          </a:lnRef>
+          <a:fillRef idx="0">
+            <a:schemeClr val="accent1"/>
+          </a:fillRef>
+          <a:effectRef idx="0">
+            <a:schemeClr val="accent1"/>
+          </a:effectRef>
+          <a:fontRef idx="minor">
+            <a:schemeClr val="tx1"/>
+          </a:fontRef>
+        </p:style>
+      </p:cxnSp>
     </p:spTree>
     <p:extLst>
       <p:ext uri="{BB962C8B-B14F-4D97-AF65-F5344CB8AC3E}">
-        <p14:creationId xmlns:p14="http://schemas.microsoft.com/office/powerpoint/2010/main" val="2880566208"/>
+        <p14:creationId xmlns:p14="http://schemas.microsoft.com/office/powerpoint/2010/main" val="1697184291"/>
       </p:ext>
     </p:extLst>
   </p:cSld>
@@ -4568,10 +3823,10 @@
       </p:grpSpPr>
       <p:sp>
         <p:nvSpPr>
-          <p:cNvPr id="8" name="Rectangle 7">
+          <p:cNvPr id="24" name="Rectangle 23">
             <a:extLst>
               <a:ext uri="{FF2B5EF4-FFF2-40B4-BE49-F238E27FC236}">
-                <a16:creationId xmlns:a16="http://schemas.microsoft.com/office/drawing/2014/main" id="{278B45D5-E8C2-434C-8409-90EDEBACE4AA}"/>
+                <a16:creationId xmlns:a16="http://schemas.microsoft.com/office/drawing/2014/main" id="{24BC6644-037B-514E-8429-D2EB68C5E7EC}"/>
               </a:ext>
             </a:extLst>
           </p:cNvPr>
@@ -4580,13 +3835,15 @@
         </p:nvSpPr>
         <p:spPr>
           <a:xfrm>
-            <a:off x="956734" y="804334"/>
-            <a:ext cx="7188200" cy="5326456"/>
+            <a:off x="105184" y="804334"/>
+            <a:ext cx="8830734" cy="5326456"/>
           </a:xfrm>
           <a:prstGeom prst="rect">
             <a:avLst/>
           </a:prstGeom>
-          <a:noFill/>
+          <a:solidFill>
+            <a:schemeClr val="tx1"/>
+          </a:solidFill>
           <a:ln>
             <a:solidFill>
               <a:srgbClr val="004065"/>
@@ -4632,8 +3889,8 @@
         </p:nvSpPr>
         <p:spPr>
           <a:xfrm>
-            <a:off x="1223755" y="1490133"/>
-            <a:ext cx="1451103" cy="1075267"/>
+            <a:off x="3499916" y="1245004"/>
+            <a:ext cx="2101837" cy="1557461"/>
           </a:xfrm>
           <a:prstGeom prst="rect">
             <a:avLst/>
@@ -4677,10 +3934,91 @@
       </p:sp>
       <p:sp>
         <p:nvSpPr>
-          <p:cNvPr id="4" name="Rectangle 3">
+          <p:cNvPr id="6" name="TextBox 5">
             <a:extLst>
               <a:ext uri="{FF2B5EF4-FFF2-40B4-BE49-F238E27FC236}">
-                <a16:creationId xmlns:a16="http://schemas.microsoft.com/office/drawing/2014/main" id="{2A28EF87-0B63-024C-9ACA-3A5EF7EBCDD0}"/>
+                <a16:creationId xmlns:a16="http://schemas.microsoft.com/office/drawing/2014/main" id="{968F1EAB-6CBF-3547-B6F2-5CA84B3AFA1C}"/>
+              </a:ext>
+            </a:extLst>
+          </p:cNvPr>
+          <p:cNvSpPr txBox="1"/>
+          <p:nvPr/>
+        </p:nvSpPr>
+        <p:spPr>
+          <a:xfrm>
+            <a:off x="1384620" y="3347307"/>
+            <a:ext cx="6708622" cy="846386"/>
+          </a:xfrm>
+          <a:prstGeom prst="rect">
+            <a:avLst/>
+          </a:prstGeom>
+          <a:noFill/>
+        </p:spPr>
+        <p:txBody>
+          <a:bodyPr wrap="square" bIns="0" rtlCol="0">
+            <a:spAutoFit/>
+          </a:bodyPr>
+          <a:lstStyle/>
+          <a:p>
+            <a:pPr>
+              <a:spcAft>
+                <a:spcPts val="600"/>
+              </a:spcAft>
+            </a:pPr>
+            <a:r>
+              <a:rPr lang="en-US" sz="1400" b="1" dirty="0">
+                <a:solidFill>
+                  <a:srgbClr val="E31937"/>
+                </a:solidFill>
+                <a:latin typeface="Avenir Next" panose="020B0503020202020204" pitchFamily="34" charset="0"/>
+              </a:rPr>
+              <a:t>Display 2: Scene</a:t>
+            </a:r>
+          </a:p>
+          <a:p>
+            <a:pPr marL="285750" indent="-285750">
+              <a:spcAft>
+                <a:spcPts val="600"/>
+              </a:spcAft>
+              <a:buFont typeface="Arial" panose="020B0604020202020204" pitchFamily="34" charset="0"/>
+              <a:buChar char="•"/>
+            </a:pPr>
+            <a:r>
+              <a:rPr lang="en-US" sz="1400" b="1" dirty="0">
+                <a:solidFill>
+                  <a:schemeClr val="bg1"/>
+                </a:solidFill>
+                <a:latin typeface="Avenir Next" panose="020B0503020202020204" pitchFamily="34" charset="0"/>
+              </a:rPr>
+              <a:t>An image of a scene will then appear in the middle of the screen</a:t>
+            </a:r>
+          </a:p>
+          <a:p>
+            <a:pPr marL="285750" indent="-285750">
+              <a:spcAft>
+                <a:spcPts val="600"/>
+              </a:spcAft>
+              <a:buFont typeface="Arial" panose="020B0604020202020204" pitchFamily="34" charset="0"/>
+              <a:buChar char="•"/>
+            </a:pPr>
+            <a:r>
+              <a:rPr lang="en-US" sz="1400" b="1" dirty="0">
+                <a:solidFill>
+                  <a:schemeClr val="bg1"/>
+                </a:solidFill>
+                <a:latin typeface="Avenir Next" panose="020B0503020202020204" pitchFamily="34" charset="0"/>
+              </a:rPr>
+              <a:t>Again, no response is needed and keep maintaining fixation on the cross</a:t>
+            </a:r>
+          </a:p>
+        </p:txBody>
+      </p:sp>
+      <p:sp>
+        <p:nvSpPr>
+          <p:cNvPr id="7" name="Rectangle 6">
+            <a:extLst>
+              <a:ext uri="{FF2B5EF4-FFF2-40B4-BE49-F238E27FC236}">
+                <a16:creationId xmlns:a16="http://schemas.microsoft.com/office/drawing/2014/main" id="{32054E16-1B68-DC4F-88C3-E94B760644B8}"/>
               </a:ext>
             </a:extLst>
           </p:cNvPr>
@@ -4689,7 +4027,7 @@
         </p:nvSpPr>
         <p:spPr>
           <a:xfrm>
-            <a:off x="2957154" y="1490133"/>
+            <a:off x="3825282" y="1486100"/>
             <a:ext cx="1451103" cy="1075267"/>
           </a:xfrm>
           <a:prstGeom prst="rect">
@@ -4709,9 +4047,7 @@
             </a:stretch>
           </a:blipFill>
           <a:ln>
-            <a:solidFill>
-              <a:srgbClr val="FFEEBB"/>
-            </a:solidFill>
+            <a:noFill/>
           </a:ln>
         </p:spPr>
         <p:style>
@@ -4746,10 +4082,10 @@
       </p:sp>
       <p:sp>
         <p:nvSpPr>
-          <p:cNvPr id="16" name="TextBox 15">
+          <p:cNvPr id="12" name="TextBox 11">
             <a:extLst>
               <a:ext uri="{FF2B5EF4-FFF2-40B4-BE49-F238E27FC236}">
-                <a16:creationId xmlns:a16="http://schemas.microsoft.com/office/drawing/2014/main" id="{431822A4-809C-E243-BF2F-5C9ED7858AD0}"/>
+                <a16:creationId xmlns:a16="http://schemas.microsoft.com/office/drawing/2014/main" id="{2CFCEB33-F5DB-3746-AE6A-F6414B945629}"/>
               </a:ext>
             </a:extLst>
           </p:cNvPr>
@@ -4758,8 +4094,8 @@
         </p:nvSpPr>
         <p:spPr>
           <a:xfrm>
-            <a:off x="1384620" y="3347307"/>
-            <a:ext cx="6271863" cy="957955"/>
+            <a:off x="6141583" y="2565400"/>
+            <a:ext cx="1463520" cy="246221"/>
           </a:xfrm>
           <a:prstGeom prst="rect">
             <a:avLst/>
@@ -4767,70 +4103,30 @@
           <a:noFill/>
         </p:spPr>
         <p:txBody>
-          <a:bodyPr wrap="square" bIns="0" rtlCol="0">
+          <a:bodyPr wrap="square" rtlCol="0">
             <a:spAutoFit/>
           </a:bodyPr>
           <a:lstStyle/>
           <a:p>
-            <a:pPr>
-              <a:spcAft>
-                <a:spcPts val="600"/>
-              </a:spcAft>
-            </a:pPr>
-            <a:r>
-              <a:rPr lang="en-US" sz="1400" b="1" dirty="0">
-                <a:solidFill>
-                  <a:srgbClr val="E31937"/>
-                </a:solidFill>
-                <a:latin typeface="Avenir Next" panose="020B0503020202020204" pitchFamily="34" charset="0"/>
-              </a:rPr>
-              <a:t>Display 2: Scene</a:t>
-            </a:r>
-          </a:p>
-          <a:p>
-            <a:pPr marL="285750" indent="-285750">
-              <a:lnSpc>
-                <a:spcPct val="150000"/>
-              </a:lnSpc>
-              <a:buFont typeface="Arial" panose="020B0604020202020204" pitchFamily="34" charset="0"/>
-              <a:buChar char="•"/>
-            </a:pPr>
-            <a:r>
-              <a:rPr lang="en-US" sz="1400" dirty="0">
+            <a:pPr algn="ctr"/>
+            <a:r>
+              <a:rPr lang="en-US" sz="1000" dirty="0">
                 <a:solidFill>
                   <a:schemeClr val="bg1"/>
                 </a:solidFill>
                 <a:latin typeface="Avenir Next" panose="020B0503020202020204" pitchFamily="34" charset="0"/>
               </a:rPr>
-              <a:t>An image of a scene will then appear in the middle of the screen. </a:t>
-            </a:r>
-          </a:p>
-          <a:p>
-            <a:pPr marL="285750" indent="-285750">
-              <a:lnSpc>
-                <a:spcPct val="150000"/>
-              </a:lnSpc>
-              <a:buFont typeface="Arial" panose="020B0604020202020204" pitchFamily="34" charset="0"/>
-              <a:buChar char="•"/>
-            </a:pPr>
-            <a:r>
-              <a:rPr lang="en-US" sz="1400" dirty="0">
-                <a:solidFill>
-                  <a:schemeClr val="bg1"/>
-                </a:solidFill>
-                <a:latin typeface="Avenir Next" panose="020B0503020202020204" pitchFamily="34" charset="0"/>
-              </a:rPr>
-              <a:t>No response is needed and keep maintaining fixation.</a:t>
-            </a:r>
-          </a:p>
-        </p:txBody>
-      </p:sp>
-      <p:sp>
-        <p:nvSpPr>
-          <p:cNvPr id="17" name="TextBox 16">
+              <a:t>Display 3</a:t>
+            </a:r>
+          </a:p>
+        </p:txBody>
+      </p:sp>
+      <p:sp>
+        <p:nvSpPr>
+          <p:cNvPr id="13" name="TextBox 12">
             <a:extLst>
               <a:ext uri="{FF2B5EF4-FFF2-40B4-BE49-F238E27FC236}">
-                <a16:creationId xmlns:a16="http://schemas.microsoft.com/office/drawing/2014/main" id="{B49F8974-FABD-F74B-B459-897B7E68272C}"/>
+                <a16:creationId xmlns:a16="http://schemas.microsoft.com/office/drawing/2014/main" id="{EE0A9875-1F14-1844-9C6D-2ED9E13563CB}"/>
               </a:ext>
             </a:extLst>
           </p:cNvPr>
@@ -4839,48 +4135,7 @@
         </p:nvSpPr>
         <p:spPr>
           <a:xfrm>
-            <a:off x="1223755" y="2565400"/>
-            <a:ext cx="1463520" cy="307777"/>
-          </a:xfrm>
-          <a:prstGeom prst="rect">
-            <a:avLst/>
-          </a:prstGeom>
-          <a:noFill/>
-        </p:spPr>
-        <p:txBody>
-          <a:bodyPr wrap="square" rtlCol="0">
-            <a:spAutoFit/>
-          </a:bodyPr>
-          <a:lstStyle/>
-          <a:p>
-            <a:pPr algn="ctr"/>
-            <a:r>
-              <a:rPr lang="en-US" sz="1400" dirty="0">
-                <a:solidFill>
-                  <a:schemeClr val="bg1"/>
-                </a:solidFill>
-                <a:latin typeface="Avenir Next" panose="020B0503020202020204" pitchFamily="34" charset="0"/>
-              </a:rPr>
-              <a:t>Display 1</a:t>
-            </a:r>
-          </a:p>
-        </p:txBody>
-      </p:sp>
-      <p:sp>
-        <p:nvSpPr>
-          <p:cNvPr id="18" name="TextBox 17">
-            <a:extLst>
-              <a:ext uri="{FF2B5EF4-FFF2-40B4-BE49-F238E27FC236}">
-                <a16:creationId xmlns:a16="http://schemas.microsoft.com/office/drawing/2014/main" id="{A0B7C24C-0A8E-2D44-8516-3DFD0A17698E}"/>
-              </a:ext>
-            </a:extLst>
-          </p:cNvPr>
-          <p:cNvSpPr txBox="1"/>
-          <p:nvPr/>
-        </p:nvSpPr>
-        <p:spPr>
-          <a:xfrm>
-            <a:off x="2958583" y="2565400"/>
+            <a:off x="3819074" y="2802465"/>
             <a:ext cx="1463520" cy="307777"/>
           </a:xfrm>
           <a:prstGeom prst="rect">
@@ -4907,12 +4162,224 @@
           </a:p>
         </p:txBody>
       </p:sp>
+      <p:sp>
+        <p:nvSpPr>
+          <p:cNvPr id="14" name="Rectangle 13">
+            <a:extLst>
+              <a:ext uri="{FF2B5EF4-FFF2-40B4-BE49-F238E27FC236}">
+                <a16:creationId xmlns:a16="http://schemas.microsoft.com/office/drawing/2014/main" id="{F5852F6A-816B-5049-9F57-D81B502EF4B1}"/>
+              </a:ext>
+            </a:extLst>
+          </p:cNvPr>
+          <p:cNvSpPr/>
+          <p:nvPr/>
+        </p:nvSpPr>
+        <p:spPr>
+          <a:xfrm>
+            <a:off x="6141583" y="1490133"/>
+            <a:ext cx="1451103" cy="1075267"/>
+          </a:xfrm>
+          <a:prstGeom prst="rect">
+            <a:avLst/>
+          </a:prstGeom>
+          <a:noFill/>
+          <a:ln>
+            <a:solidFill>
+              <a:srgbClr val="FFEEBB">
+                <a:alpha val="25000"/>
+              </a:srgbClr>
+            </a:solidFill>
+          </a:ln>
+        </p:spPr>
+        <p:style>
+          <a:lnRef idx="2">
+            <a:schemeClr val="accent1">
+              <a:shade val="50000"/>
+            </a:schemeClr>
+          </a:lnRef>
+          <a:fillRef idx="1">
+            <a:schemeClr val="accent1"/>
+          </a:fillRef>
+          <a:effectRef idx="0">
+            <a:schemeClr val="accent1"/>
+          </a:effectRef>
+          <a:fontRef idx="minor">
+            <a:schemeClr val="lt1"/>
+          </a:fontRef>
+        </p:style>
+        <p:txBody>
+          <a:bodyPr rtlCol="0" anchor="ctr"/>
+          <a:lstStyle/>
+          <a:p>
+            <a:pPr algn="ctr"/>
+            <a:r>
+              <a:rPr lang="en-US" sz="1400" b="1" dirty="0">
+                <a:latin typeface="Avenir Next" panose="020B0503020202020204" pitchFamily="34" charset="0"/>
+              </a:rPr>
+              <a:t>+</a:t>
+            </a:r>
+          </a:p>
+        </p:txBody>
+      </p:sp>
+      <p:sp>
+        <p:nvSpPr>
+          <p:cNvPr id="15" name="Rectangle 14">
+            <a:extLst>
+              <a:ext uri="{FF2B5EF4-FFF2-40B4-BE49-F238E27FC236}">
+                <a16:creationId xmlns:a16="http://schemas.microsoft.com/office/drawing/2014/main" id="{95B20A09-4A4A-F846-92BA-A9BD8CAF44DD}"/>
+              </a:ext>
+            </a:extLst>
+          </p:cNvPr>
+          <p:cNvSpPr/>
+          <p:nvPr/>
+        </p:nvSpPr>
+        <p:spPr>
+          <a:xfrm>
+            <a:off x="6472134" y="1726438"/>
+            <a:ext cx="802418" cy="594592"/>
+          </a:xfrm>
+          <a:prstGeom prst="rect">
+            <a:avLst/>
+          </a:prstGeom>
+          <a:blipFill dpi="0" rotWithShape="1">
+            <a:blip r:embed="rId2">
+              <a:alphaModFix amt="25000"/>
+              <a:extLst>
+                <a:ext uri="{28A0092B-C50C-407E-A947-70E740481C1C}">
+                  <a14:useLocalDpi xmlns:a14="http://schemas.microsoft.com/office/drawing/2010/main" val="0"/>
+                </a:ext>
+              </a:extLst>
+            </a:blip>
+            <a:srcRect/>
+            <a:stretch>
+              <a:fillRect/>
+            </a:stretch>
+          </a:blipFill>
+          <a:ln>
+            <a:noFill/>
+          </a:ln>
+        </p:spPr>
+        <p:style>
+          <a:lnRef idx="2">
+            <a:schemeClr val="accent1">
+              <a:shade val="50000"/>
+            </a:schemeClr>
+          </a:lnRef>
+          <a:fillRef idx="1">
+            <a:schemeClr val="accent1"/>
+          </a:fillRef>
+          <a:effectRef idx="0">
+            <a:schemeClr val="accent1"/>
+          </a:effectRef>
+          <a:fontRef idx="minor">
+            <a:schemeClr val="lt1"/>
+          </a:fontRef>
+        </p:style>
+        <p:txBody>
+          <a:bodyPr rtlCol="0" anchor="ctr"/>
+          <a:lstStyle/>
+          <a:p>
+            <a:pPr algn="ctr"/>
+            <a:r>
+              <a:rPr lang="en-US" sz="1400" b="1" dirty="0">
+                <a:latin typeface="Avenir Next" panose="020B0503020202020204" pitchFamily="34" charset="0"/>
+              </a:rPr>
+              <a:t>+</a:t>
+            </a:r>
+          </a:p>
+        </p:txBody>
+      </p:sp>
+      <p:grpSp>
+        <p:nvGrpSpPr>
+          <p:cNvPr id="2" name="Group 1">
+            <a:extLst>
+              <a:ext uri="{FF2B5EF4-FFF2-40B4-BE49-F238E27FC236}">
+                <a16:creationId xmlns:a16="http://schemas.microsoft.com/office/drawing/2014/main" id="{708B417B-A2AB-2B4F-92FF-FAC4F070DE1D}"/>
+              </a:ext>
+            </a:extLst>
+          </p:cNvPr>
+          <p:cNvGrpSpPr/>
+          <p:nvPr/>
+        </p:nvGrpSpPr>
+        <p:grpSpPr>
+          <a:xfrm>
+            <a:off x="6465925" y="1828270"/>
+            <a:ext cx="814836" cy="398994"/>
+            <a:chOff x="6465925" y="1828270"/>
+            <a:chExt cx="814836" cy="398994"/>
+          </a:xfrm>
+        </p:grpSpPr>
+        <p:pic>
+          <p:nvPicPr>
+            <p:cNvPr id="17" name="Picture 16">
+              <a:extLst>
+                <a:ext uri="{FF2B5EF4-FFF2-40B4-BE49-F238E27FC236}">
+                  <a16:creationId xmlns:a16="http://schemas.microsoft.com/office/drawing/2014/main" id="{3ABD718E-2647-F64B-B19E-4108D1753E0C}"/>
+                </a:ext>
+              </a:extLst>
+            </p:cNvPr>
+            <p:cNvPicPr>
+              <a:picLocks noChangeAspect="1"/>
+            </p:cNvPicPr>
+            <p:nvPr/>
+          </p:nvPicPr>
+          <p:blipFill>
+            <a:blip r:embed="rId3">
+              <a:alphaModFix amt="50000"/>
+            </a:blip>
+            <a:stretch>
+              <a:fillRect/>
+            </a:stretch>
+          </p:blipFill>
+          <p:spPr>
+            <a:xfrm>
+              <a:off x="6881767" y="1828270"/>
+              <a:ext cx="398994" cy="398994"/>
+            </a:xfrm>
+            <a:prstGeom prst="rect">
+              <a:avLst/>
+            </a:prstGeom>
+          </p:spPr>
+        </p:pic>
+        <p:pic>
+          <p:nvPicPr>
+            <p:cNvPr id="18" name="Picture 17">
+              <a:extLst>
+                <a:ext uri="{FF2B5EF4-FFF2-40B4-BE49-F238E27FC236}">
+                  <a16:creationId xmlns:a16="http://schemas.microsoft.com/office/drawing/2014/main" id="{62BD4324-BFF2-6545-AFA9-C15FF7D30001}"/>
+                </a:ext>
+              </a:extLst>
+            </p:cNvPr>
+            <p:cNvPicPr>
+              <a:picLocks noChangeAspect="1"/>
+            </p:cNvPicPr>
+            <p:nvPr/>
+          </p:nvPicPr>
+          <p:blipFill>
+            <a:blip r:embed="rId4">
+              <a:alphaModFix amt="50000"/>
+            </a:blip>
+            <a:stretch>
+              <a:fillRect/>
+            </a:stretch>
+          </p:blipFill>
+          <p:spPr>
+            <a:xfrm>
+              <a:off x="6465925" y="1865165"/>
+              <a:ext cx="309281" cy="309281"/>
+            </a:xfrm>
+            <a:prstGeom prst="rect">
+              <a:avLst/>
+            </a:prstGeom>
+          </p:spPr>
+        </p:pic>
+      </p:grpSp>
       <p:cxnSp>
         <p:nvCxnSpPr>
-          <p:cNvPr id="20" name="Straight Arrow Connector 19">
+          <p:cNvPr id="19" name="Straight Arrow Connector 18">
             <a:extLst>
               <a:ext uri="{FF2B5EF4-FFF2-40B4-BE49-F238E27FC236}">
-                <a16:creationId xmlns:a16="http://schemas.microsoft.com/office/drawing/2014/main" id="{D27FC15E-34B2-514C-8A7F-F0C641EC5529}"/>
+                <a16:creationId xmlns:a16="http://schemas.microsoft.com/office/drawing/2014/main" id="{412E0226-E1C5-5B47-A5F4-B06778EEF6B0}"/>
               </a:ext>
             </a:extLst>
           </p:cNvPr>
@@ -4921,16 +4388,13 @@
         </p:nvCxnSpPr>
         <p:spPr>
           <a:xfrm>
-            <a:off x="2674858" y="2027767"/>
-            <a:ext cx="282296" cy="0"/>
+            <a:off x="5601753" y="2023735"/>
+            <a:ext cx="539830" cy="4032"/>
           </a:xfrm>
           <a:prstGeom prst="straightConnector1">
             <a:avLst/>
           </a:prstGeom>
-          <a:ln w="28575">
-            <a:solidFill>
-              <a:srgbClr val="E31937"/>
-            </a:solidFill>
+          <a:ln>
             <a:tailEnd type="triangle"/>
           </a:ln>
         </p:spPr>
@@ -4949,10 +4413,221 @@
           </a:fontRef>
         </p:style>
       </p:cxnSp>
+      <p:cxnSp>
+        <p:nvCxnSpPr>
+          <p:cNvPr id="20" name="Straight Arrow Connector 19">
+            <a:extLst>
+              <a:ext uri="{FF2B5EF4-FFF2-40B4-BE49-F238E27FC236}">
+                <a16:creationId xmlns:a16="http://schemas.microsoft.com/office/drawing/2014/main" id="{98AFAB13-9258-8B44-ABCE-8D12283D552A}"/>
+              </a:ext>
+            </a:extLst>
+          </p:cNvPr>
+          <p:cNvCxnSpPr>
+            <a:cxnSpLocks/>
+            <a:stCxn id="22" idx="3"/>
+            <a:endCxn id="5" idx="1"/>
+          </p:cNvCxnSpPr>
+          <p:nvPr/>
+        </p:nvCxnSpPr>
+        <p:spPr>
+          <a:xfrm flipV="1">
+            <a:off x="2944565" y="2023735"/>
+            <a:ext cx="555351" cy="4432"/>
+          </a:xfrm>
+          <a:prstGeom prst="straightConnector1">
+            <a:avLst/>
+          </a:prstGeom>
+          <a:ln>
+            <a:tailEnd type="triangle"/>
+          </a:ln>
+        </p:spPr>
+        <p:style>
+          <a:lnRef idx="1">
+            <a:schemeClr val="accent1"/>
+          </a:lnRef>
+          <a:fillRef idx="0">
+            <a:schemeClr val="accent1"/>
+          </a:fillRef>
+          <a:effectRef idx="0">
+            <a:schemeClr val="accent1"/>
+          </a:effectRef>
+          <a:fontRef idx="minor">
+            <a:schemeClr val="tx1"/>
+          </a:fontRef>
+        </p:style>
+      </p:cxnSp>
+      <p:sp>
+        <p:nvSpPr>
+          <p:cNvPr id="21" name="TextBox 20">
+            <a:extLst>
+              <a:ext uri="{FF2B5EF4-FFF2-40B4-BE49-F238E27FC236}">
+                <a16:creationId xmlns:a16="http://schemas.microsoft.com/office/drawing/2014/main" id="{277BBB51-E9AB-4044-BE32-14ED681981BB}"/>
+              </a:ext>
+            </a:extLst>
+          </p:cNvPr>
+          <p:cNvSpPr txBox="1"/>
+          <p:nvPr/>
+        </p:nvSpPr>
+        <p:spPr>
+          <a:xfrm>
+            <a:off x="1493462" y="2565400"/>
+            <a:ext cx="1463520" cy="246221"/>
+          </a:xfrm>
+          <a:prstGeom prst="rect">
+            <a:avLst/>
+          </a:prstGeom>
+          <a:noFill/>
+        </p:spPr>
+        <p:txBody>
+          <a:bodyPr wrap="square" rtlCol="0">
+            <a:spAutoFit/>
+          </a:bodyPr>
+          <a:lstStyle/>
+          <a:p>
+            <a:pPr algn="ctr"/>
+            <a:r>
+              <a:rPr lang="en-US" sz="1000" dirty="0">
+                <a:solidFill>
+                  <a:schemeClr val="bg1"/>
+                </a:solidFill>
+                <a:latin typeface="Avenir Next" panose="020B0503020202020204" pitchFamily="34" charset="0"/>
+              </a:rPr>
+              <a:t>Display 1</a:t>
+            </a:r>
+          </a:p>
+        </p:txBody>
+      </p:sp>
+      <p:sp>
+        <p:nvSpPr>
+          <p:cNvPr id="22" name="Rectangle 21">
+            <a:extLst>
+              <a:ext uri="{FF2B5EF4-FFF2-40B4-BE49-F238E27FC236}">
+                <a16:creationId xmlns:a16="http://schemas.microsoft.com/office/drawing/2014/main" id="{84A6285A-BE03-2843-B14D-B8A94C3ECB82}"/>
+              </a:ext>
+            </a:extLst>
+          </p:cNvPr>
+          <p:cNvSpPr/>
+          <p:nvPr/>
+        </p:nvSpPr>
+        <p:spPr>
+          <a:xfrm>
+            <a:off x="1493462" y="1490533"/>
+            <a:ext cx="1451103" cy="1075267"/>
+          </a:xfrm>
+          <a:prstGeom prst="rect">
+            <a:avLst/>
+          </a:prstGeom>
+          <a:noFill/>
+          <a:ln>
+            <a:solidFill>
+              <a:srgbClr val="FFEEBB">
+                <a:alpha val="25000"/>
+              </a:srgbClr>
+            </a:solidFill>
+          </a:ln>
+        </p:spPr>
+        <p:style>
+          <a:lnRef idx="2">
+            <a:schemeClr val="accent1">
+              <a:shade val="50000"/>
+            </a:schemeClr>
+          </a:lnRef>
+          <a:fillRef idx="1">
+            <a:schemeClr val="accent1"/>
+          </a:fillRef>
+          <a:effectRef idx="0">
+            <a:schemeClr val="accent1"/>
+          </a:effectRef>
+          <a:fontRef idx="minor">
+            <a:schemeClr val="lt1"/>
+          </a:fontRef>
+        </p:style>
+        <p:txBody>
+          <a:bodyPr rtlCol="0" anchor="ctr"/>
+          <a:lstStyle/>
+          <a:p>
+            <a:pPr algn="ctr"/>
+            <a:r>
+              <a:rPr lang="en-US" sz="1400" b="1" dirty="0">
+                <a:latin typeface="Avenir Next" panose="020B0503020202020204" pitchFamily="34" charset="0"/>
+              </a:rPr>
+              <a:t>+</a:t>
+            </a:r>
+          </a:p>
+        </p:txBody>
+      </p:sp>
+      <p:sp>
+        <p:nvSpPr>
+          <p:cNvPr id="23" name="Rectangle 22">
+            <a:extLst>
+              <a:ext uri="{FF2B5EF4-FFF2-40B4-BE49-F238E27FC236}">
+                <a16:creationId xmlns:a16="http://schemas.microsoft.com/office/drawing/2014/main" id="{452E042C-A9C1-334E-BFA1-8A078852F1F0}"/>
+              </a:ext>
+            </a:extLst>
+          </p:cNvPr>
+          <p:cNvSpPr/>
+          <p:nvPr/>
+        </p:nvSpPr>
+        <p:spPr>
+          <a:xfrm>
+            <a:off x="1824013" y="1726838"/>
+            <a:ext cx="802418" cy="594592"/>
+          </a:xfrm>
+          <a:prstGeom prst="rect">
+            <a:avLst/>
+          </a:prstGeom>
+          <a:blipFill dpi="0" rotWithShape="1">
+            <a:blip r:embed="rId2">
+              <a:alphaModFix amt="25000"/>
+              <a:extLst>
+                <a:ext uri="{28A0092B-C50C-407E-A947-70E740481C1C}">
+                  <a14:useLocalDpi xmlns:a14="http://schemas.microsoft.com/office/drawing/2010/main" val="0"/>
+                </a:ext>
+              </a:extLst>
+            </a:blip>
+            <a:srcRect/>
+            <a:stretch>
+              <a:fillRect/>
+            </a:stretch>
+          </a:blipFill>
+          <a:ln>
+            <a:noFill/>
+          </a:ln>
+        </p:spPr>
+        <p:style>
+          <a:lnRef idx="2">
+            <a:schemeClr val="accent1">
+              <a:shade val="50000"/>
+            </a:schemeClr>
+          </a:lnRef>
+          <a:fillRef idx="1">
+            <a:schemeClr val="accent1"/>
+          </a:fillRef>
+          <a:effectRef idx="0">
+            <a:schemeClr val="accent1"/>
+          </a:effectRef>
+          <a:fontRef idx="minor">
+            <a:schemeClr val="lt1"/>
+          </a:fontRef>
+        </p:style>
+        <p:txBody>
+          <a:bodyPr rtlCol="0" anchor="ctr"/>
+          <a:lstStyle/>
+          <a:p>
+            <a:pPr algn="ctr"/>
+            <a:r>
+              <a:rPr lang="en-US" sz="1400" b="1" dirty="0">
+                <a:latin typeface="Avenir Next" panose="020B0503020202020204" pitchFamily="34" charset="0"/>
+              </a:rPr>
+              <a:t>+</a:t>
+            </a:r>
+          </a:p>
+        </p:txBody>
+      </p:sp>
     </p:spTree>
     <p:extLst>
       <p:ext uri="{BB962C8B-B14F-4D97-AF65-F5344CB8AC3E}">
-        <p14:creationId xmlns:p14="http://schemas.microsoft.com/office/powerpoint/2010/main" val="1185143395"/>
+        <p14:creationId xmlns:p14="http://schemas.microsoft.com/office/powerpoint/2010/main" val="317780483"/>
       </p:ext>
     </p:extLst>
   </p:cSld>
@@ -4981,10 +4656,10 @@
       </p:grpSpPr>
       <p:sp>
         <p:nvSpPr>
-          <p:cNvPr id="8" name="Rectangle 7">
+          <p:cNvPr id="33" name="Rectangle 32">
             <a:extLst>
               <a:ext uri="{FF2B5EF4-FFF2-40B4-BE49-F238E27FC236}">
-                <a16:creationId xmlns:a16="http://schemas.microsoft.com/office/drawing/2014/main" id="{278B45D5-E8C2-434C-8409-90EDEBACE4AA}"/>
+                <a16:creationId xmlns:a16="http://schemas.microsoft.com/office/drawing/2014/main" id="{3841210D-F285-EE4E-B13F-F52A1F78575D}"/>
               </a:ext>
             </a:extLst>
           </p:cNvPr>
@@ -4993,13 +4668,15 @@
         </p:nvSpPr>
         <p:spPr>
           <a:xfrm>
-            <a:off x="956734" y="804334"/>
-            <a:ext cx="7188200" cy="5326456"/>
+            <a:off x="105184" y="804334"/>
+            <a:ext cx="8830734" cy="5326456"/>
           </a:xfrm>
           <a:prstGeom prst="rect">
             <a:avLst/>
           </a:prstGeom>
-          <a:noFill/>
+          <a:solidFill>
+            <a:schemeClr val="tx1"/>
+          </a:solidFill>
           <a:ln>
             <a:solidFill>
               <a:srgbClr val="004065"/>
@@ -5045,8 +4722,8 @@
         </p:nvSpPr>
         <p:spPr>
           <a:xfrm>
-            <a:off x="1223755" y="1490133"/>
-            <a:ext cx="1451103" cy="1075267"/>
+            <a:off x="3499916" y="1245004"/>
+            <a:ext cx="2101837" cy="1557461"/>
           </a:xfrm>
           <a:prstGeom prst="rect">
             <a:avLst/>
@@ -5090,10 +4767,10 @@
       </p:sp>
       <p:sp>
         <p:nvSpPr>
-          <p:cNvPr id="6" name="Rectangle 5">
+          <p:cNvPr id="7" name="Rectangle 6">
             <a:extLst>
               <a:ext uri="{FF2B5EF4-FFF2-40B4-BE49-F238E27FC236}">
-                <a16:creationId xmlns:a16="http://schemas.microsoft.com/office/drawing/2014/main" id="{45A65EF7-797C-9645-94D5-EEB459B8A864}"/>
+                <a16:creationId xmlns:a16="http://schemas.microsoft.com/office/drawing/2014/main" id="{32054E16-1B68-DC4F-88C3-E94B760644B8}"/>
               </a:ext>
             </a:extLst>
           </p:cNvPr>
@@ -5102,17 +4779,27 @@
         </p:nvSpPr>
         <p:spPr>
           <a:xfrm>
-            <a:off x="4690553" y="1490133"/>
+            <a:off x="3825282" y="1486100"/>
             <a:ext cx="1451103" cy="1075267"/>
           </a:xfrm>
           <a:prstGeom prst="rect">
             <a:avLst/>
           </a:prstGeom>
-          <a:noFill/>
+          <a:blipFill dpi="0" rotWithShape="1">
+            <a:blip r:embed="rId2">
+              <a:extLst>
+                <a:ext uri="{28A0092B-C50C-407E-A947-70E740481C1C}">
+                  <a14:useLocalDpi xmlns:a14="http://schemas.microsoft.com/office/drawing/2010/main" val="0"/>
+                </a:ext>
+              </a:extLst>
+            </a:blip>
+            <a:srcRect/>
+            <a:stretch>
+              <a:fillRect/>
+            </a:stretch>
+          </a:blipFill>
           <a:ln>
-            <a:solidFill>
-              <a:srgbClr val="FFEEBB"/>
-            </a:solidFill>
+            <a:noFill/>
           </a:ln>
         </p:spPr>
         <p:style>
@@ -5147,10 +4834,10 @@
       </p:sp>
       <p:sp>
         <p:nvSpPr>
-          <p:cNvPr id="16" name="TextBox 15">
+          <p:cNvPr id="10" name="TextBox 9">
             <a:extLst>
               <a:ext uri="{FF2B5EF4-FFF2-40B4-BE49-F238E27FC236}">
-                <a16:creationId xmlns:a16="http://schemas.microsoft.com/office/drawing/2014/main" id="{431822A4-809C-E243-BF2F-5C9ED7858AD0}"/>
+                <a16:creationId xmlns:a16="http://schemas.microsoft.com/office/drawing/2014/main" id="{4F00795B-EF0E-0348-ACCF-971FA64ED5BB}"/>
               </a:ext>
             </a:extLst>
           </p:cNvPr>
@@ -5159,8 +4846,385 @@
         </p:nvSpPr>
         <p:spPr>
           <a:xfrm>
+            <a:off x="1493462" y="2565400"/>
+            <a:ext cx="1463520" cy="246221"/>
+          </a:xfrm>
+          <a:prstGeom prst="rect">
+            <a:avLst/>
+          </a:prstGeom>
+          <a:noFill/>
+        </p:spPr>
+        <p:txBody>
+          <a:bodyPr wrap="square" rtlCol="0">
+            <a:spAutoFit/>
+          </a:bodyPr>
+          <a:lstStyle/>
+          <a:p>
+            <a:pPr algn="ctr"/>
+            <a:r>
+              <a:rPr lang="en-US" sz="1000" dirty="0">
+                <a:solidFill>
+                  <a:schemeClr val="bg1"/>
+                </a:solidFill>
+                <a:latin typeface="Avenir Next" panose="020B0503020202020204" pitchFamily="34" charset="0"/>
+              </a:rPr>
+              <a:t>Display 2</a:t>
+            </a:r>
+          </a:p>
+        </p:txBody>
+      </p:sp>
+      <p:sp>
+        <p:nvSpPr>
+          <p:cNvPr id="12" name="TextBox 11">
+            <a:extLst>
+              <a:ext uri="{FF2B5EF4-FFF2-40B4-BE49-F238E27FC236}">
+                <a16:creationId xmlns:a16="http://schemas.microsoft.com/office/drawing/2014/main" id="{2CFCEB33-F5DB-3746-AE6A-F6414B945629}"/>
+              </a:ext>
+            </a:extLst>
+          </p:cNvPr>
+          <p:cNvSpPr txBox="1"/>
+          <p:nvPr/>
+        </p:nvSpPr>
+        <p:spPr>
+          <a:xfrm>
+            <a:off x="6141583" y="2565400"/>
+            <a:ext cx="1463520" cy="246221"/>
+          </a:xfrm>
+          <a:prstGeom prst="rect">
+            <a:avLst/>
+          </a:prstGeom>
+          <a:noFill/>
+        </p:spPr>
+        <p:txBody>
+          <a:bodyPr wrap="square" rtlCol="0">
+            <a:spAutoFit/>
+          </a:bodyPr>
+          <a:lstStyle/>
+          <a:p>
+            <a:pPr algn="ctr"/>
+            <a:r>
+              <a:rPr lang="en-US" sz="1000" dirty="0">
+                <a:solidFill>
+                  <a:schemeClr val="bg1"/>
+                </a:solidFill>
+                <a:latin typeface="Avenir Next" panose="020B0503020202020204" pitchFamily="34" charset="0"/>
+              </a:rPr>
+              <a:t>Display 4</a:t>
+            </a:r>
+          </a:p>
+        </p:txBody>
+      </p:sp>
+      <p:sp>
+        <p:nvSpPr>
+          <p:cNvPr id="13" name="TextBox 12">
+            <a:extLst>
+              <a:ext uri="{FF2B5EF4-FFF2-40B4-BE49-F238E27FC236}">
+                <a16:creationId xmlns:a16="http://schemas.microsoft.com/office/drawing/2014/main" id="{EE0A9875-1F14-1844-9C6D-2ED9E13563CB}"/>
+              </a:ext>
+            </a:extLst>
+          </p:cNvPr>
+          <p:cNvSpPr txBox="1"/>
+          <p:nvPr/>
+        </p:nvSpPr>
+        <p:spPr>
+          <a:xfrm>
+            <a:off x="3819074" y="2802465"/>
+            <a:ext cx="1463520" cy="307777"/>
+          </a:xfrm>
+          <a:prstGeom prst="rect">
+            <a:avLst/>
+          </a:prstGeom>
+          <a:noFill/>
+        </p:spPr>
+        <p:txBody>
+          <a:bodyPr wrap="square" rtlCol="0">
+            <a:spAutoFit/>
+          </a:bodyPr>
+          <a:lstStyle/>
+          <a:p>
+            <a:pPr algn="ctr"/>
+            <a:r>
+              <a:rPr lang="en-US" sz="1400" b="1" dirty="0">
+                <a:solidFill>
+                  <a:srgbClr val="E31937"/>
+                </a:solidFill>
+                <a:latin typeface="Avenir Next" panose="020B0503020202020204" pitchFamily="34" charset="0"/>
+              </a:rPr>
+              <a:t>Display 3</a:t>
+            </a:r>
+          </a:p>
+        </p:txBody>
+      </p:sp>
+      <p:sp>
+        <p:nvSpPr>
+          <p:cNvPr id="14" name="Rectangle 13">
+            <a:extLst>
+              <a:ext uri="{FF2B5EF4-FFF2-40B4-BE49-F238E27FC236}">
+                <a16:creationId xmlns:a16="http://schemas.microsoft.com/office/drawing/2014/main" id="{F5852F6A-816B-5049-9F57-D81B502EF4B1}"/>
+              </a:ext>
+            </a:extLst>
+          </p:cNvPr>
+          <p:cNvSpPr/>
+          <p:nvPr/>
+        </p:nvSpPr>
+        <p:spPr>
+          <a:xfrm>
+            <a:off x="6141583" y="1490133"/>
+            <a:ext cx="1451103" cy="1075267"/>
+          </a:xfrm>
+          <a:prstGeom prst="rect">
+            <a:avLst/>
+          </a:prstGeom>
+          <a:noFill/>
+          <a:ln>
+            <a:solidFill>
+              <a:srgbClr val="FFEEBB">
+                <a:alpha val="25000"/>
+              </a:srgbClr>
+            </a:solidFill>
+          </a:ln>
+        </p:spPr>
+        <p:style>
+          <a:lnRef idx="2">
+            <a:schemeClr val="accent1">
+              <a:shade val="50000"/>
+            </a:schemeClr>
+          </a:lnRef>
+          <a:fillRef idx="1">
+            <a:schemeClr val="accent1"/>
+          </a:fillRef>
+          <a:effectRef idx="0">
+            <a:schemeClr val="accent1"/>
+          </a:effectRef>
+          <a:fontRef idx="minor">
+            <a:schemeClr val="lt1"/>
+          </a:fontRef>
+        </p:style>
+        <p:txBody>
+          <a:bodyPr rtlCol="0" anchor="ctr"/>
+          <a:lstStyle/>
+          <a:p>
+            <a:pPr algn="ctr"/>
+            <a:r>
+              <a:rPr lang="en-US" sz="1400" b="1" dirty="0">
+                <a:latin typeface="Avenir Next" panose="020B0503020202020204" pitchFamily="34" charset="0"/>
+              </a:rPr>
+              <a:t>+</a:t>
+            </a:r>
+          </a:p>
+        </p:txBody>
+      </p:sp>
+      <p:sp>
+        <p:nvSpPr>
+          <p:cNvPr id="15" name="Rectangle 14">
+            <a:extLst>
+              <a:ext uri="{FF2B5EF4-FFF2-40B4-BE49-F238E27FC236}">
+                <a16:creationId xmlns:a16="http://schemas.microsoft.com/office/drawing/2014/main" id="{95B20A09-4A4A-F846-92BA-A9BD8CAF44DD}"/>
+              </a:ext>
+            </a:extLst>
+          </p:cNvPr>
+          <p:cNvSpPr/>
+          <p:nvPr/>
+        </p:nvSpPr>
+        <p:spPr>
+          <a:xfrm>
+            <a:off x="6472134" y="1726438"/>
+            <a:ext cx="802418" cy="594592"/>
+          </a:xfrm>
+          <a:prstGeom prst="rect">
+            <a:avLst/>
+          </a:prstGeom>
+          <a:blipFill dpi="0" rotWithShape="1">
+            <a:blip r:embed="rId2">
+              <a:alphaModFix amt="25000"/>
+              <a:extLst>
+                <a:ext uri="{28A0092B-C50C-407E-A947-70E740481C1C}">
+                  <a14:useLocalDpi xmlns:a14="http://schemas.microsoft.com/office/drawing/2010/main" val="0"/>
+                </a:ext>
+              </a:extLst>
+            </a:blip>
+            <a:srcRect/>
+            <a:stretch>
+              <a:fillRect/>
+            </a:stretch>
+          </a:blipFill>
+          <a:ln>
+            <a:noFill/>
+          </a:ln>
+        </p:spPr>
+        <p:style>
+          <a:lnRef idx="2">
+            <a:schemeClr val="accent1">
+              <a:shade val="50000"/>
+            </a:schemeClr>
+          </a:lnRef>
+          <a:fillRef idx="1">
+            <a:schemeClr val="accent1"/>
+          </a:fillRef>
+          <a:effectRef idx="0">
+            <a:schemeClr val="accent1"/>
+          </a:effectRef>
+          <a:fontRef idx="minor">
+            <a:schemeClr val="lt1"/>
+          </a:fontRef>
+        </p:style>
+        <p:txBody>
+          <a:bodyPr rtlCol="0" anchor="ctr"/>
+          <a:lstStyle/>
+          <a:p>
+            <a:pPr algn="ctr"/>
+            <a:r>
+              <a:rPr lang="en-US" sz="1400" b="1" dirty="0">
+                <a:latin typeface="Avenir Next" panose="020B0503020202020204" pitchFamily="34" charset="0"/>
+              </a:rPr>
+              <a:t>+</a:t>
+            </a:r>
+          </a:p>
+        </p:txBody>
+      </p:sp>
+      <p:sp>
+        <p:nvSpPr>
+          <p:cNvPr id="18" name="Rectangle 17">
+            <a:extLst>
+              <a:ext uri="{FF2B5EF4-FFF2-40B4-BE49-F238E27FC236}">
+                <a16:creationId xmlns:a16="http://schemas.microsoft.com/office/drawing/2014/main" id="{255CA099-1580-6F4C-9963-A79EF4179452}"/>
+              </a:ext>
+            </a:extLst>
+          </p:cNvPr>
+          <p:cNvSpPr/>
+          <p:nvPr/>
+        </p:nvSpPr>
+        <p:spPr>
+          <a:xfrm>
+            <a:off x="1493462" y="1490533"/>
+            <a:ext cx="1451103" cy="1075267"/>
+          </a:xfrm>
+          <a:prstGeom prst="rect">
+            <a:avLst/>
+          </a:prstGeom>
+          <a:noFill/>
+          <a:ln>
+            <a:solidFill>
+              <a:srgbClr val="FFEEBB">
+                <a:alpha val="25000"/>
+              </a:srgbClr>
+            </a:solidFill>
+          </a:ln>
+        </p:spPr>
+        <p:style>
+          <a:lnRef idx="2">
+            <a:schemeClr val="accent1">
+              <a:shade val="50000"/>
+            </a:schemeClr>
+          </a:lnRef>
+          <a:fillRef idx="1">
+            <a:schemeClr val="accent1"/>
+          </a:fillRef>
+          <a:effectRef idx="0">
+            <a:schemeClr val="accent1"/>
+          </a:effectRef>
+          <a:fontRef idx="minor">
+            <a:schemeClr val="lt1"/>
+          </a:fontRef>
+        </p:style>
+        <p:txBody>
+          <a:bodyPr rtlCol="0" anchor="ctr"/>
+          <a:lstStyle/>
+          <a:p>
+            <a:pPr algn="ctr"/>
+            <a:r>
+              <a:rPr lang="en-US" sz="1400" b="1" dirty="0">
+                <a:latin typeface="Avenir Next" panose="020B0503020202020204" pitchFamily="34" charset="0"/>
+              </a:rPr>
+              <a:t>+</a:t>
+            </a:r>
+          </a:p>
+        </p:txBody>
+      </p:sp>
+      <p:sp>
+        <p:nvSpPr>
+          <p:cNvPr id="19" name="Rectangle 18">
+            <a:extLst>
+              <a:ext uri="{FF2B5EF4-FFF2-40B4-BE49-F238E27FC236}">
+                <a16:creationId xmlns:a16="http://schemas.microsoft.com/office/drawing/2014/main" id="{C64F1F65-F86C-5E45-9F53-C06657F9D407}"/>
+              </a:ext>
+            </a:extLst>
+          </p:cNvPr>
+          <p:cNvSpPr/>
+          <p:nvPr/>
+        </p:nvSpPr>
+        <p:spPr>
+          <a:xfrm>
+            <a:off x="1824013" y="1726838"/>
+            <a:ext cx="802418" cy="594592"/>
+          </a:xfrm>
+          <a:prstGeom prst="rect">
+            <a:avLst/>
+          </a:prstGeom>
+          <a:blipFill dpi="0" rotWithShape="1">
+            <a:blip r:embed="rId2">
+              <a:alphaModFix amt="25000"/>
+              <a:extLst>
+                <a:ext uri="{28A0092B-C50C-407E-A947-70E740481C1C}">
+                  <a14:useLocalDpi xmlns:a14="http://schemas.microsoft.com/office/drawing/2010/main" val="0"/>
+                </a:ext>
+              </a:extLst>
+            </a:blip>
+            <a:srcRect/>
+            <a:stretch>
+              <a:fillRect/>
+            </a:stretch>
+          </a:blipFill>
+          <a:ln>
+            <a:noFill/>
+          </a:ln>
+        </p:spPr>
+        <p:style>
+          <a:lnRef idx="2">
+            <a:schemeClr val="accent1">
+              <a:shade val="50000"/>
+            </a:schemeClr>
+          </a:lnRef>
+          <a:fillRef idx="1">
+            <a:schemeClr val="accent1"/>
+          </a:fillRef>
+          <a:effectRef idx="0">
+            <a:schemeClr val="accent1"/>
+          </a:effectRef>
+          <a:fontRef idx="minor">
+            <a:schemeClr val="lt1"/>
+          </a:fontRef>
+        </p:style>
+        <p:txBody>
+          <a:bodyPr rtlCol="0" anchor="ctr"/>
+          <a:lstStyle/>
+          <a:p>
+            <a:pPr algn="ctr"/>
+            <a:r>
+              <a:rPr lang="en-US" sz="1400" b="1" dirty="0">
+                <a:latin typeface="Avenir Next" panose="020B0503020202020204" pitchFamily="34" charset="0"/>
+              </a:rPr>
+              <a:t>+</a:t>
+            </a:r>
+          </a:p>
+        </p:txBody>
+      </p:sp>
+      <p:sp>
+        <p:nvSpPr>
+          <p:cNvPr id="20" name="TextBox 19">
+            <a:extLst>
+              <a:ext uri="{FF2B5EF4-FFF2-40B4-BE49-F238E27FC236}">
+                <a16:creationId xmlns:a16="http://schemas.microsoft.com/office/drawing/2014/main" id="{430202F1-2CC5-6344-B762-22D80F554A32}"/>
+              </a:ext>
+            </a:extLst>
+          </p:cNvPr>
+          <p:cNvSpPr txBox="1"/>
+          <p:nvPr/>
+        </p:nvSpPr>
+        <p:spPr>
+          <a:xfrm>
             <a:off x="1384620" y="3347307"/>
-            <a:ext cx="6271863" cy="769441"/>
+            <a:ext cx="6271863" cy="846386"/>
           </a:xfrm>
           <a:prstGeom prst="rect">
             <a:avLst/>
@@ -5189,158 +5253,194 @@
             </a:r>
           </a:p>
           <a:p>
-            <a:r>
-              <a:rPr lang="en-US" sz="1400" dirty="0">
+            <a:pPr marL="285750" indent="-285750">
+              <a:spcAft>
+                <a:spcPts val="600"/>
+              </a:spcAft>
+              <a:buFont typeface="Arial" panose="020B0604020202020204" pitchFamily="34" charset="0"/>
+              <a:buChar char="•"/>
+            </a:pPr>
+            <a:r>
+              <a:rPr lang="en-US" sz="1400" b="1" dirty="0">
                 <a:solidFill>
                   <a:schemeClr val="bg1"/>
                 </a:solidFill>
                 <a:latin typeface="Avenir Next" panose="020B0503020202020204" pitchFamily="34" charset="0"/>
               </a:rPr>
-              <a:t>Two objects will then appear to the left and right of the fixation. </a:t>
-            </a:r>
-          </a:p>
-          <a:p>
-            <a:r>
-              <a:rPr lang="en-US" sz="1400" dirty="0">
+              <a:t>Two objects will appear on either side of the fixation</a:t>
+            </a:r>
+          </a:p>
+          <a:p>
+            <a:pPr marL="285750" indent="-285750">
+              <a:spcAft>
+                <a:spcPts val="600"/>
+              </a:spcAft>
+              <a:buFont typeface="Arial" panose="020B0604020202020204" pitchFamily="34" charset="0"/>
+              <a:buChar char="•"/>
+            </a:pPr>
+            <a:r>
+              <a:rPr lang="en-US" sz="1400" b="1" dirty="0">
                 <a:solidFill>
                   <a:schemeClr val="bg1"/>
                 </a:solidFill>
                 <a:latin typeface="Avenir Next" panose="020B0503020202020204" pitchFamily="34" charset="0"/>
               </a:rPr>
-              <a:t>No response is needed and keep maintaining fixation.</a:t>
-            </a:r>
-          </a:p>
-        </p:txBody>
-      </p:sp>
-      <p:sp>
-        <p:nvSpPr>
-          <p:cNvPr id="17" name="TextBox 16">
+              <a:t>No response is needed and keep maintaining fixation</a:t>
+            </a:r>
+          </a:p>
+        </p:txBody>
+      </p:sp>
+      <p:pic>
+        <p:nvPicPr>
+          <p:cNvPr id="3" name="Picture 2">
             <a:extLst>
               <a:ext uri="{FF2B5EF4-FFF2-40B4-BE49-F238E27FC236}">
-                <a16:creationId xmlns:a16="http://schemas.microsoft.com/office/drawing/2014/main" id="{B49F8974-FABD-F74B-B459-897B7E68272C}"/>
+                <a16:creationId xmlns:a16="http://schemas.microsoft.com/office/drawing/2014/main" id="{C49DD0A7-8D57-D646-A593-030F6DDA0446}"/>
               </a:ext>
             </a:extLst>
           </p:cNvPr>
-          <p:cNvSpPr txBox="1"/>
+          <p:cNvPicPr>
+            <a:picLocks noChangeAspect="1"/>
+          </p:cNvPicPr>
           <p:nvPr/>
-        </p:nvSpPr>
+        </p:nvPicPr>
+        <p:blipFill>
+          <a:blip r:embed="rId3"/>
+          <a:stretch>
+            <a:fillRect/>
+          </a:stretch>
+        </p:blipFill>
         <p:spPr>
           <a:xfrm>
-            <a:off x="1223755" y="2565400"/>
-            <a:ext cx="1463520" cy="307777"/>
+            <a:off x="4496648" y="1582604"/>
+            <a:ext cx="882257" cy="882257"/>
           </a:xfrm>
           <a:prstGeom prst="rect">
             <a:avLst/>
           </a:prstGeom>
-          <a:noFill/>
-        </p:spPr>
-        <p:txBody>
-          <a:bodyPr wrap="square" rtlCol="0">
-            <a:spAutoFit/>
-          </a:bodyPr>
-          <a:lstStyle/>
-          <a:p>
-            <a:pPr algn="ctr"/>
-            <a:r>
-              <a:rPr lang="en-US" sz="1400" dirty="0">
-                <a:solidFill>
-                  <a:schemeClr val="bg1"/>
-                </a:solidFill>
-                <a:latin typeface="Avenir Next" panose="020B0503020202020204" pitchFamily="34" charset="0"/>
-              </a:rPr>
-              <a:t>Display 1</a:t>
-            </a:r>
-          </a:p>
-        </p:txBody>
-      </p:sp>
-      <p:sp>
-        <p:nvSpPr>
-          <p:cNvPr id="18" name="TextBox 17">
+        </p:spPr>
+      </p:pic>
+      <p:pic>
+        <p:nvPicPr>
+          <p:cNvPr id="11" name="Picture 10">
             <a:extLst>
               <a:ext uri="{FF2B5EF4-FFF2-40B4-BE49-F238E27FC236}">
-                <a16:creationId xmlns:a16="http://schemas.microsoft.com/office/drawing/2014/main" id="{A0B7C24C-0A8E-2D44-8516-3DFD0A17698E}"/>
+                <a16:creationId xmlns:a16="http://schemas.microsoft.com/office/drawing/2014/main" id="{06C22353-150E-0B4E-8948-49BECD09C427}"/>
               </a:ext>
             </a:extLst>
           </p:cNvPr>
-          <p:cNvSpPr txBox="1"/>
+          <p:cNvPicPr>
+            <a:picLocks noChangeAspect="1"/>
+          </p:cNvPicPr>
           <p:nvPr/>
-        </p:nvSpPr>
+        </p:nvPicPr>
+        <p:blipFill>
+          <a:blip r:embed="rId4"/>
+          <a:stretch>
+            <a:fillRect/>
+          </a:stretch>
+        </p:blipFill>
         <p:spPr>
           <a:xfrm>
-            <a:off x="2958583" y="2565400"/>
-            <a:ext cx="1463520" cy="307777"/>
+            <a:off x="3808745" y="1689430"/>
+            <a:ext cx="683884" cy="683884"/>
           </a:xfrm>
           <a:prstGeom prst="rect">
             <a:avLst/>
           </a:prstGeom>
-          <a:noFill/>
-        </p:spPr>
-        <p:txBody>
-          <a:bodyPr wrap="square" rtlCol="0">
-            <a:spAutoFit/>
-          </a:bodyPr>
-          <a:lstStyle/>
-          <a:p>
-            <a:pPr algn="ctr"/>
-            <a:r>
-              <a:rPr lang="en-US" sz="1400" dirty="0">
-                <a:solidFill>
-                  <a:schemeClr val="bg1"/>
-                </a:solidFill>
-                <a:latin typeface="Avenir Next" panose="020B0503020202020204" pitchFamily="34" charset="0"/>
-              </a:rPr>
-              <a:t>Display 2</a:t>
-            </a:r>
-          </a:p>
-        </p:txBody>
-      </p:sp>
-      <p:sp>
-        <p:nvSpPr>
-          <p:cNvPr id="19" name="TextBox 18">
+        </p:spPr>
+      </p:pic>
+      <p:grpSp>
+        <p:nvGrpSpPr>
+          <p:cNvPr id="21" name="Group 20">
             <a:extLst>
               <a:ext uri="{FF2B5EF4-FFF2-40B4-BE49-F238E27FC236}">
-                <a16:creationId xmlns:a16="http://schemas.microsoft.com/office/drawing/2014/main" id="{790C90E4-C0CD-D149-B882-4EEDD6AD1317}"/>
+                <a16:creationId xmlns:a16="http://schemas.microsoft.com/office/drawing/2014/main" id="{6B40FEBA-9013-A741-9FF0-B3895321C4DF}"/>
               </a:ext>
             </a:extLst>
           </p:cNvPr>
-          <p:cNvSpPr txBox="1"/>
+          <p:cNvGrpSpPr/>
           <p:nvPr/>
-        </p:nvSpPr>
-        <p:spPr>
+        </p:nvGrpSpPr>
+        <p:grpSpPr>
           <a:xfrm>
-            <a:off x="4702970" y="2565400"/>
-            <a:ext cx="1438686" cy="307777"/>
-          </a:xfrm>
-          <a:prstGeom prst="rect">
-            <a:avLst/>
-          </a:prstGeom>
-          <a:noFill/>
-        </p:spPr>
-        <p:txBody>
-          <a:bodyPr wrap="square" rtlCol="0">
-            <a:spAutoFit/>
-          </a:bodyPr>
-          <a:lstStyle/>
-          <a:p>
-            <a:pPr algn="ctr"/>
-            <a:r>
-              <a:rPr lang="en-US" sz="1400" b="1" dirty="0">
-                <a:solidFill>
-                  <a:srgbClr val="E31937"/>
-                </a:solidFill>
-                <a:latin typeface="Avenir Next" panose="020B0503020202020204" pitchFamily="34" charset="0"/>
-              </a:rPr>
-              <a:t>Display 3</a:t>
-            </a:r>
-          </a:p>
-        </p:txBody>
-      </p:sp>
+            <a:off x="6465925" y="1828270"/>
+            <a:ext cx="814836" cy="398994"/>
+            <a:chOff x="6465925" y="1828270"/>
+            <a:chExt cx="814836" cy="398994"/>
+          </a:xfrm>
+        </p:grpSpPr>
+        <p:pic>
+          <p:nvPicPr>
+            <p:cNvPr id="22" name="Picture 21">
+              <a:extLst>
+                <a:ext uri="{FF2B5EF4-FFF2-40B4-BE49-F238E27FC236}">
+                  <a16:creationId xmlns:a16="http://schemas.microsoft.com/office/drawing/2014/main" id="{10BF9DD8-FAA7-F144-9D09-7606021A35CE}"/>
+                </a:ext>
+              </a:extLst>
+            </p:cNvPr>
+            <p:cNvPicPr>
+              <a:picLocks noChangeAspect="1"/>
+            </p:cNvPicPr>
+            <p:nvPr/>
+          </p:nvPicPr>
+          <p:blipFill>
+            <a:blip r:embed="rId3">
+              <a:alphaModFix amt="50000"/>
+            </a:blip>
+            <a:stretch>
+              <a:fillRect/>
+            </a:stretch>
+          </p:blipFill>
+          <p:spPr>
+            <a:xfrm>
+              <a:off x="6881767" y="1828270"/>
+              <a:ext cx="398994" cy="398994"/>
+            </a:xfrm>
+            <a:prstGeom prst="rect">
+              <a:avLst/>
+            </a:prstGeom>
+          </p:spPr>
+        </p:pic>
+        <p:pic>
+          <p:nvPicPr>
+            <p:cNvPr id="23" name="Picture 22">
+              <a:extLst>
+                <a:ext uri="{FF2B5EF4-FFF2-40B4-BE49-F238E27FC236}">
+                  <a16:creationId xmlns:a16="http://schemas.microsoft.com/office/drawing/2014/main" id="{52EBC178-A851-6945-BED5-476B58827398}"/>
+                </a:ext>
+              </a:extLst>
+            </p:cNvPr>
+            <p:cNvPicPr>
+              <a:picLocks noChangeAspect="1"/>
+            </p:cNvPicPr>
+            <p:nvPr/>
+          </p:nvPicPr>
+          <p:blipFill>
+            <a:blip r:embed="rId4">
+              <a:alphaModFix amt="50000"/>
+            </a:blip>
+            <a:stretch>
+              <a:fillRect/>
+            </a:stretch>
+          </p:blipFill>
+          <p:spPr>
+            <a:xfrm>
+              <a:off x="6465925" y="1865165"/>
+              <a:ext cx="309281" cy="309281"/>
+            </a:xfrm>
+            <a:prstGeom prst="rect">
+              <a:avLst/>
+            </a:prstGeom>
+          </p:spPr>
+        </p:pic>
+      </p:grpSp>
       <p:cxnSp>
         <p:nvCxnSpPr>
-          <p:cNvPr id="20" name="Straight Arrow Connector 19">
+          <p:cNvPr id="24" name="Straight Arrow Connector 23">
             <a:extLst>
               <a:ext uri="{FF2B5EF4-FFF2-40B4-BE49-F238E27FC236}">
-                <a16:creationId xmlns:a16="http://schemas.microsoft.com/office/drawing/2014/main" id="{D27FC15E-34B2-514C-8A7F-F0C641EC5529}"/>
+                <a16:creationId xmlns:a16="http://schemas.microsoft.com/office/drawing/2014/main" id="{6EA5CD52-AC82-794A-B966-C1A92EC7E211}"/>
               </a:ext>
             </a:extLst>
           </p:cNvPr>
@@ -5349,16 +5449,13 @@
         </p:nvCxnSpPr>
         <p:spPr>
           <a:xfrm>
-            <a:off x="2674858" y="2027767"/>
-            <a:ext cx="282296" cy="0"/>
+            <a:off x="5601753" y="2023735"/>
+            <a:ext cx="539830" cy="4032"/>
           </a:xfrm>
           <a:prstGeom prst="straightConnector1">
             <a:avLst/>
           </a:prstGeom>
-          <a:ln w="28575">
-            <a:solidFill>
-              <a:srgbClr val="E31937"/>
-            </a:solidFill>
+          <a:ln>
             <a:tailEnd type="triangle"/>
           </a:ln>
         </p:spPr>
@@ -5379,31 +5476,27 @@
       </p:cxnSp>
       <p:cxnSp>
         <p:nvCxnSpPr>
-          <p:cNvPr id="21" name="Straight Arrow Connector 20">
+          <p:cNvPr id="26" name="Straight Arrow Connector 25">
             <a:extLst>
               <a:ext uri="{FF2B5EF4-FFF2-40B4-BE49-F238E27FC236}">
-                <a16:creationId xmlns:a16="http://schemas.microsoft.com/office/drawing/2014/main" id="{339B0635-8FCD-6D4F-A675-47DDBA3DA2E9}"/>
+                <a16:creationId xmlns:a16="http://schemas.microsoft.com/office/drawing/2014/main" id="{C9B75805-9313-C745-A4E9-56AA13127676}"/>
               </a:ext>
             </a:extLst>
           </p:cNvPr>
           <p:cNvCxnSpPr>
             <a:cxnSpLocks/>
-            <a:endCxn id="6" idx="1"/>
           </p:cNvCxnSpPr>
           <p:nvPr/>
         </p:nvCxnSpPr>
         <p:spPr>
-          <a:xfrm>
-            <a:off x="4408257" y="2027767"/>
-            <a:ext cx="282296" cy="0"/>
+          <a:xfrm flipV="1">
+            <a:off x="2944565" y="2023735"/>
+            <a:ext cx="555351" cy="4432"/>
           </a:xfrm>
           <a:prstGeom prst="straightConnector1">
             <a:avLst/>
           </a:prstGeom>
-          <a:ln w="28575">
-            <a:solidFill>
-              <a:srgbClr val="E31937"/>
-            </a:solidFill>
+          <a:ln>
             <a:tailEnd type="triangle"/>
           </a:ln>
         </p:spPr>
@@ -5422,79 +5515,172 @@
           </a:fontRef>
         </p:style>
       </p:cxnSp>
-      <p:sp>
-        <p:nvSpPr>
-          <p:cNvPr id="12" name="Rectangle 11">
+      <p:grpSp>
+        <p:nvGrpSpPr>
+          <p:cNvPr id="32" name="Group 31">
             <a:extLst>
               <a:ext uri="{FF2B5EF4-FFF2-40B4-BE49-F238E27FC236}">
-                <a16:creationId xmlns:a16="http://schemas.microsoft.com/office/drawing/2014/main" id="{1097213D-1B46-1D4C-A324-243328534327}"/>
+                <a16:creationId xmlns:a16="http://schemas.microsoft.com/office/drawing/2014/main" id="{87CA0438-7B62-1A4B-B51E-D5980B0DD360}"/>
               </a:ext>
             </a:extLst>
           </p:cNvPr>
-          <p:cNvSpPr/>
+          <p:cNvGrpSpPr/>
           <p:nvPr/>
-        </p:nvSpPr>
-        <p:spPr>
+        </p:nvGrpSpPr>
+        <p:grpSpPr>
           <a:xfrm>
-            <a:off x="2957154" y="1490133"/>
-            <a:ext cx="1451103" cy="1075267"/>
-          </a:xfrm>
-          <a:prstGeom prst="rect">
-            <a:avLst/>
-          </a:prstGeom>
-          <a:blipFill dpi="0" rotWithShape="1">
-            <a:blip r:embed="rId2">
+            <a:off x="6523301" y="1895919"/>
+            <a:ext cx="687665" cy="247771"/>
+            <a:chOff x="3949617" y="1806607"/>
+            <a:chExt cx="1185820" cy="427261"/>
+          </a:xfrm>
+        </p:grpSpPr>
+        <p:pic>
+          <p:nvPicPr>
+            <p:cNvPr id="27" name="Picture 26">
               <a:extLst>
-                <a:ext uri="{28A0092B-C50C-407E-A947-70E740481C1C}">
-                  <a14:useLocalDpi xmlns:a14="http://schemas.microsoft.com/office/drawing/2010/main" val="0"/>
+                <a:ext uri="{FF2B5EF4-FFF2-40B4-BE49-F238E27FC236}">
+                  <a16:creationId xmlns:a16="http://schemas.microsoft.com/office/drawing/2014/main" id="{198CF9A0-F730-2742-8F0A-97CE6C50AD9E}"/>
                 </a:ext>
               </a:extLst>
-            </a:blip>
-            <a:srcRect/>
+            </p:cNvPr>
+            <p:cNvPicPr>
+              <a:picLocks noChangeAspect="1"/>
+            </p:cNvPicPr>
+            <p:nvPr/>
+          </p:nvPicPr>
+          <p:blipFill>
+            <a:blip r:embed="rId5"/>
             <a:stretch>
               <a:fillRect/>
             </a:stretch>
-          </a:blipFill>
-          <a:ln>
-            <a:solidFill>
-              <a:srgbClr val="FFEEBB"/>
-            </a:solidFill>
-          </a:ln>
-        </p:spPr>
-        <p:style>
-          <a:lnRef idx="2">
-            <a:schemeClr val="accent1">
-              <a:shade val="50000"/>
-            </a:schemeClr>
-          </a:lnRef>
-          <a:fillRef idx="1">
-            <a:schemeClr val="accent1"/>
-          </a:fillRef>
-          <a:effectRef idx="0">
-            <a:schemeClr val="accent1"/>
-          </a:effectRef>
-          <a:fontRef idx="minor">
-            <a:schemeClr val="lt1"/>
-          </a:fontRef>
-        </p:style>
-        <p:txBody>
-          <a:bodyPr rtlCol="0" anchor="ctr"/>
-          <a:lstStyle/>
-          <a:p>
-            <a:pPr algn="ctr"/>
-            <a:r>
-              <a:rPr lang="en-US" sz="1400" b="1" dirty="0">
-                <a:latin typeface="Avenir Next" panose="020B0503020202020204" pitchFamily="34" charset="0"/>
-              </a:rPr>
-              <a:t>+</a:t>
-            </a:r>
-          </a:p>
-        </p:txBody>
-      </p:sp>
+          </p:blipFill>
+          <p:spPr>
+            <a:xfrm rot="1800000">
+              <a:off x="4345935" y="1806607"/>
+              <a:ext cx="394158" cy="394158"/>
+            </a:xfrm>
+            <a:prstGeom prst="rect">
+              <a:avLst/>
+            </a:prstGeom>
+          </p:spPr>
+        </p:pic>
+        <p:pic>
+          <p:nvPicPr>
+            <p:cNvPr id="28" name="Picture 27">
+              <a:extLst>
+                <a:ext uri="{FF2B5EF4-FFF2-40B4-BE49-F238E27FC236}">
+                  <a16:creationId xmlns:a16="http://schemas.microsoft.com/office/drawing/2014/main" id="{53350EB0-3568-0D4A-BD57-ABACBB4DA359}"/>
+                </a:ext>
+              </a:extLst>
+            </p:cNvPr>
+            <p:cNvPicPr>
+              <a:picLocks noChangeAspect="1"/>
+            </p:cNvPicPr>
+            <p:nvPr/>
+          </p:nvPicPr>
+          <p:blipFill>
+            <a:blip r:embed="rId5"/>
+            <a:stretch>
+              <a:fillRect/>
+            </a:stretch>
+          </p:blipFill>
+          <p:spPr>
+            <a:xfrm rot="1800000">
+              <a:off x="4741279" y="1822726"/>
+              <a:ext cx="394158" cy="394158"/>
+            </a:xfrm>
+            <a:prstGeom prst="rect">
+              <a:avLst/>
+            </a:prstGeom>
+          </p:spPr>
+        </p:pic>
+        <p:grpSp>
+          <p:nvGrpSpPr>
+            <p:cNvPr id="29" name="Group 28">
+              <a:extLst>
+                <a:ext uri="{FF2B5EF4-FFF2-40B4-BE49-F238E27FC236}">
+                  <a16:creationId xmlns:a16="http://schemas.microsoft.com/office/drawing/2014/main" id="{19D7781A-85A4-B047-ADCD-011E11B06331}"/>
+                </a:ext>
+              </a:extLst>
+            </p:cNvPr>
+            <p:cNvGrpSpPr/>
+            <p:nvPr/>
+          </p:nvGrpSpPr>
+          <p:grpSpPr>
+            <a:xfrm>
+              <a:off x="3949617" y="1839710"/>
+              <a:ext cx="394158" cy="394158"/>
+              <a:chOff x="8430338" y="3179003"/>
+              <a:chExt cx="394158" cy="394158"/>
+            </a:xfrm>
+          </p:grpSpPr>
+          <p:pic>
+            <p:nvPicPr>
+              <p:cNvPr id="30" name="Picture 29">
+                <a:extLst>
+                  <a:ext uri="{FF2B5EF4-FFF2-40B4-BE49-F238E27FC236}">
+                    <a16:creationId xmlns:a16="http://schemas.microsoft.com/office/drawing/2014/main" id="{AAE54822-3170-434B-B9A9-2D8A3EB90913}"/>
+                  </a:ext>
+                </a:extLst>
+              </p:cNvPr>
+              <p:cNvPicPr>
+                <a:picLocks noChangeAspect="1"/>
+              </p:cNvPicPr>
+              <p:nvPr/>
+            </p:nvPicPr>
+            <p:blipFill>
+              <a:blip r:embed="rId5"/>
+              <a:stretch>
+                <a:fillRect/>
+              </a:stretch>
+            </p:blipFill>
+            <p:spPr>
+              <a:xfrm rot="1800000">
+                <a:off x="8430338" y="3179003"/>
+                <a:ext cx="394158" cy="394158"/>
+              </a:xfrm>
+              <a:prstGeom prst="rect">
+                <a:avLst/>
+              </a:prstGeom>
+            </p:spPr>
+          </p:pic>
+          <p:pic>
+            <p:nvPicPr>
+              <p:cNvPr id="31" name="Picture 30">
+                <a:extLst>
+                  <a:ext uri="{FF2B5EF4-FFF2-40B4-BE49-F238E27FC236}">
+                    <a16:creationId xmlns:a16="http://schemas.microsoft.com/office/drawing/2014/main" id="{23BDD62B-3258-AC4E-980E-F544EBD39AE4}"/>
+                  </a:ext>
+                </a:extLst>
+              </p:cNvPr>
+              <p:cNvPicPr>
+                <a:picLocks noChangeAspect="1"/>
+              </p:cNvPicPr>
+              <p:nvPr/>
+            </p:nvPicPr>
+            <p:blipFill>
+              <a:blip r:embed="rId5"/>
+              <a:stretch>
+                <a:fillRect/>
+              </a:stretch>
+            </p:blipFill>
+            <p:spPr>
+              <a:xfrm rot="18000000">
+                <a:off x="8430338" y="3179003"/>
+                <a:ext cx="394158" cy="394158"/>
+              </a:xfrm>
+              <a:prstGeom prst="rect">
+                <a:avLst/>
+              </a:prstGeom>
+            </p:spPr>
+          </p:pic>
+        </p:grpSp>
+      </p:grpSp>
     </p:spTree>
     <p:extLst>
       <p:ext uri="{BB962C8B-B14F-4D97-AF65-F5344CB8AC3E}">
-        <p14:creationId xmlns:p14="http://schemas.microsoft.com/office/powerpoint/2010/main" val="269662336"/>
+        <p14:creationId xmlns:p14="http://schemas.microsoft.com/office/powerpoint/2010/main" val="1206009446"/>
       </p:ext>
     </p:extLst>
   </p:cSld>
@@ -5523,10 +5709,10 @@
       </p:grpSpPr>
       <p:sp>
         <p:nvSpPr>
-          <p:cNvPr id="8" name="Rectangle 7">
+          <p:cNvPr id="67" name="Rectangle 66">
             <a:extLst>
               <a:ext uri="{FF2B5EF4-FFF2-40B4-BE49-F238E27FC236}">
-                <a16:creationId xmlns:a16="http://schemas.microsoft.com/office/drawing/2014/main" id="{278B45D5-E8C2-434C-8409-90EDEBACE4AA}"/>
+                <a16:creationId xmlns:a16="http://schemas.microsoft.com/office/drawing/2014/main" id="{63F4988E-8585-234A-84D2-8BFCD06545DB}"/>
               </a:ext>
             </a:extLst>
           </p:cNvPr>
@@ -5535,13 +5721,15 @@
         </p:nvSpPr>
         <p:spPr>
           <a:xfrm>
-            <a:off x="956734" y="804334"/>
-            <a:ext cx="7188200" cy="5326456"/>
+            <a:off x="105184" y="804334"/>
+            <a:ext cx="8830734" cy="5326456"/>
           </a:xfrm>
           <a:prstGeom prst="rect">
             <a:avLst/>
           </a:prstGeom>
-          <a:noFill/>
+          <a:solidFill>
+            <a:schemeClr val="tx1"/>
+          </a:solidFill>
           <a:ln>
             <a:solidFill>
               <a:srgbClr val="004065"/>
@@ -5587,8 +5775,8 @@
         </p:nvSpPr>
         <p:spPr>
           <a:xfrm>
-            <a:off x="1223755" y="1490133"/>
-            <a:ext cx="1451103" cy="1075267"/>
+            <a:off x="3499916" y="1245004"/>
+            <a:ext cx="2101837" cy="1557461"/>
           </a:xfrm>
           <a:prstGeom prst="rect">
             <a:avLst/>
@@ -5632,10 +5820,10 @@
       </p:sp>
       <p:sp>
         <p:nvSpPr>
-          <p:cNvPr id="4" name="Rectangle 3">
+          <p:cNvPr id="7" name="Rectangle 6">
             <a:extLst>
               <a:ext uri="{FF2B5EF4-FFF2-40B4-BE49-F238E27FC236}">
-                <a16:creationId xmlns:a16="http://schemas.microsoft.com/office/drawing/2014/main" id="{2A28EF87-0B63-024C-9ACA-3A5EF7EBCDD0}"/>
+                <a16:creationId xmlns:a16="http://schemas.microsoft.com/office/drawing/2014/main" id="{32054E16-1B68-DC4F-88C3-E94B760644B8}"/>
               </a:ext>
             </a:extLst>
           </p:cNvPr>
@@ -5644,17 +5832,27 @@
         </p:nvSpPr>
         <p:spPr>
           <a:xfrm>
-            <a:off x="2957154" y="1490133"/>
+            <a:off x="3825282" y="1486100"/>
             <a:ext cx="1451103" cy="1075267"/>
           </a:xfrm>
           <a:prstGeom prst="rect">
             <a:avLst/>
           </a:prstGeom>
-          <a:noFill/>
+          <a:blipFill dpi="0" rotWithShape="1">
+            <a:blip r:embed="rId2">
+              <a:extLst>
+                <a:ext uri="{28A0092B-C50C-407E-A947-70E740481C1C}">
+                  <a14:useLocalDpi xmlns:a14="http://schemas.microsoft.com/office/drawing/2010/main" val="0"/>
+                </a:ext>
+              </a:extLst>
+            </a:blip>
+            <a:srcRect/>
+            <a:stretch>
+              <a:fillRect/>
+            </a:stretch>
+          </a:blipFill>
           <a:ln>
-            <a:solidFill>
-              <a:srgbClr val="FFEEBB"/>
-            </a:solidFill>
+            <a:noFill/>
           </a:ln>
         </p:spPr>
         <p:style>
@@ -5689,10 +5887,92 @@
       </p:sp>
       <p:sp>
         <p:nvSpPr>
-          <p:cNvPr id="6" name="Rectangle 5">
+          <p:cNvPr id="12" name="TextBox 11">
             <a:extLst>
               <a:ext uri="{FF2B5EF4-FFF2-40B4-BE49-F238E27FC236}">
-                <a16:creationId xmlns:a16="http://schemas.microsoft.com/office/drawing/2014/main" id="{45A65EF7-797C-9645-94D5-EEB459B8A864}"/>
+                <a16:creationId xmlns:a16="http://schemas.microsoft.com/office/drawing/2014/main" id="{2CFCEB33-F5DB-3746-AE6A-F6414B945629}"/>
+              </a:ext>
+            </a:extLst>
+          </p:cNvPr>
+          <p:cNvSpPr txBox="1"/>
+          <p:nvPr/>
+        </p:nvSpPr>
+        <p:spPr>
+          <a:xfrm>
+            <a:off x="6141583" y="2565400"/>
+            <a:ext cx="1463520" cy="246221"/>
+          </a:xfrm>
+          <a:prstGeom prst="rect">
+            <a:avLst/>
+          </a:prstGeom>
+          <a:noFill/>
+        </p:spPr>
+        <p:txBody>
+          <a:bodyPr wrap="square" rtlCol="0">
+            <a:spAutoFit/>
+          </a:bodyPr>
+          <a:lstStyle/>
+          <a:p>
+            <a:pPr algn="ctr"/>
+            <a:r>
+              <a:rPr lang="en-US" sz="1000" dirty="0">
+                <a:solidFill>
+                  <a:schemeClr val="bg1"/>
+                </a:solidFill>
+                <a:latin typeface="Avenir Next" panose="020B0503020202020204" pitchFamily="34" charset="0"/>
+              </a:rPr>
+              <a:t>Display 5</a:t>
+            </a:r>
+          </a:p>
+        </p:txBody>
+      </p:sp>
+      <p:sp>
+        <p:nvSpPr>
+          <p:cNvPr id="13" name="TextBox 12">
+            <a:extLst>
+              <a:ext uri="{FF2B5EF4-FFF2-40B4-BE49-F238E27FC236}">
+                <a16:creationId xmlns:a16="http://schemas.microsoft.com/office/drawing/2014/main" id="{EE0A9875-1F14-1844-9C6D-2ED9E13563CB}"/>
+              </a:ext>
+            </a:extLst>
+          </p:cNvPr>
+          <p:cNvSpPr txBox="1"/>
+          <p:nvPr/>
+        </p:nvSpPr>
+        <p:spPr>
+          <a:xfrm>
+            <a:off x="3819074" y="2802465"/>
+            <a:ext cx="1463520" cy="307777"/>
+          </a:xfrm>
+          <a:prstGeom prst="rect">
+            <a:avLst/>
+          </a:prstGeom>
+          <a:noFill/>
+        </p:spPr>
+        <p:txBody>
+          <a:bodyPr wrap="square" rtlCol="0">
+            <a:spAutoFit/>
+          </a:bodyPr>
+          <a:lstStyle/>
+          <a:p>
+            <a:pPr algn="ctr"/>
+            <a:r>
+              <a:rPr lang="en-US" sz="1400" b="1" dirty="0">
+                <a:solidFill>
+                  <a:srgbClr val="E31937"/>
+                </a:solidFill>
+                <a:latin typeface="Avenir Next" panose="020B0503020202020204" pitchFamily="34" charset="0"/>
+              </a:rPr>
+              <a:t>Display 4</a:t>
+            </a:r>
+          </a:p>
+        </p:txBody>
+      </p:sp>
+      <p:sp>
+        <p:nvSpPr>
+          <p:cNvPr id="14" name="Rectangle 13">
+            <a:extLst>
+              <a:ext uri="{FF2B5EF4-FFF2-40B4-BE49-F238E27FC236}">
+                <a16:creationId xmlns:a16="http://schemas.microsoft.com/office/drawing/2014/main" id="{F5852F6A-816B-5049-9F57-D81B502EF4B1}"/>
               </a:ext>
             </a:extLst>
           </p:cNvPr>
@@ -5701,7 +5981,7 @@
         </p:nvSpPr>
         <p:spPr>
           <a:xfrm>
-            <a:off x="4690553" y="1490133"/>
+            <a:off x="6141583" y="1490133"/>
             <a:ext cx="1451103" cy="1075267"/>
           </a:xfrm>
           <a:prstGeom prst="rect">
@@ -5710,7 +5990,9 @@
           <a:noFill/>
           <a:ln>
             <a:solidFill>
-              <a:srgbClr val="FFEEBB"/>
+              <a:srgbClr val="FFEEBB">
+                <a:alpha val="25000"/>
+              </a:srgbClr>
             </a:solidFill>
           </a:ln>
         </p:spPr>
@@ -5749,7 +6031,7 @@
           <p:cNvPr id="15" name="Rectangle 14">
             <a:extLst>
               <a:ext uri="{FF2B5EF4-FFF2-40B4-BE49-F238E27FC236}">
-                <a16:creationId xmlns:a16="http://schemas.microsoft.com/office/drawing/2014/main" id="{B9C84DBD-7644-CA46-B44C-581E61538078}"/>
+                <a16:creationId xmlns:a16="http://schemas.microsoft.com/office/drawing/2014/main" id="{95B20A09-4A4A-F846-92BA-A9BD8CAF44DD}"/>
               </a:ext>
             </a:extLst>
           </p:cNvPr>
@@ -5758,17 +6040,28 @@
         </p:nvSpPr>
         <p:spPr>
           <a:xfrm>
-            <a:off x="6423952" y="1490132"/>
-            <a:ext cx="1451103" cy="1075267"/>
+            <a:off x="6472134" y="1726438"/>
+            <a:ext cx="802418" cy="594592"/>
           </a:xfrm>
           <a:prstGeom prst="rect">
             <a:avLst/>
           </a:prstGeom>
-          <a:noFill/>
+          <a:blipFill dpi="0" rotWithShape="1">
+            <a:blip r:embed="rId2">
+              <a:alphaModFix amt="25000"/>
+              <a:extLst>
+                <a:ext uri="{28A0092B-C50C-407E-A947-70E740481C1C}">
+                  <a14:useLocalDpi xmlns:a14="http://schemas.microsoft.com/office/drawing/2010/main" val="0"/>
+                </a:ext>
+              </a:extLst>
+            </a:blip>
+            <a:srcRect/>
+            <a:stretch>
+              <a:fillRect/>
+            </a:stretch>
+          </a:blipFill>
           <a:ln>
-            <a:solidFill>
-              <a:srgbClr val="FFEEBB"/>
-            </a:solidFill>
+            <a:noFill/>
           </a:ln>
         </p:spPr>
         <p:style>
@@ -5801,12 +6094,157 @@
           </a:p>
         </p:txBody>
       </p:sp>
-      <p:sp>
-        <p:nvSpPr>
-          <p:cNvPr id="16" name="TextBox 15">
+      <p:pic>
+        <p:nvPicPr>
+          <p:cNvPr id="3" name="Picture 2">
             <a:extLst>
               <a:ext uri="{FF2B5EF4-FFF2-40B4-BE49-F238E27FC236}">
-                <a16:creationId xmlns:a16="http://schemas.microsoft.com/office/drawing/2014/main" id="{431822A4-809C-E243-BF2F-5C9ED7858AD0}"/>
+                <a16:creationId xmlns:a16="http://schemas.microsoft.com/office/drawing/2014/main" id="{C49DD0A7-8D57-D646-A593-030F6DDA0446}"/>
+              </a:ext>
+            </a:extLst>
+          </p:cNvPr>
+          <p:cNvPicPr>
+            <a:picLocks noChangeAspect="1"/>
+          </p:cNvPicPr>
+          <p:nvPr/>
+        </p:nvPicPr>
+        <p:blipFill>
+          <a:blip r:embed="rId3"/>
+          <a:stretch>
+            <a:fillRect/>
+          </a:stretch>
+        </p:blipFill>
+        <p:spPr>
+          <a:xfrm>
+            <a:off x="4496648" y="1582604"/>
+            <a:ext cx="882257" cy="882257"/>
+          </a:xfrm>
+          <a:prstGeom prst="rect">
+            <a:avLst/>
+          </a:prstGeom>
+        </p:spPr>
+      </p:pic>
+      <p:pic>
+        <p:nvPicPr>
+          <p:cNvPr id="11" name="Picture 10">
+            <a:extLst>
+              <a:ext uri="{FF2B5EF4-FFF2-40B4-BE49-F238E27FC236}">
+                <a16:creationId xmlns:a16="http://schemas.microsoft.com/office/drawing/2014/main" id="{06C22353-150E-0B4E-8948-49BECD09C427}"/>
+              </a:ext>
+            </a:extLst>
+          </p:cNvPr>
+          <p:cNvPicPr>
+            <a:picLocks noChangeAspect="1"/>
+          </p:cNvPicPr>
+          <p:nvPr/>
+        </p:nvPicPr>
+        <p:blipFill>
+          <a:blip r:embed="rId4"/>
+          <a:stretch>
+            <a:fillRect/>
+          </a:stretch>
+        </p:blipFill>
+        <p:spPr>
+          <a:xfrm>
+            <a:off x="3808745" y="1689430"/>
+            <a:ext cx="683884" cy="683884"/>
+          </a:xfrm>
+          <a:prstGeom prst="rect">
+            <a:avLst/>
+          </a:prstGeom>
+        </p:spPr>
+      </p:pic>
+      <p:grpSp>
+        <p:nvGrpSpPr>
+          <p:cNvPr id="21" name="Group 20">
+            <a:extLst>
+              <a:ext uri="{FF2B5EF4-FFF2-40B4-BE49-F238E27FC236}">
+                <a16:creationId xmlns:a16="http://schemas.microsoft.com/office/drawing/2014/main" id="{6B40FEBA-9013-A741-9FF0-B3895321C4DF}"/>
+              </a:ext>
+            </a:extLst>
+          </p:cNvPr>
+          <p:cNvGrpSpPr/>
+          <p:nvPr/>
+        </p:nvGrpSpPr>
+        <p:grpSpPr>
+          <a:xfrm>
+            <a:off x="6465925" y="1828270"/>
+            <a:ext cx="814836" cy="398994"/>
+            <a:chOff x="6465925" y="1828270"/>
+            <a:chExt cx="814836" cy="398994"/>
+          </a:xfrm>
+        </p:grpSpPr>
+        <p:pic>
+          <p:nvPicPr>
+            <p:cNvPr id="22" name="Picture 21">
+              <a:extLst>
+                <a:ext uri="{FF2B5EF4-FFF2-40B4-BE49-F238E27FC236}">
+                  <a16:creationId xmlns:a16="http://schemas.microsoft.com/office/drawing/2014/main" id="{10BF9DD8-FAA7-F144-9D09-7606021A35CE}"/>
+                </a:ext>
+              </a:extLst>
+            </p:cNvPr>
+            <p:cNvPicPr>
+              <a:picLocks noChangeAspect="1"/>
+            </p:cNvPicPr>
+            <p:nvPr/>
+          </p:nvPicPr>
+          <p:blipFill>
+            <a:blip r:embed="rId3">
+              <a:alphaModFix amt="50000"/>
+            </a:blip>
+            <a:stretch>
+              <a:fillRect/>
+            </a:stretch>
+          </p:blipFill>
+          <p:spPr>
+            <a:xfrm>
+              <a:off x="6881767" y="1828270"/>
+              <a:ext cx="398994" cy="398994"/>
+            </a:xfrm>
+            <a:prstGeom prst="rect">
+              <a:avLst/>
+            </a:prstGeom>
+          </p:spPr>
+        </p:pic>
+        <p:pic>
+          <p:nvPicPr>
+            <p:cNvPr id="23" name="Picture 22">
+              <a:extLst>
+                <a:ext uri="{FF2B5EF4-FFF2-40B4-BE49-F238E27FC236}">
+                  <a16:creationId xmlns:a16="http://schemas.microsoft.com/office/drawing/2014/main" id="{52EBC178-A851-6945-BED5-476B58827398}"/>
+                </a:ext>
+              </a:extLst>
+            </p:cNvPr>
+            <p:cNvPicPr>
+              <a:picLocks noChangeAspect="1"/>
+            </p:cNvPicPr>
+            <p:nvPr/>
+          </p:nvPicPr>
+          <p:blipFill>
+            <a:blip r:embed="rId4">
+              <a:alphaModFix amt="50000"/>
+            </a:blip>
+            <a:stretch>
+              <a:fillRect/>
+            </a:stretch>
+          </p:blipFill>
+          <p:spPr>
+            <a:xfrm>
+              <a:off x="6465925" y="1865165"/>
+              <a:ext cx="309281" cy="309281"/>
+            </a:xfrm>
+            <a:prstGeom prst="rect">
+              <a:avLst/>
+            </a:prstGeom>
+          </p:spPr>
+        </p:pic>
+      </p:grpSp>
+      <p:sp>
+        <p:nvSpPr>
+          <p:cNvPr id="27" name="TextBox 26">
+            <a:extLst>
+              <a:ext uri="{FF2B5EF4-FFF2-40B4-BE49-F238E27FC236}">
+                <a16:creationId xmlns:a16="http://schemas.microsoft.com/office/drawing/2014/main" id="{95B95D4B-5425-684B-9F65-A662C06F3FDE}"/>
               </a:ext>
             </a:extLst>
           </p:cNvPr>
@@ -5816,7 +6254,7 @@
         <p:spPr>
           <a:xfrm>
             <a:off x="1384620" y="3347307"/>
-            <a:ext cx="6271863" cy="2277547"/>
+            <a:ext cx="6271863" cy="2154436"/>
           </a:xfrm>
           <a:prstGeom prst="rect">
             <a:avLst/>
@@ -5845,64 +6283,13 @@
             </a:r>
           </a:p>
           <a:p>
-            <a:r>
-              <a:rPr lang="en-US" sz="1400" dirty="0">
-                <a:solidFill>
-                  <a:schemeClr val="bg1"/>
-                </a:solidFill>
-                <a:latin typeface="Avenir Next" panose="020B0503020202020204" pitchFamily="34" charset="0"/>
-              </a:rPr>
-              <a:t>A small circle with vertical lines slanted either left or right will briefly appear on top of the fixation cross as well as one of the object. A checkerboard distractor will appear on top of the other object. </a:t>
-            </a:r>
-          </a:p>
-          <a:p>
-            <a:endParaRPr lang="en-US" sz="1400" dirty="0">
-              <a:solidFill>
-                <a:schemeClr val="bg1"/>
-              </a:solidFill>
-              <a:latin typeface="Avenir Next" panose="020B0503020202020204" pitchFamily="34" charset="0"/>
-            </a:endParaRPr>
-          </a:p>
-          <a:p>
-            <a:r>
-              <a:rPr lang="en-US" sz="1400" dirty="0">
-                <a:solidFill>
-                  <a:schemeClr val="bg1"/>
-                </a:solidFill>
-                <a:latin typeface="Avenir Next" panose="020B0503020202020204" pitchFamily="34" charset="0"/>
-              </a:rPr>
-              <a:t>Your task is to indicate whether the two circle targets are slanted in the same direction or not. </a:t>
-            </a:r>
-          </a:p>
-          <a:p>
-            <a:endParaRPr lang="en-US" sz="1400" dirty="0">
-              <a:solidFill>
-                <a:schemeClr val="bg1"/>
-              </a:solidFill>
-              <a:latin typeface="Avenir Next" panose="020B0503020202020204" pitchFamily="34" charset="0"/>
-            </a:endParaRPr>
-          </a:p>
-          <a:p>
-            <a:r>
-              <a:rPr lang="en-US" sz="1400" dirty="0">
-                <a:solidFill>
-                  <a:schemeClr val="bg1"/>
-                </a:solidFill>
-                <a:latin typeface="Avenir Next" panose="020B0503020202020204" pitchFamily="34" charset="0"/>
-              </a:rPr>
-              <a:t>If the two are slanted in the same direction, press the “f” key.</a:t>
-            </a:r>
-          </a:p>
-          <a:p>
-            <a:r>
-              <a:rPr lang="en-US" sz="1400" dirty="0">
-                <a:solidFill>
-                  <a:schemeClr val="bg1"/>
-                </a:solidFill>
-                <a:latin typeface="Avenir Next" panose="020B0503020202020204" pitchFamily="34" charset="0"/>
-              </a:rPr>
-              <a:t>If the two are </a:t>
-            </a:r>
+            <a:pPr marL="285750" indent="-285750">
+              <a:spcAft>
+                <a:spcPts val="600"/>
+              </a:spcAft>
+              <a:buFont typeface="Arial" panose="020B0604020202020204" pitchFamily="34" charset="0"/>
+              <a:buChar char="•"/>
+            </a:pPr>
             <a:r>
               <a:rPr lang="en-US" sz="1400" b="1" dirty="0">
                 <a:solidFill>
@@ -5910,173 +6297,266 @@
                 </a:solidFill>
                 <a:latin typeface="Avenir Next" panose="020B0503020202020204" pitchFamily="34" charset="0"/>
               </a:rPr>
-              <a:t>not </a:t>
-            </a:r>
-            <a:r>
-              <a:rPr lang="en-US" sz="1400" dirty="0">
+              <a:t>Two small target circles with vertical slanted lines will </a:t>
+            </a:r>
+            <a:r>
+              <a:rPr lang="en-US" sz="1400" b="1" i="1" dirty="0">
                 <a:solidFill>
                   <a:schemeClr val="bg1"/>
                 </a:solidFill>
                 <a:latin typeface="Avenir Next" panose="020B0503020202020204" pitchFamily="34" charset="0"/>
               </a:rPr>
-              <a:t>slanted in the same direction, press the “j” key.</a:t>
-            </a:r>
-            <a:endParaRPr lang="en-US" sz="1400" b="1" dirty="0">
-              <a:solidFill>
-                <a:schemeClr val="bg1"/>
-              </a:solidFill>
-              <a:latin typeface="Avenir Next" panose="020B0503020202020204" pitchFamily="34" charset="0"/>
-            </a:endParaRPr>
-          </a:p>
-        </p:txBody>
-      </p:sp>
-      <p:sp>
-        <p:nvSpPr>
-          <p:cNvPr id="17" name="TextBox 16">
-            <a:extLst>
-              <a:ext uri="{FF2B5EF4-FFF2-40B4-BE49-F238E27FC236}">
-                <a16:creationId xmlns:a16="http://schemas.microsoft.com/office/drawing/2014/main" id="{B49F8974-FABD-F74B-B459-897B7E68272C}"/>
-              </a:ext>
-            </a:extLst>
-          </p:cNvPr>
-          <p:cNvSpPr txBox="1"/>
-          <p:nvPr/>
-        </p:nvSpPr>
-        <p:spPr>
-          <a:xfrm>
-            <a:off x="1223755" y="2565400"/>
-            <a:ext cx="1463520" cy="307777"/>
-          </a:xfrm>
-          <a:prstGeom prst="rect">
-            <a:avLst/>
-          </a:prstGeom>
-          <a:noFill/>
-        </p:spPr>
-        <p:txBody>
-          <a:bodyPr wrap="square" rtlCol="0">
-            <a:spAutoFit/>
-          </a:bodyPr>
-          <a:lstStyle/>
-          <a:p>
-            <a:pPr algn="ctr"/>
-            <a:r>
-              <a:rPr lang="en-US" sz="1400" dirty="0">
+              <a:t>briefly</a:t>
+            </a:r>
+            <a:r>
+              <a:rPr lang="en-US" sz="1400" b="1" dirty="0">
                 <a:solidFill>
                   <a:schemeClr val="bg1"/>
                 </a:solidFill>
                 <a:latin typeface="Avenir Next" panose="020B0503020202020204" pitchFamily="34" charset="0"/>
               </a:rPr>
-              <a:t>Display 1</a:t>
-            </a:r>
-          </a:p>
-        </p:txBody>
-      </p:sp>
-      <p:sp>
-        <p:nvSpPr>
-          <p:cNvPr id="18" name="TextBox 17">
-            <a:extLst>
-              <a:ext uri="{FF2B5EF4-FFF2-40B4-BE49-F238E27FC236}">
-                <a16:creationId xmlns:a16="http://schemas.microsoft.com/office/drawing/2014/main" id="{A0B7C24C-0A8E-2D44-8516-3DFD0A17698E}"/>
-              </a:ext>
-            </a:extLst>
-          </p:cNvPr>
-          <p:cNvSpPr txBox="1"/>
-          <p:nvPr/>
-        </p:nvSpPr>
-        <p:spPr>
-          <a:xfrm>
-            <a:off x="2958583" y="2565400"/>
-            <a:ext cx="1463520" cy="307777"/>
-          </a:xfrm>
-          <a:prstGeom prst="rect">
-            <a:avLst/>
-          </a:prstGeom>
-          <a:noFill/>
-        </p:spPr>
-        <p:txBody>
-          <a:bodyPr wrap="square" rtlCol="0">
-            <a:spAutoFit/>
-          </a:bodyPr>
-          <a:lstStyle/>
-          <a:p>
-            <a:pPr algn="ctr"/>
-            <a:r>
-              <a:rPr lang="en-US" sz="1400" dirty="0">
+              <a:t> appear, one in the center and the other on one of the objects</a:t>
+            </a:r>
+          </a:p>
+          <a:p>
+            <a:pPr marL="285750" indent="-285750">
+              <a:spcAft>
+                <a:spcPts val="600"/>
+              </a:spcAft>
+              <a:buFont typeface="Arial" panose="020B0604020202020204" pitchFamily="34" charset="0"/>
+              <a:buChar char="•"/>
+            </a:pPr>
+            <a:r>
+              <a:rPr lang="en-US" sz="1400" b="1" dirty="0">
                 <a:solidFill>
                   <a:schemeClr val="bg1"/>
                 </a:solidFill>
                 <a:latin typeface="Avenir Next" panose="020B0503020202020204" pitchFamily="34" charset="0"/>
               </a:rPr>
-              <a:t>Display 2</a:t>
-            </a:r>
-          </a:p>
-        </p:txBody>
-      </p:sp>
-      <p:sp>
-        <p:nvSpPr>
-          <p:cNvPr id="19" name="TextBox 18">
-            <a:extLst>
-              <a:ext uri="{FF2B5EF4-FFF2-40B4-BE49-F238E27FC236}">
-                <a16:creationId xmlns:a16="http://schemas.microsoft.com/office/drawing/2014/main" id="{790C90E4-C0CD-D149-B882-4EEDD6AD1317}"/>
-              </a:ext>
-            </a:extLst>
-          </p:cNvPr>
-          <p:cNvSpPr txBox="1"/>
-          <p:nvPr/>
-        </p:nvSpPr>
-        <p:spPr>
-          <a:xfrm>
-            <a:off x="4702970" y="2565400"/>
-            <a:ext cx="1438686" cy="307777"/>
-          </a:xfrm>
-          <a:prstGeom prst="rect">
-            <a:avLst/>
-          </a:prstGeom>
-          <a:noFill/>
-        </p:spPr>
-        <p:txBody>
-          <a:bodyPr wrap="square" rtlCol="0">
-            <a:spAutoFit/>
-          </a:bodyPr>
-          <a:lstStyle/>
-          <a:p>
-            <a:pPr algn="ctr"/>
-            <a:r>
-              <a:rPr lang="en-US" sz="1400" dirty="0">
+              <a:t>Your task is to indicate whether the two circle targets match in orientation</a:t>
+            </a:r>
+          </a:p>
+          <a:p>
+            <a:pPr marL="285750" indent="-285750">
+              <a:spcAft>
+                <a:spcPts val="600"/>
+              </a:spcAft>
+              <a:buFont typeface="Arial" panose="020B0604020202020204" pitchFamily="34" charset="0"/>
+              <a:buChar char="•"/>
+            </a:pPr>
+            <a:r>
+              <a:rPr lang="en-US" sz="1400" b="1" dirty="0">
                 <a:solidFill>
                   <a:schemeClr val="bg1"/>
                 </a:solidFill>
                 <a:latin typeface="Avenir Next" panose="020B0503020202020204" pitchFamily="34" charset="0"/>
               </a:rPr>
-              <a:t>Display 3</a:t>
-            </a:r>
-          </a:p>
-        </p:txBody>
-      </p:sp>
-      <p:cxnSp>
-        <p:nvCxnSpPr>
-          <p:cNvPr id="20" name="Straight Arrow Connector 19">
+              <a:t>The above is an example when orientations match</a:t>
+            </a:r>
+          </a:p>
+          <a:p>
+            <a:pPr marL="285750" indent="-285750">
+              <a:spcAft>
+                <a:spcPts val="600"/>
+              </a:spcAft>
+              <a:buFont typeface="Arial" panose="020B0604020202020204" pitchFamily="34" charset="0"/>
+              <a:buChar char="•"/>
+            </a:pPr>
+            <a:r>
+              <a:rPr lang="en-US" sz="1400" b="1" dirty="0">
+                <a:solidFill>
+                  <a:schemeClr val="bg1"/>
+                </a:solidFill>
+                <a:latin typeface="Avenir Next" panose="020B0503020202020204" pitchFamily="34" charset="0"/>
+              </a:rPr>
+              <a:t>Ignore the checkerboard circle</a:t>
+            </a:r>
+          </a:p>
+          <a:p>
+            <a:pPr marL="285750" indent="-285750">
+              <a:spcAft>
+                <a:spcPts val="600"/>
+              </a:spcAft>
+              <a:buFont typeface="Arial" panose="020B0604020202020204" pitchFamily="34" charset="0"/>
+              <a:buChar char="•"/>
+            </a:pPr>
+            <a:r>
+              <a:rPr lang="en-US" sz="1400" b="1" dirty="0">
+                <a:solidFill>
+                  <a:schemeClr val="bg1"/>
+                </a:solidFill>
+                <a:latin typeface="Avenir Next" panose="020B0503020202020204" pitchFamily="34" charset="0"/>
+              </a:rPr>
+              <a:t>The circles are only flashed for a very short time, so pay attention</a:t>
+            </a:r>
+          </a:p>
+        </p:txBody>
+      </p:sp>
+      <p:pic>
+        <p:nvPicPr>
+          <p:cNvPr id="9" name="Picture 8">
             <a:extLst>
               <a:ext uri="{FF2B5EF4-FFF2-40B4-BE49-F238E27FC236}">
-                <a16:creationId xmlns:a16="http://schemas.microsoft.com/office/drawing/2014/main" id="{D27FC15E-34B2-514C-8A7F-F0C641EC5529}"/>
+                <a16:creationId xmlns:a16="http://schemas.microsoft.com/office/drawing/2014/main" id="{4329666A-1105-F846-8CF8-F0EFA83FA649}"/>
               </a:ext>
             </a:extLst>
           </p:cNvPr>
-          <p:cNvCxnSpPr/>
+          <p:cNvPicPr>
+            <a:picLocks noChangeAspect="1"/>
+          </p:cNvPicPr>
+          <p:nvPr/>
+        </p:nvPicPr>
+        <p:blipFill>
+          <a:blip r:embed="rId5"/>
+          <a:stretch>
+            <a:fillRect/>
+          </a:stretch>
+        </p:blipFill>
+        <p:spPr>
+          <a:xfrm rot="1800000">
+            <a:off x="4345935" y="1806607"/>
+            <a:ext cx="394158" cy="394158"/>
+          </a:xfrm>
+          <a:prstGeom prst="rect">
+            <a:avLst/>
+          </a:prstGeom>
+        </p:spPr>
+      </p:pic>
+      <p:pic>
+        <p:nvPicPr>
+          <p:cNvPr id="28" name="Picture 27">
+            <a:extLst>
+              <a:ext uri="{FF2B5EF4-FFF2-40B4-BE49-F238E27FC236}">
+                <a16:creationId xmlns:a16="http://schemas.microsoft.com/office/drawing/2014/main" id="{06E7BA71-8435-6F45-A74C-A2E3DAB86702}"/>
+              </a:ext>
+            </a:extLst>
+          </p:cNvPr>
+          <p:cNvPicPr>
+            <a:picLocks noChangeAspect="1"/>
+          </p:cNvPicPr>
+          <p:nvPr/>
+        </p:nvPicPr>
+        <p:blipFill>
+          <a:blip r:embed="rId5"/>
+          <a:stretch>
+            <a:fillRect/>
+          </a:stretch>
+        </p:blipFill>
+        <p:spPr>
+          <a:xfrm rot="1800000">
+            <a:off x="4741279" y="1822726"/>
+            <a:ext cx="394158" cy="394158"/>
+          </a:xfrm>
+          <a:prstGeom prst="rect">
+            <a:avLst/>
+          </a:prstGeom>
+        </p:spPr>
+      </p:pic>
+      <p:grpSp>
+        <p:nvGrpSpPr>
+          <p:cNvPr id="16" name="Group 15">
+            <a:extLst>
+              <a:ext uri="{FF2B5EF4-FFF2-40B4-BE49-F238E27FC236}">
+                <a16:creationId xmlns:a16="http://schemas.microsoft.com/office/drawing/2014/main" id="{A36917C7-DF54-214B-9471-F131018275DD}"/>
+              </a:ext>
+            </a:extLst>
+          </p:cNvPr>
+          <p:cNvGrpSpPr/>
+          <p:nvPr/>
+        </p:nvGrpSpPr>
+        <p:grpSpPr>
+          <a:xfrm>
+            <a:off x="3949617" y="1839710"/>
+            <a:ext cx="394158" cy="394158"/>
+            <a:chOff x="8430338" y="3179003"/>
+            <a:chExt cx="394158" cy="394158"/>
+          </a:xfrm>
+        </p:grpSpPr>
+        <p:pic>
+          <p:nvPicPr>
+            <p:cNvPr id="29" name="Picture 28">
+              <a:extLst>
+                <a:ext uri="{FF2B5EF4-FFF2-40B4-BE49-F238E27FC236}">
+                  <a16:creationId xmlns:a16="http://schemas.microsoft.com/office/drawing/2014/main" id="{15BBA6EE-DF6E-6442-9BF0-AB4F37F12ED1}"/>
+                </a:ext>
+              </a:extLst>
+            </p:cNvPr>
+            <p:cNvPicPr>
+              <a:picLocks noChangeAspect="1"/>
+            </p:cNvPicPr>
+            <p:nvPr/>
+          </p:nvPicPr>
+          <p:blipFill>
+            <a:blip r:embed="rId5"/>
+            <a:stretch>
+              <a:fillRect/>
+            </a:stretch>
+          </p:blipFill>
+          <p:spPr>
+            <a:xfrm rot="1800000">
+              <a:off x="8430338" y="3179003"/>
+              <a:ext cx="394158" cy="394158"/>
+            </a:xfrm>
+            <a:prstGeom prst="rect">
+              <a:avLst/>
+            </a:prstGeom>
+          </p:spPr>
+        </p:pic>
+        <p:pic>
+          <p:nvPicPr>
+            <p:cNvPr id="30" name="Picture 29">
+              <a:extLst>
+                <a:ext uri="{FF2B5EF4-FFF2-40B4-BE49-F238E27FC236}">
+                  <a16:creationId xmlns:a16="http://schemas.microsoft.com/office/drawing/2014/main" id="{DA27F7EC-F7E6-0249-A399-8407B6463F25}"/>
+                </a:ext>
+              </a:extLst>
+            </p:cNvPr>
+            <p:cNvPicPr>
+              <a:picLocks noChangeAspect="1"/>
+            </p:cNvPicPr>
+            <p:nvPr/>
+          </p:nvPicPr>
+          <p:blipFill>
+            <a:blip r:embed="rId5"/>
+            <a:stretch>
+              <a:fillRect/>
+            </a:stretch>
+          </p:blipFill>
+          <p:spPr>
+            <a:xfrm rot="18000000">
+              <a:off x="8430338" y="3179003"/>
+              <a:ext cx="394158" cy="394158"/>
+            </a:xfrm>
+            <a:prstGeom prst="rect">
+              <a:avLst/>
+            </a:prstGeom>
+          </p:spPr>
+        </p:pic>
+      </p:grpSp>
+      <p:cxnSp>
+        <p:nvCxnSpPr>
+          <p:cNvPr id="31" name="Straight Arrow Connector 30">
+            <a:extLst>
+              <a:ext uri="{FF2B5EF4-FFF2-40B4-BE49-F238E27FC236}">
+                <a16:creationId xmlns:a16="http://schemas.microsoft.com/office/drawing/2014/main" id="{6F87E7AC-90B9-4C43-85DD-B134E45EC732}"/>
+              </a:ext>
+            </a:extLst>
+          </p:cNvPr>
+          <p:cNvCxnSpPr>
+            <a:stCxn id="5" idx="3"/>
+            <a:endCxn id="14" idx="1"/>
+          </p:cNvCxnSpPr>
           <p:nvPr/>
         </p:nvCxnSpPr>
         <p:spPr>
           <a:xfrm>
-            <a:off x="2674858" y="2027767"/>
-            <a:ext cx="282296" cy="0"/>
+            <a:off x="5601753" y="2023735"/>
+            <a:ext cx="539830" cy="4032"/>
           </a:xfrm>
           <a:prstGeom prst="straightConnector1">
             <a:avLst/>
           </a:prstGeom>
-          <a:ln w="28575">
-            <a:solidFill>
-              <a:srgbClr val="E31937"/>
-            </a:solidFill>
+          <a:ln>
             <a:tailEnd type="triangle"/>
           </a:ln>
         </p:spPr>
@@ -6097,32 +6577,322 @@
       </p:cxnSp>
       <p:cxnSp>
         <p:nvCxnSpPr>
-          <p:cNvPr id="21" name="Straight Arrow Connector 20">
+          <p:cNvPr id="32" name="Straight Arrow Connector 31">
             <a:extLst>
               <a:ext uri="{FF2B5EF4-FFF2-40B4-BE49-F238E27FC236}">
-                <a16:creationId xmlns:a16="http://schemas.microsoft.com/office/drawing/2014/main" id="{339B0635-8FCD-6D4F-A675-47DDBA3DA2E9}"/>
+                <a16:creationId xmlns:a16="http://schemas.microsoft.com/office/drawing/2014/main" id="{65C956E5-51BF-E044-AF33-3F3E3026409C}"/>
               </a:ext>
             </a:extLst>
           </p:cNvPr>
           <p:cNvCxnSpPr>
             <a:cxnSpLocks/>
-            <a:stCxn id="4" idx="3"/>
-            <a:endCxn id="6" idx="1"/>
+            <a:endCxn id="5" idx="1"/>
           </p:cNvCxnSpPr>
           <p:nvPr/>
         </p:nvCxnSpPr>
         <p:spPr>
-          <a:xfrm>
-            <a:off x="4408257" y="2027767"/>
-            <a:ext cx="282296" cy="0"/>
+          <a:xfrm flipV="1">
+            <a:off x="2943002" y="2023735"/>
+            <a:ext cx="556914" cy="4432"/>
           </a:xfrm>
           <a:prstGeom prst="straightConnector1">
             <a:avLst/>
           </a:prstGeom>
-          <a:ln w="28575">
+          <a:ln>
+            <a:tailEnd type="triangle"/>
+          </a:ln>
+        </p:spPr>
+        <p:style>
+          <a:lnRef idx="1">
+            <a:schemeClr val="accent1"/>
+          </a:lnRef>
+          <a:fillRef idx="0">
+            <a:schemeClr val="accent1"/>
+          </a:fillRef>
+          <a:effectRef idx="0">
+            <a:schemeClr val="accent1"/>
+          </a:effectRef>
+          <a:fontRef idx="minor">
+            <a:schemeClr val="tx1"/>
+          </a:fontRef>
+        </p:style>
+      </p:cxnSp>
+      <p:sp>
+        <p:nvSpPr>
+          <p:cNvPr id="37" name="TextBox 36">
+            <a:extLst>
+              <a:ext uri="{FF2B5EF4-FFF2-40B4-BE49-F238E27FC236}">
+                <a16:creationId xmlns:a16="http://schemas.microsoft.com/office/drawing/2014/main" id="{E408696F-CD46-AC4D-8BB2-A262BE65DBD3}"/>
+              </a:ext>
+            </a:extLst>
+          </p:cNvPr>
+          <p:cNvSpPr txBox="1"/>
+          <p:nvPr/>
+        </p:nvSpPr>
+        <p:spPr>
+          <a:xfrm>
+            <a:off x="1493462" y="2565400"/>
+            <a:ext cx="1463520" cy="246221"/>
+          </a:xfrm>
+          <a:prstGeom prst="rect">
+            <a:avLst/>
+          </a:prstGeom>
+          <a:noFill/>
+        </p:spPr>
+        <p:txBody>
+          <a:bodyPr wrap="square" rtlCol="0">
+            <a:spAutoFit/>
+          </a:bodyPr>
+          <a:lstStyle/>
+          <a:p>
+            <a:pPr algn="ctr"/>
+            <a:r>
+              <a:rPr lang="en-US" sz="1000" dirty="0">
+                <a:solidFill>
+                  <a:schemeClr val="bg1"/>
+                </a:solidFill>
+                <a:latin typeface="Avenir Next" panose="020B0503020202020204" pitchFamily="34" charset="0"/>
+              </a:rPr>
+              <a:t>Display 3</a:t>
+            </a:r>
+          </a:p>
+        </p:txBody>
+      </p:sp>
+      <p:sp>
+        <p:nvSpPr>
+          <p:cNvPr id="38" name="Rectangle 37">
+            <a:extLst>
+              <a:ext uri="{FF2B5EF4-FFF2-40B4-BE49-F238E27FC236}">
+                <a16:creationId xmlns:a16="http://schemas.microsoft.com/office/drawing/2014/main" id="{35069F58-5043-D549-ABD6-386542098207}"/>
+              </a:ext>
+            </a:extLst>
+          </p:cNvPr>
+          <p:cNvSpPr/>
+          <p:nvPr/>
+        </p:nvSpPr>
+        <p:spPr>
+          <a:xfrm>
+            <a:off x="1493462" y="1490533"/>
+            <a:ext cx="1451103" cy="1075267"/>
+          </a:xfrm>
+          <a:prstGeom prst="rect">
+            <a:avLst/>
+          </a:prstGeom>
+          <a:noFill/>
+          <a:ln>
             <a:solidFill>
-              <a:srgbClr val="E31937"/>
+              <a:srgbClr val="FFEEBB">
+                <a:alpha val="25000"/>
+              </a:srgbClr>
             </a:solidFill>
+          </a:ln>
+        </p:spPr>
+        <p:style>
+          <a:lnRef idx="2">
+            <a:schemeClr val="accent1">
+              <a:shade val="50000"/>
+            </a:schemeClr>
+          </a:lnRef>
+          <a:fillRef idx="1">
+            <a:schemeClr val="accent1"/>
+          </a:fillRef>
+          <a:effectRef idx="0">
+            <a:schemeClr val="accent1"/>
+          </a:effectRef>
+          <a:fontRef idx="minor">
+            <a:schemeClr val="lt1"/>
+          </a:fontRef>
+        </p:style>
+        <p:txBody>
+          <a:bodyPr rtlCol="0" anchor="ctr"/>
+          <a:lstStyle/>
+          <a:p>
+            <a:pPr algn="ctr"/>
+            <a:r>
+              <a:rPr lang="en-US" sz="1400" b="1" dirty="0">
+                <a:latin typeface="Avenir Next" panose="020B0503020202020204" pitchFamily="34" charset="0"/>
+              </a:rPr>
+              <a:t>+</a:t>
+            </a:r>
+          </a:p>
+        </p:txBody>
+      </p:sp>
+      <p:sp>
+        <p:nvSpPr>
+          <p:cNvPr id="39" name="Rectangle 38">
+            <a:extLst>
+              <a:ext uri="{FF2B5EF4-FFF2-40B4-BE49-F238E27FC236}">
+                <a16:creationId xmlns:a16="http://schemas.microsoft.com/office/drawing/2014/main" id="{C51E3B2C-887A-0342-B0DA-1037D8751679}"/>
+              </a:ext>
+            </a:extLst>
+          </p:cNvPr>
+          <p:cNvSpPr/>
+          <p:nvPr/>
+        </p:nvSpPr>
+        <p:spPr>
+          <a:xfrm>
+            <a:off x="1824013" y="1726838"/>
+            <a:ext cx="802418" cy="594592"/>
+          </a:xfrm>
+          <a:prstGeom prst="rect">
+            <a:avLst/>
+          </a:prstGeom>
+          <a:blipFill dpi="0" rotWithShape="1">
+            <a:blip r:embed="rId2">
+              <a:alphaModFix amt="25000"/>
+              <a:extLst>
+                <a:ext uri="{28A0092B-C50C-407E-A947-70E740481C1C}">
+                  <a14:useLocalDpi xmlns:a14="http://schemas.microsoft.com/office/drawing/2010/main" val="0"/>
+                </a:ext>
+              </a:extLst>
+            </a:blip>
+            <a:srcRect/>
+            <a:stretch>
+              <a:fillRect/>
+            </a:stretch>
+          </a:blipFill>
+          <a:ln>
+            <a:noFill/>
+          </a:ln>
+        </p:spPr>
+        <p:style>
+          <a:lnRef idx="2">
+            <a:schemeClr val="accent1">
+              <a:shade val="50000"/>
+            </a:schemeClr>
+          </a:lnRef>
+          <a:fillRef idx="1">
+            <a:schemeClr val="accent1"/>
+          </a:fillRef>
+          <a:effectRef idx="0">
+            <a:schemeClr val="accent1"/>
+          </a:effectRef>
+          <a:fontRef idx="minor">
+            <a:schemeClr val="lt1"/>
+          </a:fontRef>
+        </p:style>
+        <p:txBody>
+          <a:bodyPr rtlCol="0" anchor="ctr"/>
+          <a:lstStyle/>
+          <a:p>
+            <a:pPr algn="ctr"/>
+            <a:r>
+              <a:rPr lang="en-US" sz="1400" b="1" dirty="0">
+                <a:latin typeface="Avenir Next" panose="020B0503020202020204" pitchFamily="34" charset="0"/>
+              </a:rPr>
+              <a:t>+</a:t>
+            </a:r>
+          </a:p>
+        </p:txBody>
+      </p:sp>
+      <p:grpSp>
+        <p:nvGrpSpPr>
+          <p:cNvPr id="40" name="Group 39">
+            <a:extLst>
+              <a:ext uri="{FF2B5EF4-FFF2-40B4-BE49-F238E27FC236}">
+                <a16:creationId xmlns:a16="http://schemas.microsoft.com/office/drawing/2014/main" id="{5211D0D5-B43F-4F4C-A82B-56DC3D2FCF2D}"/>
+              </a:ext>
+            </a:extLst>
+          </p:cNvPr>
+          <p:cNvGrpSpPr/>
+          <p:nvPr/>
+        </p:nvGrpSpPr>
+        <p:grpSpPr>
+          <a:xfrm>
+            <a:off x="1832381" y="1828270"/>
+            <a:ext cx="814836" cy="398994"/>
+            <a:chOff x="6465925" y="1828270"/>
+            <a:chExt cx="814836" cy="398994"/>
+          </a:xfrm>
+        </p:grpSpPr>
+        <p:pic>
+          <p:nvPicPr>
+            <p:cNvPr id="41" name="Picture 40">
+              <a:extLst>
+                <a:ext uri="{FF2B5EF4-FFF2-40B4-BE49-F238E27FC236}">
+                  <a16:creationId xmlns:a16="http://schemas.microsoft.com/office/drawing/2014/main" id="{8E95A299-D6F5-6D4A-AEE4-2E70611C4C27}"/>
+                </a:ext>
+              </a:extLst>
+            </p:cNvPr>
+            <p:cNvPicPr>
+              <a:picLocks noChangeAspect="1"/>
+            </p:cNvPicPr>
+            <p:nvPr/>
+          </p:nvPicPr>
+          <p:blipFill>
+            <a:blip r:embed="rId3">
+              <a:alphaModFix amt="50000"/>
+            </a:blip>
+            <a:stretch>
+              <a:fillRect/>
+            </a:stretch>
+          </p:blipFill>
+          <p:spPr>
+            <a:xfrm>
+              <a:off x="6881767" y="1828270"/>
+              <a:ext cx="398994" cy="398994"/>
+            </a:xfrm>
+            <a:prstGeom prst="rect">
+              <a:avLst/>
+            </a:prstGeom>
+          </p:spPr>
+        </p:pic>
+        <p:pic>
+          <p:nvPicPr>
+            <p:cNvPr id="42" name="Picture 41">
+              <a:extLst>
+                <a:ext uri="{FF2B5EF4-FFF2-40B4-BE49-F238E27FC236}">
+                  <a16:creationId xmlns:a16="http://schemas.microsoft.com/office/drawing/2014/main" id="{210182D7-8CF9-884F-862A-8062611CD3BB}"/>
+                </a:ext>
+              </a:extLst>
+            </p:cNvPr>
+            <p:cNvPicPr>
+              <a:picLocks noChangeAspect="1"/>
+            </p:cNvPicPr>
+            <p:nvPr/>
+          </p:nvPicPr>
+          <p:blipFill>
+            <a:blip r:embed="rId4">
+              <a:alphaModFix amt="50000"/>
+            </a:blip>
+            <a:stretch>
+              <a:fillRect/>
+            </a:stretch>
+          </p:blipFill>
+          <p:spPr>
+            <a:xfrm>
+              <a:off x="6465925" y="1865165"/>
+              <a:ext cx="309281" cy="309281"/>
+            </a:xfrm>
+            <a:prstGeom prst="rect">
+              <a:avLst/>
+            </a:prstGeom>
+          </p:spPr>
+        </p:pic>
+      </p:grpSp>
+      <p:cxnSp>
+        <p:nvCxnSpPr>
+          <p:cNvPr id="49" name="Straight Arrow Connector 48">
+            <a:extLst>
+              <a:ext uri="{FF2B5EF4-FFF2-40B4-BE49-F238E27FC236}">
+                <a16:creationId xmlns:a16="http://schemas.microsoft.com/office/drawing/2014/main" id="{27C79C35-62A5-3142-84CE-4023C00850AD}"/>
+              </a:ext>
+            </a:extLst>
+          </p:cNvPr>
+          <p:cNvCxnSpPr>
+            <a:cxnSpLocks/>
+          </p:cNvCxnSpPr>
+          <p:nvPr/>
+        </p:nvCxnSpPr>
+        <p:spPr>
+          <a:xfrm flipH="1" flipV="1">
+            <a:off x="4649124" y="2197666"/>
+            <a:ext cx="1397760" cy="942399"/>
+          </a:xfrm>
+          <a:prstGeom prst="straightConnector1">
+            <a:avLst/>
+          </a:prstGeom>
+          <a:ln>
             <a:tailEnd type="triangle"/>
           </a:ln>
         </p:spPr>
@@ -6143,32 +6913,27 @@
       </p:cxnSp>
       <p:cxnSp>
         <p:nvCxnSpPr>
-          <p:cNvPr id="25" name="Straight Arrow Connector 24">
+          <p:cNvPr id="52" name="Straight Arrow Connector 51">
             <a:extLst>
               <a:ext uri="{FF2B5EF4-FFF2-40B4-BE49-F238E27FC236}">
-                <a16:creationId xmlns:a16="http://schemas.microsoft.com/office/drawing/2014/main" id="{8807B7A2-35E4-B34A-8A50-4411591DC532}"/>
+                <a16:creationId xmlns:a16="http://schemas.microsoft.com/office/drawing/2014/main" id="{A78C3F38-6862-5247-AC77-0824AC2B5C0E}"/>
               </a:ext>
             </a:extLst>
           </p:cNvPr>
           <p:cNvCxnSpPr>
             <a:cxnSpLocks/>
-            <a:stCxn id="6" idx="3"/>
-            <a:endCxn id="15" idx="1"/>
           </p:cNvCxnSpPr>
           <p:nvPr/>
         </p:nvCxnSpPr>
         <p:spPr>
-          <a:xfrm flipV="1">
-            <a:off x="6141656" y="2027766"/>
-            <a:ext cx="282296" cy="1"/>
+          <a:xfrm flipH="1" flipV="1">
+            <a:off x="5046744" y="2227266"/>
+            <a:ext cx="1015087" cy="921959"/>
           </a:xfrm>
           <a:prstGeom prst="straightConnector1">
             <a:avLst/>
           </a:prstGeom>
-          <a:ln w="28575">
-            <a:solidFill>
-              <a:srgbClr val="E31937"/>
-            </a:solidFill>
+          <a:ln>
             <a:tailEnd type="triangle"/>
           </a:ln>
         </p:spPr>
@@ -6189,10 +6954,10 @@
       </p:cxnSp>
       <p:sp>
         <p:nvSpPr>
-          <p:cNvPr id="28" name="TextBox 27">
+          <p:cNvPr id="59" name="TextBox 58">
             <a:extLst>
               <a:ext uri="{FF2B5EF4-FFF2-40B4-BE49-F238E27FC236}">
-                <a16:creationId xmlns:a16="http://schemas.microsoft.com/office/drawing/2014/main" id="{1953A7CA-6C16-B64C-9605-182D5D6E85D7}"/>
+                <a16:creationId xmlns:a16="http://schemas.microsoft.com/office/drawing/2014/main" id="{66F058FA-8F10-AC41-9B47-04AE295D7A1D}"/>
               </a:ext>
             </a:extLst>
           </p:cNvPr>
@@ -6201,8 +6966,8 @@
         </p:nvSpPr>
         <p:spPr>
           <a:xfrm>
-            <a:off x="6422523" y="2565400"/>
-            <a:ext cx="1452531" cy="307777"/>
+            <a:off x="5811032" y="3018420"/>
+            <a:ext cx="1463520" cy="261610"/>
           </a:xfrm>
           <a:prstGeom prst="rect">
             <a:avLst/>
@@ -6217,21 +6982,103 @@
           <a:p>
             <a:pPr algn="ctr"/>
             <a:r>
-              <a:rPr lang="en-US" sz="1400" b="1" dirty="0">
+              <a:rPr lang="en-US" sz="1100" b="1" dirty="0">
                 <a:solidFill>
-                  <a:srgbClr val="E31937"/>
+                  <a:srgbClr val="FFEEBB"/>
                 </a:solidFill>
                 <a:latin typeface="Avenir Next" panose="020B0503020202020204" pitchFamily="34" charset="0"/>
               </a:rPr>
-              <a:t>Display 4</a:t>
-            </a:r>
-          </a:p>
-        </p:txBody>
-      </p:sp>
+              <a:t>Two targets</a:t>
+            </a:r>
+          </a:p>
+        </p:txBody>
+      </p:sp>
+      <p:sp>
+        <p:nvSpPr>
+          <p:cNvPr id="60" name="TextBox 59">
+            <a:extLst>
+              <a:ext uri="{FF2B5EF4-FFF2-40B4-BE49-F238E27FC236}">
+                <a16:creationId xmlns:a16="http://schemas.microsoft.com/office/drawing/2014/main" id="{2F30C7D3-C677-0C4A-936D-277A83A0D8E1}"/>
+              </a:ext>
+            </a:extLst>
+          </p:cNvPr>
+          <p:cNvSpPr txBox="1"/>
+          <p:nvPr/>
+        </p:nvSpPr>
+        <p:spPr>
+          <a:xfrm>
+            <a:off x="2400158" y="3018420"/>
+            <a:ext cx="1463520" cy="261610"/>
+          </a:xfrm>
+          <a:prstGeom prst="rect">
+            <a:avLst/>
+          </a:prstGeom>
+          <a:noFill/>
+        </p:spPr>
+        <p:txBody>
+          <a:bodyPr wrap="square" rtlCol="0">
+            <a:spAutoFit/>
+          </a:bodyPr>
+          <a:lstStyle/>
+          <a:p>
+            <a:pPr algn="ctr"/>
+            <a:r>
+              <a:rPr lang="en-US" sz="1100" b="1" dirty="0">
+                <a:solidFill>
+                  <a:srgbClr val="FFEEBB"/>
+                </a:solidFill>
+                <a:latin typeface="Avenir Next" panose="020B0503020202020204" pitchFamily="34" charset="0"/>
+              </a:rPr>
+              <a:t>Distractor</a:t>
+            </a:r>
+          </a:p>
+        </p:txBody>
+      </p:sp>
+      <p:cxnSp>
+        <p:nvCxnSpPr>
+          <p:cNvPr id="64" name="Straight Arrow Connector 63">
+            <a:extLst>
+              <a:ext uri="{FF2B5EF4-FFF2-40B4-BE49-F238E27FC236}">
+                <a16:creationId xmlns:a16="http://schemas.microsoft.com/office/drawing/2014/main" id="{312A8D4A-56A2-7A48-AEE7-D7B508BD6C8B}"/>
+              </a:ext>
+            </a:extLst>
+          </p:cNvPr>
+          <p:cNvCxnSpPr>
+            <a:cxnSpLocks/>
+          </p:cNvCxnSpPr>
+          <p:nvPr/>
+        </p:nvCxnSpPr>
+        <p:spPr>
+          <a:xfrm flipV="1">
+            <a:off x="3473003" y="2258970"/>
+            <a:ext cx="709833" cy="765592"/>
+          </a:xfrm>
+          <a:prstGeom prst="straightConnector1">
+            <a:avLst/>
+          </a:prstGeom>
+          <a:ln>
+            <a:tailEnd type="triangle"/>
+          </a:ln>
+        </p:spPr>
+        <p:style>
+          <a:lnRef idx="1">
+            <a:schemeClr val="accent1"/>
+          </a:lnRef>
+          <a:fillRef idx="0">
+            <a:schemeClr val="accent1"/>
+          </a:fillRef>
+          <a:effectRef idx="0">
+            <a:schemeClr val="accent1"/>
+          </a:effectRef>
+          <a:fontRef idx="minor">
+            <a:schemeClr val="tx1"/>
+          </a:fontRef>
+        </p:style>
+      </p:cxnSp>
     </p:spTree>
     <p:extLst>
       <p:ext uri="{BB962C8B-B14F-4D97-AF65-F5344CB8AC3E}">
-        <p14:creationId xmlns:p14="http://schemas.microsoft.com/office/powerpoint/2010/main" val="2660550922"/>
+        <p14:creationId xmlns:p14="http://schemas.microsoft.com/office/powerpoint/2010/main" val="2751526283"/>
       </p:ext>
     </p:extLst>
   </p:cSld>
@@ -6260,10 +7107,10 @@
       </p:grpSpPr>
       <p:sp>
         <p:nvSpPr>
-          <p:cNvPr id="8" name="Rectangle 7">
+          <p:cNvPr id="45" name="Rectangle 44">
             <a:extLst>
               <a:ext uri="{FF2B5EF4-FFF2-40B4-BE49-F238E27FC236}">
-                <a16:creationId xmlns:a16="http://schemas.microsoft.com/office/drawing/2014/main" id="{278B45D5-E8C2-434C-8409-90EDEBACE4AA}"/>
+                <a16:creationId xmlns:a16="http://schemas.microsoft.com/office/drawing/2014/main" id="{A70D654C-046C-3D46-9EAE-517F23E77500}"/>
               </a:ext>
             </a:extLst>
           </p:cNvPr>
@@ -6272,13 +7119,15 @@
         </p:nvSpPr>
         <p:spPr>
           <a:xfrm>
-            <a:off x="228599" y="804334"/>
+            <a:off x="105184" y="804334"/>
             <a:ext cx="8830734" cy="5326456"/>
           </a:xfrm>
           <a:prstGeom prst="rect">
             <a:avLst/>
           </a:prstGeom>
-          <a:noFill/>
+          <a:solidFill>
+            <a:schemeClr val="tx1"/>
+          </a:solidFill>
           <a:ln>
             <a:solidFill>
               <a:srgbClr val="004065"/>
@@ -6324,8 +7173,8 @@
         </p:nvSpPr>
         <p:spPr>
           <a:xfrm>
-            <a:off x="385555" y="1490133"/>
-            <a:ext cx="1451103" cy="1075267"/>
+            <a:off x="3499916" y="1245004"/>
+            <a:ext cx="2101837" cy="1557461"/>
           </a:xfrm>
           <a:prstGeom prst="rect">
             <a:avLst/>
@@ -6369,10 +7218,10 @@
       </p:sp>
       <p:sp>
         <p:nvSpPr>
-          <p:cNvPr id="4" name="Rectangle 3">
+          <p:cNvPr id="7" name="Rectangle 6">
             <a:extLst>
               <a:ext uri="{FF2B5EF4-FFF2-40B4-BE49-F238E27FC236}">
-                <a16:creationId xmlns:a16="http://schemas.microsoft.com/office/drawing/2014/main" id="{2A28EF87-0B63-024C-9ACA-3A5EF7EBCDD0}"/>
+                <a16:creationId xmlns:a16="http://schemas.microsoft.com/office/drawing/2014/main" id="{32054E16-1B68-DC4F-88C3-E94B760644B8}"/>
               </a:ext>
             </a:extLst>
           </p:cNvPr>
@@ -6381,17 +7230,27 @@
         </p:nvSpPr>
         <p:spPr>
           <a:xfrm>
-            <a:off x="2118954" y="1490133"/>
+            <a:off x="3825282" y="1486100"/>
             <a:ext cx="1451103" cy="1075267"/>
           </a:xfrm>
           <a:prstGeom prst="rect">
             <a:avLst/>
           </a:prstGeom>
-          <a:noFill/>
+          <a:blipFill dpi="0" rotWithShape="1">
+            <a:blip r:embed="rId2">
+              <a:extLst>
+                <a:ext uri="{28A0092B-C50C-407E-A947-70E740481C1C}">
+                  <a14:useLocalDpi xmlns:a14="http://schemas.microsoft.com/office/drawing/2010/main" val="0"/>
+                </a:ext>
+              </a:extLst>
+            </a:blip>
+            <a:srcRect/>
+            <a:stretch>
+              <a:fillRect/>
+            </a:stretch>
+          </a:blipFill>
           <a:ln>
-            <a:solidFill>
-              <a:srgbClr val="FFEEBB"/>
-            </a:solidFill>
+            <a:noFill/>
           </a:ln>
         </p:spPr>
         <p:style>
@@ -6426,10 +7285,347 @@
       </p:sp>
       <p:sp>
         <p:nvSpPr>
-          <p:cNvPr id="6" name="Rectangle 5">
+          <p:cNvPr id="13" name="TextBox 12">
             <a:extLst>
               <a:ext uri="{FF2B5EF4-FFF2-40B4-BE49-F238E27FC236}">
-                <a16:creationId xmlns:a16="http://schemas.microsoft.com/office/drawing/2014/main" id="{45A65EF7-797C-9645-94D5-EEB459B8A864}"/>
+                <a16:creationId xmlns:a16="http://schemas.microsoft.com/office/drawing/2014/main" id="{EE0A9875-1F14-1844-9C6D-2ED9E13563CB}"/>
+              </a:ext>
+            </a:extLst>
+          </p:cNvPr>
+          <p:cNvSpPr txBox="1"/>
+          <p:nvPr/>
+        </p:nvSpPr>
+        <p:spPr>
+          <a:xfrm>
+            <a:off x="3819074" y="2802465"/>
+            <a:ext cx="1463520" cy="307777"/>
+          </a:xfrm>
+          <a:prstGeom prst="rect">
+            <a:avLst/>
+          </a:prstGeom>
+          <a:noFill/>
+        </p:spPr>
+        <p:txBody>
+          <a:bodyPr wrap="square" rtlCol="0">
+            <a:spAutoFit/>
+          </a:bodyPr>
+          <a:lstStyle/>
+          <a:p>
+            <a:pPr algn="ctr"/>
+            <a:r>
+              <a:rPr lang="en-US" sz="1400" b="1" dirty="0">
+                <a:solidFill>
+                  <a:srgbClr val="E31937"/>
+                </a:solidFill>
+                <a:latin typeface="Avenir Next" panose="020B0503020202020204" pitchFamily="34" charset="0"/>
+              </a:rPr>
+              <a:t>Display 5</a:t>
+            </a:r>
+          </a:p>
+        </p:txBody>
+      </p:sp>
+      <p:pic>
+        <p:nvPicPr>
+          <p:cNvPr id="3" name="Picture 2">
+            <a:extLst>
+              <a:ext uri="{FF2B5EF4-FFF2-40B4-BE49-F238E27FC236}">
+                <a16:creationId xmlns:a16="http://schemas.microsoft.com/office/drawing/2014/main" id="{C49DD0A7-8D57-D646-A593-030F6DDA0446}"/>
+              </a:ext>
+            </a:extLst>
+          </p:cNvPr>
+          <p:cNvPicPr>
+            <a:picLocks noChangeAspect="1"/>
+          </p:cNvPicPr>
+          <p:nvPr/>
+        </p:nvPicPr>
+        <p:blipFill>
+          <a:blip r:embed="rId3"/>
+          <a:stretch>
+            <a:fillRect/>
+          </a:stretch>
+        </p:blipFill>
+        <p:spPr>
+          <a:xfrm>
+            <a:off x="4496648" y="1582604"/>
+            <a:ext cx="882257" cy="882257"/>
+          </a:xfrm>
+          <a:prstGeom prst="rect">
+            <a:avLst/>
+          </a:prstGeom>
+        </p:spPr>
+      </p:pic>
+      <p:pic>
+        <p:nvPicPr>
+          <p:cNvPr id="11" name="Picture 10">
+            <a:extLst>
+              <a:ext uri="{FF2B5EF4-FFF2-40B4-BE49-F238E27FC236}">
+                <a16:creationId xmlns:a16="http://schemas.microsoft.com/office/drawing/2014/main" id="{06C22353-150E-0B4E-8948-49BECD09C427}"/>
+              </a:ext>
+            </a:extLst>
+          </p:cNvPr>
+          <p:cNvPicPr>
+            <a:picLocks noChangeAspect="1"/>
+          </p:cNvPicPr>
+          <p:nvPr/>
+        </p:nvPicPr>
+        <p:blipFill>
+          <a:blip r:embed="rId4"/>
+          <a:stretch>
+            <a:fillRect/>
+          </a:stretch>
+        </p:blipFill>
+        <p:spPr>
+          <a:xfrm>
+            <a:off x="3808745" y="1689430"/>
+            <a:ext cx="683884" cy="683884"/>
+          </a:xfrm>
+          <a:prstGeom prst="rect">
+            <a:avLst/>
+          </a:prstGeom>
+        </p:spPr>
+      </p:pic>
+      <p:sp>
+        <p:nvSpPr>
+          <p:cNvPr id="27" name="TextBox 26">
+            <a:extLst>
+              <a:ext uri="{FF2B5EF4-FFF2-40B4-BE49-F238E27FC236}">
+                <a16:creationId xmlns:a16="http://schemas.microsoft.com/office/drawing/2014/main" id="{95B95D4B-5425-684B-9F65-A662C06F3FDE}"/>
+              </a:ext>
+            </a:extLst>
+          </p:cNvPr>
+          <p:cNvSpPr txBox="1"/>
+          <p:nvPr/>
+        </p:nvSpPr>
+        <p:spPr>
+          <a:xfrm>
+            <a:off x="1384620" y="3347307"/>
+            <a:ext cx="6271863" cy="1646605"/>
+          </a:xfrm>
+          <a:prstGeom prst="rect">
+            <a:avLst/>
+          </a:prstGeom>
+          <a:noFill/>
+        </p:spPr>
+        <p:txBody>
+          <a:bodyPr wrap="square" bIns="0" rtlCol="0">
+            <a:spAutoFit/>
+          </a:bodyPr>
+          <a:lstStyle/>
+          <a:p>
+            <a:pPr>
+              <a:spcAft>
+                <a:spcPts val="600"/>
+              </a:spcAft>
+            </a:pPr>
+            <a:r>
+              <a:rPr lang="en-US" sz="1400" b="1" dirty="0">
+                <a:solidFill>
+                  <a:srgbClr val="E31937"/>
+                </a:solidFill>
+                <a:latin typeface="Avenir Next" panose="020B0503020202020204" pitchFamily="34" charset="0"/>
+              </a:rPr>
+              <a:t>Display 5: Objects &amp; Scene</a:t>
+            </a:r>
+          </a:p>
+          <a:p>
+            <a:pPr marL="285750" indent="-285750">
+              <a:spcAft>
+                <a:spcPts val="600"/>
+              </a:spcAft>
+              <a:buFont typeface="Arial" panose="020B0604020202020204" pitchFamily="34" charset="0"/>
+              <a:buChar char="•"/>
+            </a:pPr>
+            <a:r>
+              <a:rPr lang="en-US" sz="1400" b="1" dirty="0">
+                <a:solidFill>
+                  <a:schemeClr val="bg1"/>
+                </a:solidFill>
+                <a:latin typeface="Avenir Next" panose="020B0503020202020204" pitchFamily="34" charset="0"/>
+              </a:rPr>
+              <a:t>Since the circles orientations only appear briefly, try to remember whether orientations matched or not</a:t>
+            </a:r>
+          </a:p>
+          <a:p>
+            <a:pPr marL="285750" indent="-285750">
+              <a:spcAft>
+                <a:spcPts val="600"/>
+              </a:spcAft>
+              <a:buFont typeface="Arial" panose="020B0604020202020204" pitchFamily="34" charset="0"/>
+              <a:buChar char="•"/>
+            </a:pPr>
+            <a:r>
+              <a:rPr lang="en-US" sz="1400" b="1" dirty="0">
+                <a:solidFill>
+                  <a:schemeClr val="bg1"/>
+                </a:solidFill>
+                <a:latin typeface="Avenir Next" panose="020B0503020202020204" pitchFamily="34" charset="0"/>
+              </a:rPr>
+              <a:t>If the two match in orientation, press the </a:t>
+            </a:r>
+            <a:r>
+              <a:rPr lang="en-US" sz="1400" b="1" dirty="0">
+                <a:solidFill>
+                  <a:srgbClr val="E31937"/>
+                </a:solidFill>
+                <a:latin typeface="Avenir Next" panose="020B0503020202020204" pitchFamily="34" charset="0"/>
+              </a:rPr>
+              <a:t>f</a:t>
+            </a:r>
+            <a:r>
+              <a:rPr lang="en-US" sz="1400" b="1" dirty="0">
+                <a:solidFill>
+                  <a:schemeClr val="bg1"/>
+                </a:solidFill>
+                <a:latin typeface="Avenir Next" panose="020B0503020202020204" pitchFamily="34" charset="0"/>
+              </a:rPr>
+              <a:t> key</a:t>
+            </a:r>
+          </a:p>
+          <a:p>
+            <a:pPr marL="285750" indent="-285750">
+              <a:spcAft>
+                <a:spcPts val="600"/>
+              </a:spcAft>
+              <a:buFont typeface="Arial" panose="020B0604020202020204" pitchFamily="34" charset="0"/>
+              <a:buChar char="•"/>
+            </a:pPr>
+            <a:r>
+              <a:rPr lang="en-US" sz="1400" b="1" dirty="0">
+                <a:solidFill>
+                  <a:schemeClr val="bg1"/>
+                </a:solidFill>
+                <a:latin typeface="Avenir Next" panose="020B0503020202020204" pitchFamily="34" charset="0"/>
+              </a:rPr>
+              <a:t>If the two are in different orientation, press the </a:t>
+            </a:r>
+            <a:r>
+              <a:rPr lang="en-US" sz="1400" b="1" dirty="0">
+                <a:solidFill>
+                  <a:srgbClr val="E31937"/>
+                </a:solidFill>
+                <a:latin typeface="Avenir Next" panose="020B0503020202020204" pitchFamily="34" charset="0"/>
+              </a:rPr>
+              <a:t>j</a:t>
+            </a:r>
+            <a:r>
+              <a:rPr lang="en-US" sz="1400" b="1" dirty="0">
+                <a:solidFill>
+                  <a:schemeClr val="bg1"/>
+                </a:solidFill>
+                <a:latin typeface="Avenir Next" panose="020B0503020202020204" pitchFamily="34" charset="0"/>
+              </a:rPr>
+              <a:t> key</a:t>
+            </a:r>
+          </a:p>
+          <a:p>
+            <a:pPr marL="285750" indent="-285750">
+              <a:spcAft>
+                <a:spcPts val="600"/>
+              </a:spcAft>
+              <a:buFont typeface="Arial" panose="020B0604020202020204" pitchFamily="34" charset="0"/>
+              <a:buChar char="•"/>
+            </a:pPr>
+            <a:r>
+              <a:rPr lang="en-US" sz="1400" b="1" dirty="0">
+                <a:solidFill>
+                  <a:schemeClr val="bg1"/>
+                </a:solidFill>
+                <a:latin typeface="Avenir Next" panose="020B0503020202020204" pitchFamily="34" charset="0"/>
+              </a:rPr>
+              <a:t>If you did not see the orientations, take your best guess</a:t>
+            </a:r>
+          </a:p>
+        </p:txBody>
+      </p:sp>
+      <p:cxnSp>
+        <p:nvCxnSpPr>
+          <p:cNvPr id="32" name="Straight Arrow Connector 31">
+            <a:extLst>
+              <a:ext uri="{FF2B5EF4-FFF2-40B4-BE49-F238E27FC236}">
+                <a16:creationId xmlns:a16="http://schemas.microsoft.com/office/drawing/2014/main" id="{65C956E5-51BF-E044-AF33-3F3E3026409C}"/>
+              </a:ext>
+            </a:extLst>
+          </p:cNvPr>
+          <p:cNvCxnSpPr>
+            <a:cxnSpLocks/>
+            <a:endCxn id="5" idx="1"/>
+          </p:cNvCxnSpPr>
+          <p:nvPr/>
+        </p:nvCxnSpPr>
+        <p:spPr>
+          <a:xfrm flipV="1">
+            <a:off x="2943002" y="2023735"/>
+            <a:ext cx="556914" cy="4432"/>
+          </a:xfrm>
+          <a:prstGeom prst="straightConnector1">
+            <a:avLst/>
+          </a:prstGeom>
+          <a:ln>
+            <a:tailEnd type="triangle"/>
+          </a:ln>
+        </p:spPr>
+        <p:style>
+          <a:lnRef idx="1">
+            <a:schemeClr val="accent1"/>
+          </a:lnRef>
+          <a:fillRef idx="0">
+            <a:schemeClr val="accent1"/>
+          </a:fillRef>
+          <a:effectRef idx="0">
+            <a:schemeClr val="accent1"/>
+          </a:effectRef>
+          <a:fontRef idx="minor">
+            <a:schemeClr val="tx1"/>
+          </a:fontRef>
+        </p:style>
+      </p:cxnSp>
+      <p:sp>
+        <p:nvSpPr>
+          <p:cNvPr id="37" name="TextBox 36">
+            <a:extLst>
+              <a:ext uri="{FF2B5EF4-FFF2-40B4-BE49-F238E27FC236}">
+                <a16:creationId xmlns:a16="http://schemas.microsoft.com/office/drawing/2014/main" id="{E408696F-CD46-AC4D-8BB2-A262BE65DBD3}"/>
+              </a:ext>
+            </a:extLst>
+          </p:cNvPr>
+          <p:cNvSpPr txBox="1"/>
+          <p:nvPr/>
+        </p:nvSpPr>
+        <p:spPr>
+          <a:xfrm>
+            <a:off x="1493462" y="2565400"/>
+            <a:ext cx="1463520" cy="246221"/>
+          </a:xfrm>
+          <a:prstGeom prst="rect">
+            <a:avLst/>
+          </a:prstGeom>
+          <a:noFill/>
+        </p:spPr>
+        <p:txBody>
+          <a:bodyPr wrap="square" rtlCol="0">
+            <a:spAutoFit/>
+          </a:bodyPr>
+          <a:lstStyle/>
+          <a:p>
+            <a:pPr algn="ctr"/>
+            <a:r>
+              <a:rPr lang="en-US" sz="1000" dirty="0">
+                <a:solidFill>
+                  <a:schemeClr val="bg1"/>
+                </a:solidFill>
+                <a:latin typeface="Avenir Next" panose="020B0503020202020204" pitchFamily="34" charset="0"/>
+              </a:rPr>
+              <a:t>Display 4</a:t>
+            </a:r>
+          </a:p>
+        </p:txBody>
+      </p:sp>
+      <p:sp>
+        <p:nvSpPr>
+          <p:cNvPr id="38" name="Rectangle 37">
+            <a:extLst>
+              <a:ext uri="{FF2B5EF4-FFF2-40B4-BE49-F238E27FC236}">
+                <a16:creationId xmlns:a16="http://schemas.microsoft.com/office/drawing/2014/main" id="{35069F58-5043-D549-ABD6-386542098207}"/>
               </a:ext>
             </a:extLst>
           </p:cNvPr>
@@ -6438,7 +7634,7 @@
         </p:nvSpPr>
         <p:spPr>
           <a:xfrm>
-            <a:off x="3852353" y="1490133"/>
+            <a:off x="1493462" y="1490533"/>
             <a:ext cx="1451103" cy="1075267"/>
           </a:xfrm>
           <a:prstGeom prst="rect">
@@ -6447,7 +7643,9 @@
           <a:noFill/>
           <a:ln>
             <a:solidFill>
-              <a:srgbClr val="FFEEBB"/>
+              <a:srgbClr val="FFEEBB">
+                <a:alpha val="25000"/>
+              </a:srgbClr>
             </a:solidFill>
           </a:ln>
         </p:spPr>
@@ -6483,10 +7681,10 @@
       </p:sp>
       <p:sp>
         <p:nvSpPr>
-          <p:cNvPr id="15" name="Rectangle 14">
+          <p:cNvPr id="39" name="Rectangle 38">
             <a:extLst>
               <a:ext uri="{FF2B5EF4-FFF2-40B4-BE49-F238E27FC236}">
-                <a16:creationId xmlns:a16="http://schemas.microsoft.com/office/drawing/2014/main" id="{B9C84DBD-7644-CA46-B44C-581E61538078}"/>
+                <a16:creationId xmlns:a16="http://schemas.microsoft.com/office/drawing/2014/main" id="{C51E3B2C-887A-0342-B0DA-1037D8751679}"/>
               </a:ext>
             </a:extLst>
           </p:cNvPr>
@@ -6495,17 +7693,28 @@
         </p:nvSpPr>
         <p:spPr>
           <a:xfrm>
-            <a:off x="5585752" y="1490132"/>
-            <a:ext cx="1451103" cy="1075267"/>
+            <a:off x="1824013" y="1726838"/>
+            <a:ext cx="802418" cy="594592"/>
           </a:xfrm>
           <a:prstGeom prst="rect">
             <a:avLst/>
           </a:prstGeom>
-          <a:noFill/>
+          <a:blipFill dpi="0" rotWithShape="1">
+            <a:blip r:embed="rId2">
+              <a:alphaModFix amt="25000"/>
+              <a:extLst>
+                <a:ext uri="{28A0092B-C50C-407E-A947-70E740481C1C}">
+                  <a14:useLocalDpi xmlns:a14="http://schemas.microsoft.com/office/drawing/2010/main" val="0"/>
+                </a:ext>
+              </a:extLst>
+            </a:blip>
+            <a:srcRect/>
+            <a:stretch>
+              <a:fillRect/>
+            </a:stretch>
+          </a:blipFill>
           <a:ln>
-            <a:solidFill>
-              <a:srgbClr val="FFEEBB"/>
-            </a:solidFill>
+            <a:noFill/>
           </a:ln>
         </p:spPr>
         <p:style>
@@ -6538,580 +7747,257 @@
           </a:p>
         </p:txBody>
       </p:sp>
-      <p:sp>
-        <p:nvSpPr>
-          <p:cNvPr id="16" name="TextBox 15">
+      <p:grpSp>
+        <p:nvGrpSpPr>
+          <p:cNvPr id="40" name="Group 39">
             <a:extLst>
               <a:ext uri="{FF2B5EF4-FFF2-40B4-BE49-F238E27FC236}">
-                <a16:creationId xmlns:a16="http://schemas.microsoft.com/office/drawing/2014/main" id="{431822A4-809C-E243-BF2F-5C9ED7858AD0}"/>
+                <a16:creationId xmlns:a16="http://schemas.microsoft.com/office/drawing/2014/main" id="{5211D0D5-B43F-4F4C-A82B-56DC3D2FCF2D}"/>
               </a:ext>
             </a:extLst>
           </p:cNvPr>
-          <p:cNvSpPr txBox="1"/>
+          <p:cNvGrpSpPr/>
           <p:nvPr/>
-        </p:nvSpPr>
-        <p:spPr>
+        </p:nvGrpSpPr>
+        <p:grpSpPr>
           <a:xfrm>
-            <a:off x="1384620" y="3347307"/>
-            <a:ext cx="6271863" cy="2277547"/>
-          </a:xfrm>
-          <a:prstGeom prst="rect">
-            <a:avLst/>
-          </a:prstGeom>
-          <a:noFill/>
-        </p:spPr>
-        <p:txBody>
-          <a:bodyPr wrap="square" bIns="0" rtlCol="0">
-            <a:spAutoFit/>
-          </a:bodyPr>
-          <a:lstStyle/>
-          <a:p>
-            <a:pPr>
-              <a:spcAft>
-                <a:spcPts val="600"/>
-              </a:spcAft>
-            </a:pPr>
-            <a:r>
-              <a:rPr lang="en-US" sz="1400" b="1" dirty="0">
-                <a:solidFill>
-                  <a:srgbClr val="E31937"/>
-                </a:solidFill>
-                <a:latin typeface="Avenir Next" panose="020B0503020202020204" pitchFamily="34" charset="0"/>
-              </a:rPr>
-              <a:t>Display 4: Targets</a:t>
-            </a:r>
-          </a:p>
-          <a:p>
-            <a:r>
-              <a:rPr lang="en-US" sz="1400" dirty="0">
-                <a:solidFill>
-                  <a:schemeClr val="bg1"/>
-                </a:solidFill>
-                <a:latin typeface="Avenir Next" panose="020B0503020202020204" pitchFamily="34" charset="0"/>
-              </a:rPr>
-              <a:t>A small circle with vertical lines slanted either left or right will briefly appear on top of the fixation cross as well as one of the object. A checkerboard distractor will appear on top of the other object. </a:t>
-            </a:r>
-          </a:p>
-          <a:p>
-            <a:endParaRPr lang="en-US" sz="1400" dirty="0">
-              <a:solidFill>
-                <a:schemeClr val="bg1"/>
-              </a:solidFill>
-              <a:latin typeface="Avenir Next" panose="020B0503020202020204" pitchFamily="34" charset="0"/>
-            </a:endParaRPr>
-          </a:p>
-          <a:p>
-            <a:r>
-              <a:rPr lang="en-US" sz="1400" dirty="0">
-                <a:solidFill>
-                  <a:schemeClr val="bg1"/>
-                </a:solidFill>
-                <a:latin typeface="Avenir Next" panose="020B0503020202020204" pitchFamily="34" charset="0"/>
-              </a:rPr>
-              <a:t>Your task is to indicate whether the two circle targets are slanted in the same direction or not. </a:t>
-            </a:r>
-          </a:p>
-          <a:p>
-            <a:endParaRPr lang="en-US" sz="1400" dirty="0">
-              <a:solidFill>
-                <a:schemeClr val="bg1"/>
-              </a:solidFill>
-              <a:latin typeface="Avenir Next" panose="020B0503020202020204" pitchFamily="34" charset="0"/>
-            </a:endParaRPr>
-          </a:p>
-          <a:p>
-            <a:r>
-              <a:rPr lang="en-US" sz="1400" dirty="0">
-                <a:solidFill>
-                  <a:schemeClr val="bg1"/>
-                </a:solidFill>
-                <a:latin typeface="Avenir Next" panose="020B0503020202020204" pitchFamily="34" charset="0"/>
-              </a:rPr>
-              <a:t>If the two are slanted in the same direction, press the “f” key.</a:t>
-            </a:r>
-          </a:p>
-          <a:p>
-            <a:r>
-              <a:rPr lang="en-US" sz="1400" dirty="0">
-                <a:solidFill>
-                  <a:schemeClr val="bg1"/>
-                </a:solidFill>
-                <a:latin typeface="Avenir Next" panose="020B0503020202020204" pitchFamily="34" charset="0"/>
-              </a:rPr>
-              <a:t>If the two are </a:t>
-            </a:r>
-            <a:r>
-              <a:rPr lang="en-US" sz="1400" b="1" dirty="0">
-                <a:solidFill>
-                  <a:schemeClr val="bg1"/>
-                </a:solidFill>
-                <a:latin typeface="Avenir Next" panose="020B0503020202020204" pitchFamily="34" charset="0"/>
-              </a:rPr>
-              <a:t>not </a:t>
-            </a:r>
-            <a:r>
-              <a:rPr lang="en-US" sz="1400" dirty="0">
-                <a:solidFill>
-                  <a:schemeClr val="bg1"/>
-                </a:solidFill>
-                <a:latin typeface="Avenir Next" panose="020B0503020202020204" pitchFamily="34" charset="0"/>
-              </a:rPr>
-              <a:t>slanted in the same direction, press the “j” key.</a:t>
-            </a:r>
-            <a:endParaRPr lang="en-US" sz="1400" b="1" dirty="0">
-              <a:solidFill>
-                <a:schemeClr val="bg1"/>
-              </a:solidFill>
-              <a:latin typeface="Avenir Next" panose="020B0503020202020204" pitchFamily="34" charset="0"/>
-            </a:endParaRPr>
-          </a:p>
-        </p:txBody>
-      </p:sp>
-      <p:sp>
-        <p:nvSpPr>
-          <p:cNvPr id="17" name="TextBox 16">
+            <a:off x="1832381" y="1828270"/>
+            <a:ext cx="814836" cy="398994"/>
+            <a:chOff x="6465925" y="1828270"/>
+            <a:chExt cx="814836" cy="398994"/>
+          </a:xfrm>
+        </p:grpSpPr>
+        <p:pic>
+          <p:nvPicPr>
+            <p:cNvPr id="41" name="Picture 40">
+              <a:extLst>
+                <a:ext uri="{FF2B5EF4-FFF2-40B4-BE49-F238E27FC236}">
+                  <a16:creationId xmlns:a16="http://schemas.microsoft.com/office/drawing/2014/main" id="{8E95A299-D6F5-6D4A-AEE4-2E70611C4C27}"/>
+                </a:ext>
+              </a:extLst>
+            </p:cNvPr>
+            <p:cNvPicPr>
+              <a:picLocks noChangeAspect="1"/>
+            </p:cNvPicPr>
+            <p:nvPr/>
+          </p:nvPicPr>
+          <p:blipFill>
+            <a:blip r:embed="rId3">
+              <a:alphaModFix amt="50000"/>
+            </a:blip>
+            <a:stretch>
+              <a:fillRect/>
+            </a:stretch>
+          </p:blipFill>
+          <p:spPr>
+            <a:xfrm>
+              <a:off x="6881767" y="1828270"/>
+              <a:ext cx="398994" cy="398994"/>
+            </a:xfrm>
+            <a:prstGeom prst="rect">
+              <a:avLst/>
+            </a:prstGeom>
+          </p:spPr>
+        </p:pic>
+        <p:pic>
+          <p:nvPicPr>
+            <p:cNvPr id="42" name="Picture 41">
+              <a:extLst>
+                <a:ext uri="{FF2B5EF4-FFF2-40B4-BE49-F238E27FC236}">
+                  <a16:creationId xmlns:a16="http://schemas.microsoft.com/office/drawing/2014/main" id="{210182D7-8CF9-884F-862A-8062611CD3BB}"/>
+                </a:ext>
+              </a:extLst>
+            </p:cNvPr>
+            <p:cNvPicPr>
+              <a:picLocks noChangeAspect="1"/>
+            </p:cNvPicPr>
+            <p:nvPr/>
+          </p:nvPicPr>
+          <p:blipFill>
+            <a:blip r:embed="rId4">
+              <a:alphaModFix amt="50000"/>
+            </a:blip>
+            <a:stretch>
+              <a:fillRect/>
+            </a:stretch>
+          </p:blipFill>
+          <p:spPr>
+            <a:xfrm>
+              <a:off x="6465925" y="1865165"/>
+              <a:ext cx="309281" cy="309281"/>
+            </a:xfrm>
+            <a:prstGeom prst="rect">
+              <a:avLst/>
+            </a:prstGeom>
+          </p:spPr>
+        </p:pic>
+      </p:grpSp>
+      <p:grpSp>
+        <p:nvGrpSpPr>
+          <p:cNvPr id="33" name="Group 32">
             <a:extLst>
               <a:ext uri="{FF2B5EF4-FFF2-40B4-BE49-F238E27FC236}">
-                <a16:creationId xmlns:a16="http://schemas.microsoft.com/office/drawing/2014/main" id="{B49F8974-FABD-F74B-B459-897B7E68272C}"/>
+                <a16:creationId xmlns:a16="http://schemas.microsoft.com/office/drawing/2014/main" id="{E6F704EF-E221-5849-B8C6-414A5922F419}"/>
               </a:ext>
             </a:extLst>
           </p:cNvPr>
-          <p:cNvSpPr txBox="1"/>
+          <p:cNvGrpSpPr/>
           <p:nvPr/>
-        </p:nvSpPr>
-        <p:spPr>
+        </p:nvGrpSpPr>
+        <p:grpSpPr>
           <a:xfrm>
-            <a:off x="385555" y="2565400"/>
-            <a:ext cx="1463520" cy="307777"/>
-          </a:xfrm>
-          <a:prstGeom prst="rect">
-            <a:avLst/>
-          </a:prstGeom>
-          <a:noFill/>
-        </p:spPr>
-        <p:txBody>
-          <a:bodyPr wrap="square" rtlCol="0">
-            <a:spAutoFit/>
-          </a:bodyPr>
-          <a:lstStyle/>
-          <a:p>
-            <a:pPr algn="ctr"/>
-            <a:r>
-              <a:rPr lang="en-US" sz="1400" dirty="0">
-                <a:solidFill>
-                  <a:schemeClr val="bg1"/>
-                </a:solidFill>
-                <a:latin typeface="Avenir Next" panose="020B0503020202020204" pitchFamily="34" charset="0"/>
-              </a:rPr>
-              <a:t>Display 1</a:t>
-            </a:r>
-          </a:p>
-        </p:txBody>
-      </p:sp>
-      <p:sp>
-        <p:nvSpPr>
-          <p:cNvPr id="18" name="TextBox 17">
-            <a:extLst>
-              <a:ext uri="{FF2B5EF4-FFF2-40B4-BE49-F238E27FC236}">
-                <a16:creationId xmlns:a16="http://schemas.microsoft.com/office/drawing/2014/main" id="{A0B7C24C-0A8E-2D44-8516-3DFD0A17698E}"/>
-              </a:ext>
-            </a:extLst>
-          </p:cNvPr>
-          <p:cNvSpPr txBox="1"/>
-          <p:nvPr/>
-        </p:nvSpPr>
-        <p:spPr>
-          <a:xfrm>
-            <a:off x="2120383" y="2565400"/>
-            <a:ext cx="1463520" cy="307777"/>
-          </a:xfrm>
-          <a:prstGeom prst="rect">
-            <a:avLst/>
-          </a:prstGeom>
-          <a:noFill/>
-        </p:spPr>
-        <p:txBody>
-          <a:bodyPr wrap="square" rtlCol="0">
-            <a:spAutoFit/>
-          </a:bodyPr>
-          <a:lstStyle/>
-          <a:p>
-            <a:pPr algn="ctr"/>
-            <a:r>
-              <a:rPr lang="en-US" sz="1400" dirty="0">
-                <a:solidFill>
-                  <a:schemeClr val="bg1"/>
-                </a:solidFill>
-                <a:latin typeface="Avenir Next" panose="020B0503020202020204" pitchFamily="34" charset="0"/>
-              </a:rPr>
-              <a:t>Display 2</a:t>
-            </a:r>
-          </a:p>
-        </p:txBody>
-      </p:sp>
-      <p:sp>
-        <p:nvSpPr>
-          <p:cNvPr id="19" name="TextBox 18">
-            <a:extLst>
-              <a:ext uri="{FF2B5EF4-FFF2-40B4-BE49-F238E27FC236}">
-                <a16:creationId xmlns:a16="http://schemas.microsoft.com/office/drawing/2014/main" id="{790C90E4-C0CD-D149-B882-4EEDD6AD1317}"/>
-              </a:ext>
-            </a:extLst>
-          </p:cNvPr>
-          <p:cNvSpPr txBox="1"/>
-          <p:nvPr/>
-        </p:nvSpPr>
-        <p:spPr>
-          <a:xfrm>
-            <a:off x="3864770" y="2565400"/>
-            <a:ext cx="1438686" cy="307777"/>
-          </a:xfrm>
-          <a:prstGeom prst="rect">
-            <a:avLst/>
-          </a:prstGeom>
-          <a:noFill/>
-        </p:spPr>
-        <p:txBody>
-          <a:bodyPr wrap="square" rtlCol="0">
-            <a:spAutoFit/>
-          </a:bodyPr>
-          <a:lstStyle/>
-          <a:p>
-            <a:pPr algn="ctr"/>
-            <a:r>
-              <a:rPr lang="en-US" sz="1400" dirty="0">
-                <a:solidFill>
-                  <a:schemeClr val="bg1"/>
-                </a:solidFill>
-                <a:latin typeface="Avenir Next" panose="020B0503020202020204" pitchFamily="34" charset="0"/>
-              </a:rPr>
-              <a:t>Display 3</a:t>
-            </a:r>
-          </a:p>
-        </p:txBody>
-      </p:sp>
-      <p:cxnSp>
-        <p:nvCxnSpPr>
-          <p:cNvPr id="20" name="Straight Arrow Connector 19">
-            <a:extLst>
-              <a:ext uri="{FF2B5EF4-FFF2-40B4-BE49-F238E27FC236}">
-                <a16:creationId xmlns:a16="http://schemas.microsoft.com/office/drawing/2014/main" id="{D27FC15E-34B2-514C-8A7F-F0C641EC5529}"/>
-              </a:ext>
-            </a:extLst>
-          </p:cNvPr>
-          <p:cNvCxnSpPr/>
-          <p:nvPr/>
-        </p:nvCxnSpPr>
-        <p:spPr>
-          <a:xfrm>
-            <a:off x="1836658" y="2027767"/>
-            <a:ext cx="282296" cy="0"/>
-          </a:xfrm>
-          <a:prstGeom prst="straightConnector1">
-            <a:avLst/>
-          </a:prstGeom>
-          <a:ln w="28575">
-            <a:solidFill>
-              <a:srgbClr val="E31937"/>
-            </a:solidFill>
-            <a:tailEnd type="triangle"/>
-          </a:ln>
-        </p:spPr>
-        <p:style>
-          <a:lnRef idx="1">
-            <a:schemeClr val="accent1"/>
-          </a:lnRef>
-          <a:fillRef idx="0">
-            <a:schemeClr val="accent1"/>
-          </a:fillRef>
-          <a:effectRef idx="0">
-            <a:schemeClr val="accent1"/>
-          </a:effectRef>
-          <a:fontRef idx="minor">
-            <a:schemeClr val="tx1"/>
-          </a:fontRef>
-        </p:style>
-      </p:cxnSp>
-      <p:cxnSp>
-        <p:nvCxnSpPr>
-          <p:cNvPr id="21" name="Straight Arrow Connector 20">
-            <a:extLst>
-              <a:ext uri="{FF2B5EF4-FFF2-40B4-BE49-F238E27FC236}">
-                <a16:creationId xmlns:a16="http://schemas.microsoft.com/office/drawing/2014/main" id="{339B0635-8FCD-6D4F-A675-47DDBA3DA2E9}"/>
-              </a:ext>
-            </a:extLst>
-          </p:cNvPr>
-          <p:cNvCxnSpPr>
-            <a:cxnSpLocks/>
-            <a:stCxn id="4" idx="3"/>
-            <a:endCxn id="6" idx="1"/>
-          </p:cNvCxnSpPr>
-          <p:nvPr/>
-        </p:nvCxnSpPr>
-        <p:spPr>
-          <a:xfrm>
-            <a:off x="3570057" y="2027767"/>
-            <a:ext cx="282296" cy="0"/>
-          </a:xfrm>
-          <a:prstGeom prst="straightConnector1">
-            <a:avLst/>
-          </a:prstGeom>
-          <a:ln w="28575">
-            <a:solidFill>
-              <a:srgbClr val="E31937"/>
-            </a:solidFill>
-            <a:tailEnd type="triangle"/>
-          </a:ln>
-        </p:spPr>
-        <p:style>
-          <a:lnRef idx="1">
-            <a:schemeClr val="accent1"/>
-          </a:lnRef>
-          <a:fillRef idx="0">
-            <a:schemeClr val="accent1"/>
-          </a:fillRef>
-          <a:effectRef idx="0">
-            <a:schemeClr val="accent1"/>
-          </a:effectRef>
-          <a:fontRef idx="minor">
-            <a:schemeClr val="tx1"/>
-          </a:fontRef>
-        </p:style>
-      </p:cxnSp>
-      <p:cxnSp>
-        <p:nvCxnSpPr>
-          <p:cNvPr id="25" name="Straight Arrow Connector 24">
-            <a:extLst>
-              <a:ext uri="{FF2B5EF4-FFF2-40B4-BE49-F238E27FC236}">
-                <a16:creationId xmlns:a16="http://schemas.microsoft.com/office/drawing/2014/main" id="{8807B7A2-35E4-B34A-8A50-4411591DC532}"/>
-              </a:ext>
-            </a:extLst>
-          </p:cNvPr>
-          <p:cNvCxnSpPr>
-            <a:cxnSpLocks/>
-            <a:stCxn id="6" idx="3"/>
-            <a:endCxn id="15" idx="1"/>
-          </p:cNvCxnSpPr>
-          <p:nvPr/>
-        </p:nvCxnSpPr>
-        <p:spPr>
-          <a:xfrm flipV="1">
-            <a:off x="5303456" y="2027766"/>
-            <a:ext cx="282296" cy="1"/>
-          </a:xfrm>
-          <a:prstGeom prst="straightConnector1">
-            <a:avLst/>
-          </a:prstGeom>
-          <a:ln w="28575">
-            <a:solidFill>
-              <a:srgbClr val="E31937"/>
-            </a:solidFill>
-            <a:tailEnd type="triangle"/>
-          </a:ln>
-        </p:spPr>
-        <p:style>
-          <a:lnRef idx="1">
-            <a:schemeClr val="accent1"/>
-          </a:lnRef>
-          <a:fillRef idx="0">
-            <a:schemeClr val="accent1"/>
-          </a:fillRef>
-          <a:effectRef idx="0">
-            <a:schemeClr val="accent1"/>
-          </a:effectRef>
-          <a:fontRef idx="minor">
-            <a:schemeClr val="tx1"/>
-          </a:fontRef>
-        </p:style>
-      </p:cxnSp>
-      <p:sp>
-        <p:nvSpPr>
-          <p:cNvPr id="28" name="TextBox 27">
-            <a:extLst>
-              <a:ext uri="{FF2B5EF4-FFF2-40B4-BE49-F238E27FC236}">
-                <a16:creationId xmlns:a16="http://schemas.microsoft.com/office/drawing/2014/main" id="{1953A7CA-6C16-B64C-9605-182D5D6E85D7}"/>
-              </a:ext>
-            </a:extLst>
-          </p:cNvPr>
-          <p:cNvSpPr txBox="1"/>
-          <p:nvPr/>
-        </p:nvSpPr>
-        <p:spPr>
-          <a:xfrm>
-            <a:off x="5584323" y="2565400"/>
-            <a:ext cx="1452531" cy="307777"/>
-          </a:xfrm>
-          <a:prstGeom prst="rect">
-            <a:avLst/>
-          </a:prstGeom>
-          <a:noFill/>
-        </p:spPr>
-        <p:txBody>
-          <a:bodyPr wrap="square" rtlCol="0">
-            <a:spAutoFit/>
-          </a:bodyPr>
-          <a:lstStyle/>
-          <a:p>
-            <a:pPr algn="ctr"/>
-            <a:r>
-              <a:rPr lang="en-US" sz="1400" b="1" dirty="0">
-                <a:solidFill>
-                  <a:srgbClr val="E31937"/>
-                </a:solidFill>
-                <a:latin typeface="Avenir Next" panose="020B0503020202020204" pitchFamily="34" charset="0"/>
-              </a:rPr>
-              <a:t>Display 4</a:t>
-            </a:r>
-          </a:p>
-        </p:txBody>
-      </p:sp>
-      <p:sp>
-        <p:nvSpPr>
-          <p:cNvPr id="22" name="Rectangle 21">
-            <a:extLst>
-              <a:ext uri="{FF2B5EF4-FFF2-40B4-BE49-F238E27FC236}">
-                <a16:creationId xmlns:a16="http://schemas.microsoft.com/office/drawing/2014/main" id="{E4C427B0-60B1-7640-B7AD-41610C5A1900}"/>
-              </a:ext>
-            </a:extLst>
-          </p:cNvPr>
-          <p:cNvSpPr/>
-          <p:nvPr/>
-        </p:nvSpPr>
-        <p:spPr>
-          <a:xfrm>
-            <a:off x="7332997" y="1490132"/>
-            <a:ext cx="1451103" cy="1075267"/>
-          </a:xfrm>
-          <a:prstGeom prst="rect">
-            <a:avLst/>
-          </a:prstGeom>
-          <a:noFill/>
-          <a:ln>
-            <a:solidFill>
-              <a:srgbClr val="FFEEBB"/>
-            </a:solidFill>
-          </a:ln>
-        </p:spPr>
-        <p:style>
-          <a:lnRef idx="2">
-            <a:schemeClr val="accent1">
-              <a:shade val="50000"/>
-            </a:schemeClr>
-          </a:lnRef>
-          <a:fillRef idx="1">
-            <a:schemeClr val="accent1"/>
-          </a:fillRef>
-          <a:effectRef idx="0">
-            <a:schemeClr val="accent1"/>
-          </a:effectRef>
-          <a:fontRef idx="minor">
-            <a:schemeClr val="lt1"/>
-          </a:fontRef>
-        </p:style>
-        <p:txBody>
-          <a:bodyPr rtlCol="0" anchor="ctr"/>
-          <a:lstStyle/>
-          <a:p>
-            <a:pPr algn="ctr"/>
-            <a:r>
-              <a:rPr lang="en-US" sz="1400" b="1" dirty="0">
-                <a:latin typeface="Avenir Next" panose="020B0503020202020204" pitchFamily="34" charset="0"/>
-              </a:rPr>
-              <a:t>+</a:t>
-            </a:r>
-          </a:p>
-        </p:txBody>
-      </p:sp>
-      <p:cxnSp>
-        <p:nvCxnSpPr>
-          <p:cNvPr id="23" name="Straight Arrow Connector 22">
-            <a:extLst>
-              <a:ext uri="{FF2B5EF4-FFF2-40B4-BE49-F238E27FC236}">
-                <a16:creationId xmlns:a16="http://schemas.microsoft.com/office/drawing/2014/main" id="{2F11CE44-7967-6243-A932-EEC59887FF0E}"/>
-              </a:ext>
-            </a:extLst>
-          </p:cNvPr>
-          <p:cNvCxnSpPr>
-            <a:cxnSpLocks/>
-            <a:endCxn id="22" idx="1"/>
-          </p:cNvCxnSpPr>
-          <p:nvPr/>
-        </p:nvCxnSpPr>
-        <p:spPr>
-          <a:xfrm flipV="1">
-            <a:off x="7050701" y="2027766"/>
-            <a:ext cx="282296" cy="1"/>
-          </a:xfrm>
-          <a:prstGeom prst="straightConnector1">
-            <a:avLst/>
-          </a:prstGeom>
-          <a:ln w="28575">
-            <a:solidFill>
-              <a:srgbClr val="E31937"/>
-            </a:solidFill>
-            <a:tailEnd type="triangle"/>
-          </a:ln>
-        </p:spPr>
-        <p:style>
-          <a:lnRef idx="1">
-            <a:schemeClr val="accent1"/>
-          </a:lnRef>
-          <a:fillRef idx="0">
-            <a:schemeClr val="accent1"/>
-          </a:fillRef>
-          <a:effectRef idx="0">
-            <a:schemeClr val="accent1"/>
-          </a:effectRef>
-          <a:fontRef idx="minor">
-            <a:schemeClr val="tx1"/>
-          </a:fontRef>
-        </p:style>
-      </p:cxnSp>
-      <p:sp>
-        <p:nvSpPr>
-          <p:cNvPr id="24" name="TextBox 23">
-            <a:extLst>
-              <a:ext uri="{FF2B5EF4-FFF2-40B4-BE49-F238E27FC236}">
-                <a16:creationId xmlns:a16="http://schemas.microsoft.com/office/drawing/2014/main" id="{C1E5AAD3-6C7A-1340-A44E-D7C15E00ABAD}"/>
-              </a:ext>
-            </a:extLst>
-          </p:cNvPr>
-          <p:cNvSpPr txBox="1"/>
-          <p:nvPr/>
-        </p:nvSpPr>
-        <p:spPr>
-          <a:xfrm>
-            <a:off x="7331568" y="2565400"/>
-            <a:ext cx="1452531" cy="307777"/>
-          </a:xfrm>
-          <a:prstGeom prst="rect">
-            <a:avLst/>
-          </a:prstGeom>
-          <a:noFill/>
-        </p:spPr>
-        <p:txBody>
-          <a:bodyPr wrap="square" rtlCol="0">
-            <a:spAutoFit/>
-          </a:bodyPr>
-          <a:lstStyle/>
-          <a:p>
-            <a:pPr algn="ctr"/>
-            <a:r>
-              <a:rPr lang="en-US" sz="1400" b="1" dirty="0">
-                <a:solidFill>
-                  <a:srgbClr val="E31937"/>
-                </a:solidFill>
-                <a:latin typeface="Avenir Next" panose="020B0503020202020204" pitchFamily="34" charset="0"/>
-              </a:rPr>
-              <a:t>Display 4</a:t>
-            </a:r>
-          </a:p>
-        </p:txBody>
-      </p:sp>
+            <a:off x="1875180" y="1895919"/>
+            <a:ext cx="687665" cy="247771"/>
+            <a:chOff x="3949617" y="1806607"/>
+            <a:chExt cx="1185820" cy="427261"/>
+          </a:xfrm>
+        </p:grpSpPr>
+        <p:pic>
+          <p:nvPicPr>
+            <p:cNvPr id="34" name="Picture 33">
+              <a:extLst>
+                <a:ext uri="{FF2B5EF4-FFF2-40B4-BE49-F238E27FC236}">
+                  <a16:creationId xmlns:a16="http://schemas.microsoft.com/office/drawing/2014/main" id="{C45FDC99-4890-7C4C-9792-C36FB0CB43D8}"/>
+                </a:ext>
+              </a:extLst>
+            </p:cNvPr>
+            <p:cNvPicPr>
+              <a:picLocks noChangeAspect="1"/>
+            </p:cNvPicPr>
+            <p:nvPr/>
+          </p:nvPicPr>
+          <p:blipFill>
+            <a:blip r:embed="rId5"/>
+            <a:stretch>
+              <a:fillRect/>
+            </a:stretch>
+          </p:blipFill>
+          <p:spPr>
+            <a:xfrm rot="1800000">
+              <a:off x="4345935" y="1806607"/>
+              <a:ext cx="394158" cy="394158"/>
+            </a:xfrm>
+            <a:prstGeom prst="rect">
+              <a:avLst/>
+            </a:prstGeom>
+          </p:spPr>
+        </p:pic>
+        <p:pic>
+          <p:nvPicPr>
+            <p:cNvPr id="35" name="Picture 34">
+              <a:extLst>
+                <a:ext uri="{FF2B5EF4-FFF2-40B4-BE49-F238E27FC236}">
+                  <a16:creationId xmlns:a16="http://schemas.microsoft.com/office/drawing/2014/main" id="{714ABBE6-74DA-9646-B58E-EE028F49FBF1}"/>
+                </a:ext>
+              </a:extLst>
+            </p:cNvPr>
+            <p:cNvPicPr>
+              <a:picLocks noChangeAspect="1"/>
+            </p:cNvPicPr>
+            <p:nvPr/>
+          </p:nvPicPr>
+          <p:blipFill>
+            <a:blip r:embed="rId5"/>
+            <a:stretch>
+              <a:fillRect/>
+            </a:stretch>
+          </p:blipFill>
+          <p:spPr>
+            <a:xfrm rot="1800000">
+              <a:off x="4741279" y="1822726"/>
+              <a:ext cx="394158" cy="394158"/>
+            </a:xfrm>
+            <a:prstGeom prst="rect">
+              <a:avLst/>
+            </a:prstGeom>
+          </p:spPr>
+        </p:pic>
+        <p:grpSp>
+          <p:nvGrpSpPr>
+            <p:cNvPr id="36" name="Group 35">
+              <a:extLst>
+                <a:ext uri="{FF2B5EF4-FFF2-40B4-BE49-F238E27FC236}">
+                  <a16:creationId xmlns:a16="http://schemas.microsoft.com/office/drawing/2014/main" id="{17C4D2B4-DECF-964E-B3AB-FCB729680E65}"/>
+                </a:ext>
+              </a:extLst>
+            </p:cNvPr>
+            <p:cNvGrpSpPr/>
+            <p:nvPr/>
+          </p:nvGrpSpPr>
+          <p:grpSpPr>
+            <a:xfrm>
+              <a:off x="3949617" y="1839710"/>
+              <a:ext cx="394158" cy="394158"/>
+              <a:chOff x="8430338" y="3179003"/>
+              <a:chExt cx="394158" cy="394158"/>
+            </a:xfrm>
+          </p:grpSpPr>
+          <p:pic>
+            <p:nvPicPr>
+              <p:cNvPr id="43" name="Picture 42">
+                <a:extLst>
+                  <a:ext uri="{FF2B5EF4-FFF2-40B4-BE49-F238E27FC236}">
+                    <a16:creationId xmlns:a16="http://schemas.microsoft.com/office/drawing/2014/main" id="{E94CA95B-52AD-B941-A3EC-45711E40F1CB}"/>
+                  </a:ext>
+                </a:extLst>
+              </p:cNvPr>
+              <p:cNvPicPr>
+                <a:picLocks noChangeAspect="1"/>
+              </p:cNvPicPr>
+              <p:nvPr/>
+            </p:nvPicPr>
+            <p:blipFill>
+              <a:blip r:embed="rId5"/>
+              <a:stretch>
+                <a:fillRect/>
+              </a:stretch>
+            </p:blipFill>
+            <p:spPr>
+              <a:xfrm rot="1800000">
+                <a:off x="8430338" y="3179003"/>
+                <a:ext cx="394158" cy="394158"/>
+              </a:xfrm>
+              <a:prstGeom prst="rect">
+                <a:avLst/>
+              </a:prstGeom>
+            </p:spPr>
+          </p:pic>
+          <p:pic>
+            <p:nvPicPr>
+              <p:cNvPr id="44" name="Picture 43">
+                <a:extLst>
+                  <a:ext uri="{FF2B5EF4-FFF2-40B4-BE49-F238E27FC236}">
+                    <a16:creationId xmlns:a16="http://schemas.microsoft.com/office/drawing/2014/main" id="{72369B37-9A78-AB41-BDC1-5DB0C1530DCF}"/>
+                  </a:ext>
+                </a:extLst>
+              </p:cNvPr>
+              <p:cNvPicPr>
+                <a:picLocks noChangeAspect="1"/>
+              </p:cNvPicPr>
+              <p:nvPr/>
+            </p:nvPicPr>
+            <p:blipFill>
+              <a:blip r:embed="rId5"/>
+              <a:stretch>
+                <a:fillRect/>
+              </a:stretch>
+            </p:blipFill>
+            <p:spPr>
+              <a:xfrm rot="18000000">
+                <a:off x="8430338" y="3179003"/>
+                <a:ext cx="394158" cy="394158"/>
+              </a:xfrm>
+              <a:prstGeom prst="rect">
+                <a:avLst/>
+              </a:prstGeom>
+            </p:spPr>
+          </p:pic>
+        </p:grpSp>
+      </p:grpSp>
     </p:spTree>
     <p:extLst>
       <p:ext uri="{BB962C8B-B14F-4D97-AF65-F5344CB8AC3E}">
-        <p14:creationId xmlns:p14="http://schemas.microsoft.com/office/powerpoint/2010/main" val="700313117"/>
+        <p14:creationId xmlns:p14="http://schemas.microsoft.com/office/powerpoint/2010/main" val="2122719303"/>
       </p:ext>
     </p:extLst>
   </p:cSld>
@@ -7138,160 +8024,1519 @@
           <a:chExt cx="0" cy="0"/>
         </a:xfrm>
       </p:grpSpPr>
-      <p:pic>
-        <p:nvPicPr>
-          <p:cNvPr id="9" name="Picture 8">
+      <p:sp>
+        <p:nvSpPr>
+          <p:cNvPr id="48" name="Rectangle 47">
             <a:extLst>
               <a:ext uri="{FF2B5EF4-FFF2-40B4-BE49-F238E27FC236}">
-                <a16:creationId xmlns:a16="http://schemas.microsoft.com/office/drawing/2014/main" id="{56AE2464-359F-394A-A4EB-58BC9F16D220}"/>
+                <a16:creationId xmlns:a16="http://schemas.microsoft.com/office/drawing/2014/main" id="{FBC97991-128E-1441-9575-CB1B3488B275}"/>
               </a:ext>
             </a:extLst>
           </p:cNvPr>
-          <p:cNvPicPr>
-            <a:picLocks noChangeAspect="1"/>
-          </p:cNvPicPr>
+          <p:cNvSpPr/>
           <p:nvPr/>
-        </p:nvPicPr>
-        <p:blipFill>
-          <a:blip r:embed="rId2"/>
-          <a:stretch>
-            <a:fillRect/>
-          </a:stretch>
-        </p:blipFill>
+        </p:nvSpPr>
         <p:spPr>
           <a:xfrm>
-            <a:off x="0" y="1590587"/>
-            <a:ext cx="9144000" cy="3676825"/>
+            <a:off x="105184" y="804334"/>
+            <a:ext cx="8830734" cy="5326456"/>
           </a:xfrm>
           <a:prstGeom prst="rect">
             <a:avLst/>
           </a:prstGeom>
-        </p:spPr>
-      </p:pic>
+          <a:solidFill>
+            <a:schemeClr val="tx1"/>
+          </a:solidFill>
+          <a:ln>
+            <a:solidFill>
+              <a:srgbClr val="004065"/>
+            </a:solidFill>
+          </a:ln>
+        </p:spPr>
+        <p:style>
+          <a:lnRef idx="2">
+            <a:schemeClr val="accent1">
+              <a:shade val="50000"/>
+            </a:schemeClr>
+          </a:lnRef>
+          <a:fillRef idx="1">
+            <a:schemeClr val="accent1"/>
+          </a:fillRef>
+          <a:effectRef idx="0">
+            <a:schemeClr val="accent1"/>
+          </a:effectRef>
+          <a:fontRef idx="minor">
+            <a:schemeClr val="lt1"/>
+          </a:fontRef>
+        </p:style>
+        <p:txBody>
+          <a:bodyPr rtlCol="0" anchor="ctr"/>
+          <a:lstStyle/>
+          <a:p>
+            <a:pPr algn="ctr"/>
+            <a:endParaRPr lang="en-US"/>
+          </a:p>
+        </p:txBody>
+      </p:sp>
+      <p:sp>
+        <p:nvSpPr>
+          <p:cNvPr id="16" name="TextBox 15">
+            <a:extLst>
+              <a:ext uri="{FF2B5EF4-FFF2-40B4-BE49-F238E27FC236}">
+                <a16:creationId xmlns:a16="http://schemas.microsoft.com/office/drawing/2014/main" id="{431822A4-809C-E243-BF2F-5C9ED7858AD0}"/>
+              </a:ext>
+            </a:extLst>
+          </p:cNvPr>
+          <p:cNvSpPr txBox="1"/>
+          <p:nvPr/>
+        </p:nvSpPr>
+        <p:spPr>
+          <a:xfrm>
+            <a:off x="1384620" y="3347307"/>
+            <a:ext cx="6271863" cy="1631216"/>
+          </a:xfrm>
+          <a:prstGeom prst="rect">
+            <a:avLst/>
+          </a:prstGeom>
+          <a:noFill/>
+        </p:spPr>
+        <p:txBody>
+          <a:bodyPr wrap="square" bIns="0" rtlCol="0">
+            <a:spAutoFit/>
+          </a:bodyPr>
+          <a:lstStyle/>
+          <a:p>
+            <a:pPr>
+              <a:spcAft>
+                <a:spcPts val="600"/>
+              </a:spcAft>
+            </a:pPr>
+            <a:r>
+              <a:rPr lang="en-US" sz="1400" b="1" dirty="0">
+                <a:solidFill>
+                  <a:srgbClr val="E31937"/>
+                </a:solidFill>
+                <a:latin typeface="Avenir Next" panose="020B0503020202020204" pitchFamily="34" charset="0"/>
+              </a:rPr>
+              <a:t>Experiment Sequence</a:t>
+            </a:r>
+          </a:p>
+          <a:p>
+            <a:r>
+              <a:rPr lang="en-US" sz="1400" b="1" dirty="0">
+                <a:solidFill>
+                  <a:schemeClr val="bg1"/>
+                </a:solidFill>
+                <a:latin typeface="Avenir Next" panose="020B0503020202020204" pitchFamily="34" charset="0"/>
+              </a:rPr>
+              <a:t>A quick recap. This is the experiment sequence. Maintain fixation on </a:t>
+            </a:r>
+            <a:r>
+              <a:rPr lang="en-US" sz="1400" b="1">
+                <a:solidFill>
+                  <a:schemeClr val="bg1"/>
+                </a:solidFill>
+                <a:latin typeface="Avenir Next" panose="020B0503020202020204" pitchFamily="34" charset="0"/>
+              </a:rPr>
+              <a:t>the cross </a:t>
+            </a:r>
+            <a:r>
+              <a:rPr lang="en-US" sz="1400" b="1" dirty="0">
+                <a:solidFill>
+                  <a:schemeClr val="bg1"/>
+                </a:solidFill>
+                <a:latin typeface="Avenir Next" panose="020B0503020202020204" pitchFamily="34" charset="0"/>
+              </a:rPr>
+              <a:t>throughout the experiment and report whether the two circle targets are slanted in the same direction or not. </a:t>
+            </a:r>
+          </a:p>
+          <a:p>
+            <a:endParaRPr lang="en-US" sz="1400" b="1" dirty="0">
+              <a:solidFill>
+                <a:schemeClr val="bg1"/>
+              </a:solidFill>
+              <a:latin typeface="Avenir Next" panose="020B0503020202020204" pitchFamily="34" charset="0"/>
+            </a:endParaRPr>
+          </a:p>
+          <a:p>
+            <a:r>
+              <a:rPr lang="en-US" sz="1400" b="1" dirty="0">
+                <a:solidFill>
+                  <a:schemeClr val="bg1"/>
+                </a:solidFill>
+                <a:latin typeface="Avenir Next" panose="020B0503020202020204" pitchFamily="34" charset="0"/>
+              </a:rPr>
+              <a:t>If the two are slanted in the same direction, press the </a:t>
+            </a:r>
+            <a:r>
+              <a:rPr lang="en-US" sz="1400" b="1" dirty="0">
+                <a:solidFill>
+                  <a:srgbClr val="FF0000"/>
+                </a:solidFill>
+                <a:latin typeface="Avenir Next" panose="020B0503020202020204" pitchFamily="34" charset="0"/>
+              </a:rPr>
+              <a:t>f</a:t>
+            </a:r>
+            <a:r>
+              <a:rPr lang="en-US" sz="1400" b="1" dirty="0">
+                <a:solidFill>
+                  <a:schemeClr val="bg1"/>
+                </a:solidFill>
+                <a:latin typeface="Avenir Next" panose="020B0503020202020204" pitchFamily="34" charset="0"/>
+              </a:rPr>
+              <a:t> key.</a:t>
+            </a:r>
+          </a:p>
+          <a:p>
+            <a:r>
+              <a:rPr lang="en-US" sz="1400" b="1" dirty="0">
+                <a:solidFill>
+                  <a:schemeClr val="bg1"/>
+                </a:solidFill>
+                <a:latin typeface="Avenir Next" panose="020B0503020202020204" pitchFamily="34" charset="0"/>
+              </a:rPr>
+              <a:t>If the two are not slanted in the same direction, press the </a:t>
+            </a:r>
+            <a:r>
+              <a:rPr lang="en-US" sz="1400" b="1" dirty="0">
+                <a:solidFill>
+                  <a:srgbClr val="FF0000"/>
+                </a:solidFill>
+                <a:latin typeface="Avenir Next" panose="020B0503020202020204" pitchFamily="34" charset="0"/>
+              </a:rPr>
+              <a:t>j</a:t>
+            </a:r>
+            <a:r>
+              <a:rPr lang="en-US" sz="1400" b="1" dirty="0">
+                <a:solidFill>
+                  <a:schemeClr val="bg1"/>
+                </a:solidFill>
+                <a:latin typeface="Avenir Next" panose="020B0503020202020204" pitchFamily="34" charset="0"/>
+              </a:rPr>
+              <a:t> key.</a:t>
+            </a:r>
+          </a:p>
+        </p:txBody>
+      </p:sp>
+      <p:grpSp>
+        <p:nvGrpSpPr>
+          <p:cNvPr id="2" name="Group 1">
+            <a:extLst>
+              <a:ext uri="{FF2B5EF4-FFF2-40B4-BE49-F238E27FC236}">
+                <a16:creationId xmlns:a16="http://schemas.microsoft.com/office/drawing/2014/main" id="{B5B84401-CC21-FF46-9AD9-67D1BFBDADEA}"/>
+              </a:ext>
+            </a:extLst>
+          </p:cNvPr>
+          <p:cNvGrpSpPr/>
+          <p:nvPr/>
+        </p:nvGrpSpPr>
+        <p:grpSpPr>
+          <a:xfrm>
+            <a:off x="314355" y="1490132"/>
+            <a:ext cx="8412392" cy="1321489"/>
+            <a:chOff x="261641" y="1490132"/>
+            <a:chExt cx="8412392" cy="1321489"/>
+          </a:xfrm>
+        </p:grpSpPr>
+        <p:sp>
+          <p:nvSpPr>
+            <p:cNvPr id="4" name="Rectangle 3">
+              <a:extLst>
+                <a:ext uri="{FF2B5EF4-FFF2-40B4-BE49-F238E27FC236}">
+                  <a16:creationId xmlns:a16="http://schemas.microsoft.com/office/drawing/2014/main" id="{2A28EF87-0B63-024C-9ACA-3A5EF7EBCDD0}"/>
+                </a:ext>
+              </a:extLst>
+            </p:cNvPr>
+            <p:cNvSpPr/>
+            <p:nvPr/>
+          </p:nvSpPr>
+          <p:spPr>
+            <a:xfrm>
+              <a:off x="2008887" y="1490133"/>
+              <a:ext cx="1451103" cy="1075267"/>
+            </a:xfrm>
+            <a:prstGeom prst="rect">
+              <a:avLst/>
+            </a:prstGeom>
+            <a:noFill/>
+            <a:ln>
+              <a:solidFill>
+                <a:srgbClr val="FFEEBB"/>
+              </a:solidFill>
+            </a:ln>
+          </p:spPr>
+          <p:style>
+            <a:lnRef idx="2">
+              <a:schemeClr val="accent1">
+                <a:shade val="50000"/>
+              </a:schemeClr>
+            </a:lnRef>
+            <a:fillRef idx="1">
+              <a:schemeClr val="accent1"/>
+            </a:fillRef>
+            <a:effectRef idx="0">
+              <a:schemeClr val="accent1"/>
+            </a:effectRef>
+            <a:fontRef idx="minor">
+              <a:schemeClr val="lt1"/>
+            </a:fontRef>
+          </p:style>
+          <p:txBody>
+            <a:bodyPr rtlCol="0" anchor="ctr"/>
+            <a:lstStyle/>
+            <a:p>
+              <a:pPr algn="ctr"/>
+              <a:r>
+                <a:rPr lang="en-US" sz="1400" b="1" dirty="0">
+                  <a:latin typeface="Avenir Next" panose="020B0503020202020204" pitchFamily="34" charset="0"/>
+                </a:rPr>
+                <a:t>+</a:t>
+              </a:r>
+            </a:p>
+          </p:txBody>
+        </p:sp>
+        <p:sp>
+          <p:nvSpPr>
+            <p:cNvPr id="6" name="Rectangle 5">
+              <a:extLst>
+                <a:ext uri="{FF2B5EF4-FFF2-40B4-BE49-F238E27FC236}">
+                  <a16:creationId xmlns:a16="http://schemas.microsoft.com/office/drawing/2014/main" id="{45A65EF7-797C-9645-94D5-EEB459B8A864}"/>
+                </a:ext>
+              </a:extLst>
+            </p:cNvPr>
+            <p:cNvSpPr/>
+            <p:nvPr/>
+          </p:nvSpPr>
+          <p:spPr>
+            <a:xfrm>
+              <a:off x="3742286" y="1490133"/>
+              <a:ext cx="1451103" cy="1075267"/>
+            </a:xfrm>
+            <a:prstGeom prst="rect">
+              <a:avLst/>
+            </a:prstGeom>
+            <a:noFill/>
+            <a:ln>
+              <a:solidFill>
+                <a:srgbClr val="FFEEBB"/>
+              </a:solidFill>
+            </a:ln>
+          </p:spPr>
+          <p:style>
+            <a:lnRef idx="2">
+              <a:schemeClr val="accent1">
+                <a:shade val="50000"/>
+              </a:schemeClr>
+            </a:lnRef>
+            <a:fillRef idx="1">
+              <a:schemeClr val="accent1"/>
+            </a:fillRef>
+            <a:effectRef idx="0">
+              <a:schemeClr val="accent1"/>
+            </a:effectRef>
+            <a:fontRef idx="minor">
+              <a:schemeClr val="lt1"/>
+            </a:fontRef>
+          </p:style>
+          <p:txBody>
+            <a:bodyPr rtlCol="0" anchor="ctr"/>
+            <a:lstStyle/>
+            <a:p>
+              <a:pPr algn="ctr"/>
+              <a:r>
+                <a:rPr lang="en-US" sz="1400" b="1" dirty="0">
+                  <a:latin typeface="Avenir Next" panose="020B0503020202020204" pitchFamily="34" charset="0"/>
+                </a:rPr>
+                <a:t>+</a:t>
+              </a:r>
+            </a:p>
+          </p:txBody>
+        </p:sp>
+        <p:sp>
+          <p:nvSpPr>
+            <p:cNvPr id="15" name="Rectangle 14">
+              <a:extLst>
+                <a:ext uri="{FF2B5EF4-FFF2-40B4-BE49-F238E27FC236}">
+                  <a16:creationId xmlns:a16="http://schemas.microsoft.com/office/drawing/2014/main" id="{B9C84DBD-7644-CA46-B44C-581E61538078}"/>
+                </a:ext>
+              </a:extLst>
+            </p:cNvPr>
+            <p:cNvSpPr/>
+            <p:nvPr/>
+          </p:nvSpPr>
+          <p:spPr>
+            <a:xfrm>
+              <a:off x="5475685" y="1490132"/>
+              <a:ext cx="1451103" cy="1075267"/>
+            </a:xfrm>
+            <a:prstGeom prst="rect">
+              <a:avLst/>
+            </a:prstGeom>
+            <a:noFill/>
+            <a:ln>
+              <a:solidFill>
+                <a:srgbClr val="FFEEBB"/>
+              </a:solidFill>
+            </a:ln>
+          </p:spPr>
+          <p:style>
+            <a:lnRef idx="2">
+              <a:schemeClr val="accent1">
+                <a:shade val="50000"/>
+              </a:schemeClr>
+            </a:lnRef>
+            <a:fillRef idx="1">
+              <a:schemeClr val="accent1"/>
+            </a:fillRef>
+            <a:effectRef idx="0">
+              <a:schemeClr val="accent1"/>
+            </a:effectRef>
+            <a:fontRef idx="minor">
+              <a:schemeClr val="lt1"/>
+            </a:fontRef>
+          </p:style>
+          <p:txBody>
+            <a:bodyPr rtlCol="0" anchor="ctr"/>
+            <a:lstStyle/>
+            <a:p>
+              <a:pPr algn="ctr"/>
+              <a:r>
+                <a:rPr lang="en-US" sz="1400" b="1" dirty="0">
+                  <a:latin typeface="Avenir Next" panose="020B0503020202020204" pitchFamily="34" charset="0"/>
+                </a:rPr>
+                <a:t>+</a:t>
+              </a:r>
+            </a:p>
+          </p:txBody>
+        </p:sp>
+        <p:sp>
+          <p:nvSpPr>
+            <p:cNvPr id="17" name="TextBox 16">
+              <a:extLst>
+                <a:ext uri="{FF2B5EF4-FFF2-40B4-BE49-F238E27FC236}">
+                  <a16:creationId xmlns:a16="http://schemas.microsoft.com/office/drawing/2014/main" id="{B49F8974-FABD-F74B-B459-897B7E68272C}"/>
+                </a:ext>
+              </a:extLst>
+            </p:cNvPr>
+            <p:cNvSpPr txBox="1"/>
+            <p:nvPr/>
+          </p:nvSpPr>
+          <p:spPr>
+            <a:xfrm>
+              <a:off x="275488" y="2565400"/>
+              <a:ext cx="1463520" cy="246221"/>
+            </a:xfrm>
+            <a:prstGeom prst="rect">
+              <a:avLst/>
+            </a:prstGeom>
+            <a:noFill/>
+          </p:spPr>
+          <p:txBody>
+            <a:bodyPr wrap="square" rtlCol="0">
+              <a:spAutoFit/>
+            </a:bodyPr>
+            <a:lstStyle/>
+            <a:p>
+              <a:pPr algn="ctr"/>
+              <a:r>
+                <a:rPr lang="en-US" sz="1000" dirty="0">
+                  <a:solidFill>
+                    <a:schemeClr val="bg1"/>
+                  </a:solidFill>
+                  <a:latin typeface="Avenir Next" panose="020B0503020202020204" pitchFamily="34" charset="0"/>
+                </a:rPr>
+                <a:t>Display 1</a:t>
+              </a:r>
+            </a:p>
+          </p:txBody>
+        </p:sp>
+        <p:sp>
+          <p:nvSpPr>
+            <p:cNvPr id="18" name="TextBox 17">
+              <a:extLst>
+                <a:ext uri="{FF2B5EF4-FFF2-40B4-BE49-F238E27FC236}">
+                  <a16:creationId xmlns:a16="http://schemas.microsoft.com/office/drawing/2014/main" id="{A0B7C24C-0A8E-2D44-8516-3DFD0A17698E}"/>
+                </a:ext>
+              </a:extLst>
+            </p:cNvPr>
+            <p:cNvSpPr txBox="1"/>
+            <p:nvPr/>
+          </p:nvSpPr>
+          <p:spPr>
+            <a:xfrm>
+              <a:off x="2010316" y="2565400"/>
+              <a:ext cx="1463520" cy="246221"/>
+            </a:xfrm>
+            <a:prstGeom prst="rect">
+              <a:avLst/>
+            </a:prstGeom>
+            <a:noFill/>
+          </p:spPr>
+          <p:txBody>
+            <a:bodyPr wrap="square" rtlCol="0">
+              <a:spAutoFit/>
+            </a:bodyPr>
+            <a:lstStyle/>
+            <a:p>
+              <a:pPr algn="ctr"/>
+              <a:r>
+                <a:rPr lang="en-US" sz="1000" dirty="0">
+                  <a:solidFill>
+                    <a:schemeClr val="bg1"/>
+                  </a:solidFill>
+                  <a:latin typeface="Avenir Next" panose="020B0503020202020204" pitchFamily="34" charset="0"/>
+                </a:rPr>
+                <a:t>Display 2</a:t>
+              </a:r>
+            </a:p>
+          </p:txBody>
+        </p:sp>
+        <p:sp>
+          <p:nvSpPr>
+            <p:cNvPr id="19" name="TextBox 18">
+              <a:extLst>
+                <a:ext uri="{FF2B5EF4-FFF2-40B4-BE49-F238E27FC236}">
+                  <a16:creationId xmlns:a16="http://schemas.microsoft.com/office/drawing/2014/main" id="{790C90E4-C0CD-D149-B882-4EEDD6AD1317}"/>
+                </a:ext>
+              </a:extLst>
+            </p:cNvPr>
+            <p:cNvSpPr txBox="1"/>
+            <p:nvPr/>
+          </p:nvSpPr>
+          <p:spPr>
+            <a:xfrm>
+              <a:off x="3754703" y="2565400"/>
+              <a:ext cx="1438686" cy="246221"/>
+            </a:xfrm>
+            <a:prstGeom prst="rect">
+              <a:avLst/>
+            </a:prstGeom>
+            <a:noFill/>
+          </p:spPr>
+          <p:txBody>
+            <a:bodyPr wrap="square" rtlCol="0">
+              <a:spAutoFit/>
+            </a:bodyPr>
+            <a:lstStyle/>
+            <a:p>
+              <a:pPr algn="ctr"/>
+              <a:r>
+                <a:rPr lang="en-US" sz="1000" dirty="0">
+                  <a:solidFill>
+                    <a:schemeClr val="bg1"/>
+                  </a:solidFill>
+                  <a:latin typeface="Avenir Next" panose="020B0503020202020204" pitchFamily="34" charset="0"/>
+                </a:rPr>
+                <a:t>Display 3</a:t>
+              </a:r>
+            </a:p>
+          </p:txBody>
+        </p:sp>
+        <p:cxnSp>
+          <p:nvCxnSpPr>
+            <p:cNvPr id="20" name="Straight Arrow Connector 19">
+              <a:extLst>
+                <a:ext uri="{FF2B5EF4-FFF2-40B4-BE49-F238E27FC236}">
+                  <a16:creationId xmlns:a16="http://schemas.microsoft.com/office/drawing/2014/main" id="{D27FC15E-34B2-514C-8A7F-F0C641EC5529}"/>
+                </a:ext>
+              </a:extLst>
+            </p:cNvPr>
+            <p:cNvCxnSpPr/>
+            <p:nvPr/>
+          </p:nvCxnSpPr>
+          <p:spPr>
+            <a:xfrm>
+              <a:off x="1726591" y="2027767"/>
+              <a:ext cx="282296" cy="0"/>
+            </a:xfrm>
+            <a:prstGeom prst="straightConnector1">
+              <a:avLst/>
+            </a:prstGeom>
+            <a:ln w="28575">
+              <a:solidFill>
+                <a:srgbClr val="E31937"/>
+              </a:solidFill>
+              <a:tailEnd type="triangle"/>
+            </a:ln>
+          </p:spPr>
+          <p:style>
+            <a:lnRef idx="1">
+              <a:schemeClr val="accent1"/>
+            </a:lnRef>
+            <a:fillRef idx="0">
+              <a:schemeClr val="accent1"/>
+            </a:fillRef>
+            <a:effectRef idx="0">
+              <a:schemeClr val="accent1"/>
+            </a:effectRef>
+            <a:fontRef idx="minor">
+              <a:schemeClr val="tx1"/>
+            </a:fontRef>
+          </p:style>
+        </p:cxnSp>
+        <p:cxnSp>
+          <p:nvCxnSpPr>
+            <p:cNvPr id="21" name="Straight Arrow Connector 20">
+              <a:extLst>
+                <a:ext uri="{FF2B5EF4-FFF2-40B4-BE49-F238E27FC236}">
+                  <a16:creationId xmlns:a16="http://schemas.microsoft.com/office/drawing/2014/main" id="{339B0635-8FCD-6D4F-A675-47DDBA3DA2E9}"/>
+                </a:ext>
+              </a:extLst>
+            </p:cNvPr>
+            <p:cNvCxnSpPr>
+              <a:cxnSpLocks/>
+              <a:stCxn id="4" idx="3"/>
+              <a:endCxn id="6" idx="1"/>
+            </p:cNvCxnSpPr>
+            <p:nvPr/>
+          </p:nvCxnSpPr>
+          <p:spPr>
+            <a:xfrm>
+              <a:off x="3459990" y="2027767"/>
+              <a:ext cx="282296" cy="0"/>
+            </a:xfrm>
+            <a:prstGeom prst="straightConnector1">
+              <a:avLst/>
+            </a:prstGeom>
+            <a:ln w="28575">
+              <a:solidFill>
+                <a:srgbClr val="E31937"/>
+              </a:solidFill>
+              <a:tailEnd type="triangle"/>
+            </a:ln>
+          </p:spPr>
+          <p:style>
+            <a:lnRef idx="1">
+              <a:schemeClr val="accent1"/>
+            </a:lnRef>
+            <a:fillRef idx="0">
+              <a:schemeClr val="accent1"/>
+            </a:fillRef>
+            <a:effectRef idx="0">
+              <a:schemeClr val="accent1"/>
+            </a:effectRef>
+            <a:fontRef idx="minor">
+              <a:schemeClr val="tx1"/>
+            </a:fontRef>
+          </p:style>
+        </p:cxnSp>
+        <p:cxnSp>
+          <p:nvCxnSpPr>
+            <p:cNvPr id="25" name="Straight Arrow Connector 24">
+              <a:extLst>
+                <a:ext uri="{FF2B5EF4-FFF2-40B4-BE49-F238E27FC236}">
+                  <a16:creationId xmlns:a16="http://schemas.microsoft.com/office/drawing/2014/main" id="{8807B7A2-35E4-B34A-8A50-4411591DC532}"/>
+                </a:ext>
+              </a:extLst>
+            </p:cNvPr>
+            <p:cNvCxnSpPr>
+              <a:cxnSpLocks/>
+              <a:stCxn id="6" idx="3"/>
+              <a:endCxn id="15" idx="1"/>
+            </p:cNvCxnSpPr>
+            <p:nvPr/>
+          </p:nvCxnSpPr>
+          <p:spPr>
+            <a:xfrm flipV="1">
+              <a:off x="5193389" y="2027766"/>
+              <a:ext cx="282296" cy="1"/>
+            </a:xfrm>
+            <a:prstGeom prst="straightConnector1">
+              <a:avLst/>
+            </a:prstGeom>
+            <a:ln w="28575">
+              <a:solidFill>
+                <a:srgbClr val="E31937"/>
+              </a:solidFill>
+              <a:tailEnd type="triangle"/>
+            </a:ln>
+          </p:spPr>
+          <p:style>
+            <a:lnRef idx="1">
+              <a:schemeClr val="accent1"/>
+            </a:lnRef>
+            <a:fillRef idx="0">
+              <a:schemeClr val="accent1"/>
+            </a:fillRef>
+            <a:effectRef idx="0">
+              <a:schemeClr val="accent1"/>
+            </a:effectRef>
+            <a:fontRef idx="minor">
+              <a:schemeClr val="tx1"/>
+            </a:fontRef>
+          </p:style>
+        </p:cxnSp>
+        <p:sp>
+          <p:nvSpPr>
+            <p:cNvPr id="28" name="TextBox 27">
+              <a:extLst>
+                <a:ext uri="{FF2B5EF4-FFF2-40B4-BE49-F238E27FC236}">
+                  <a16:creationId xmlns:a16="http://schemas.microsoft.com/office/drawing/2014/main" id="{1953A7CA-6C16-B64C-9605-182D5D6E85D7}"/>
+                </a:ext>
+              </a:extLst>
+            </p:cNvPr>
+            <p:cNvSpPr txBox="1"/>
+            <p:nvPr/>
+          </p:nvSpPr>
+          <p:spPr>
+            <a:xfrm>
+              <a:off x="5474256" y="2565400"/>
+              <a:ext cx="1452531" cy="246221"/>
+            </a:xfrm>
+            <a:prstGeom prst="rect">
+              <a:avLst/>
+            </a:prstGeom>
+            <a:noFill/>
+          </p:spPr>
+          <p:txBody>
+            <a:bodyPr wrap="square" rtlCol="0">
+              <a:spAutoFit/>
+            </a:bodyPr>
+            <a:lstStyle/>
+            <a:p>
+              <a:pPr algn="ctr"/>
+              <a:r>
+                <a:rPr lang="en-US" sz="1000" dirty="0">
+                  <a:solidFill>
+                    <a:schemeClr val="bg1"/>
+                  </a:solidFill>
+                  <a:latin typeface="Avenir Next" panose="020B0503020202020204" pitchFamily="34" charset="0"/>
+                </a:rPr>
+                <a:t>Display 4</a:t>
+              </a:r>
+            </a:p>
+          </p:txBody>
+        </p:sp>
+        <p:sp>
+          <p:nvSpPr>
+            <p:cNvPr id="22" name="Rectangle 21">
+              <a:extLst>
+                <a:ext uri="{FF2B5EF4-FFF2-40B4-BE49-F238E27FC236}">
+                  <a16:creationId xmlns:a16="http://schemas.microsoft.com/office/drawing/2014/main" id="{E4C427B0-60B1-7640-B7AD-41610C5A1900}"/>
+                </a:ext>
+              </a:extLst>
+            </p:cNvPr>
+            <p:cNvSpPr/>
+            <p:nvPr/>
+          </p:nvSpPr>
+          <p:spPr>
+            <a:xfrm>
+              <a:off x="7222930" y="1490132"/>
+              <a:ext cx="1451103" cy="1075267"/>
+            </a:xfrm>
+            <a:prstGeom prst="rect">
+              <a:avLst/>
+            </a:prstGeom>
+            <a:noFill/>
+            <a:ln>
+              <a:solidFill>
+                <a:srgbClr val="FFEEBB"/>
+              </a:solidFill>
+            </a:ln>
+          </p:spPr>
+          <p:style>
+            <a:lnRef idx="2">
+              <a:schemeClr val="accent1">
+                <a:shade val="50000"/>
+              </a:schemeClr>
+            </a:lnRef>
+            <a:fillRef idx="1">
+              <a:schemeClr val="accent1"/>
+            </a:fillRef>
+            <a:effectRef idx="0">
+              <a:schemeClr val="accent1"/>
+            </a:effectRef>
+            <a:fontRef idx="minor">
+              <a:schemeClr val="lt1"/>
+            </a:fontRef>
+          </p:style>
+          <p:txBody>
+            <a:bodyPr rtlCol="0" anchor="ctr"/>
+            <a:lstStyle/>
+            <a:p>
+              <a:pPr algn="ctr"/>
+              <a:r>
+                <a:rPr lang="en-US" sz="1400" b="1" dirty="0">
+                  <a:latin typeface="Avenir Next" panose="020B0503020202020204" pitchFamily="34" charset="0"/>
+                </a:rPr>
+                <a:t>+</a:t>
+              </a:r>
+            </a:p>
+          </p:txBody>
+        </p:sp>
+        <p:cxnSp>
+          <p:nvCxnSpPr>
+            <p:cNvPr id="23" name="Straight Arrow Connector 22">
+              <a:extLst>
+                <a:ext uri="{FF2B5EF4-FFF2-40B4-BE49-F238E27FC236}">
+                  <a16:creationId xmlns:a16="http://schemas.microsoft.com/office/drawing/2014/main" id="{2F11CE44-7967-6243-A932-EEC59887FF0E}"/>
+                </a:ext>
+              </a:extLst>
+            </p:cNvPr>
+            <p:cNvCxnSpPr>
+              <a:cxnSpLocks/>
+              <a:endCxn id="22" idx="1"/>
+            </p:cNvCxnSpPr>
+            <p:nvPr/>
+          </p:nvCxnSpPr>
+          <p:spPr>
+            <a:xfrm flipV="1">
+              <a:off x="6940634" y="2027766"/>
+              <a:ext cx="282296" cy="1"/>
+            </a:xfrm>
+            <a:prstGeom prst="straightConnector1">
+              <a:avLst/>
+            </a:prstGeom>
+            <a:ln w="28575">
+              <a:solidFill>
+                <a:srgbClr val="E31937"/>
+              </a:solidFill>
+              <a:tailEnd type="triangle"/>
+            </a:ln>
+          </p:spPr>
+          <p:style>
+            <a:lnRef idx="1">
+              <a:schemeClr val="accent1"/>
+            </a:lnRef>
+            <a:fillRef idx="0">
+              <a:schemeClr val="accent1"/>
+            </a:fillRef>
+            <a:effectRef idx="0">
+              <a:schemeClr val="accent1"/>
+            </a:effectRef>
+            <a:fontRef idx="minor">
+              <a:schemeClr val="tx1"/>
+            </a:fontRef>
+          </p:style>
+        </p:cxnSp>
+        <p:sp>
+          <p:nvSpPr>
+            <p:cNvPr id="24" name="TextBox 23">
+              <a:extLst>
+                <a:ext uri="{FF2B5EF4-FFF2-40B4-BE49-F238E27FC236}">
+                  <a16:creationId xmlns:a16="http://schemas.microsoft.com/office/drawing/2014/main" id="{C1E5AAD3-6C7A-1340-A44E-D7C15E00ABAD}"/>
+                </a:ext>
+              </a:extLst>
+            </p:cNvPr>
+            <p:cNvSpPr txBox="1"/>
+            <p:nvPr/>
+          </p:nvSpPr>
+          <p:spPr>
+            <a:xfrm>
+              <a:off x="7221501" y="2565400"/>
+              <a:ext cx="1452531" cy="246221"/>
+            </a:xfrm>
+            <a:prstGeom prst="rect">
+              <a:avLst/>
+            </a:prstGeom>
+            <a:noFill/>
+          </p:spPr>
+          <p:txBody>
+            <a:bodyPr wrap="square" rtlCol="0">
+              <a:spAutoFit/>
+            </a:bodyPr>
+            <a:lstStyle/>
+            <a:p>
+              <a:pPr algn="ctr"/>
+              <a:r>
+                <a:rPr lang="en-US" sz="1000" dirty="0">
+                  <a:solidFill>
+                    <a:schemeClr val="bg1"/>
+                  </a:solidFill>
+                  <a:latin typeface="Avenir Next" panose="020B0503020202020204" pitchFamily="34" charset="0"/>
+                </a:rPr>
+                <a:t>Display 5</a:t>
+              </a:r>
+            </a:p>
+          </p:txBody>
+        </p:sp>
+        <p:sp>
+          <p:nvSpPr>
+            <p:cNvPr id="29" name="Rectangle 28">
+              <a:extLst>
+                <a:ext uri="{FF2B5EF4-FFF2-40B4-BE49-F238E27FC236}">
+                  <a16:creationId xmlns:a16="http://schemas.microsoft.com/office/drawing/2014/main" id="{75CF8163-0954-AC43-8CE0-B712640FBA7D}"/>
+                </a:ext>
+              </a:extLst>
+            </p:cNvPr>
+            <p:cNvSpPr/>
+            <p:nvPr/>
+          </p:nvSpPr>
+          <p:spPr>
+            <a:xfrm>
+              <a:off x="261641" y="1490132"/>
+              <a:ext cx="1451103" cy="1075267"/>
+            </a:xfrm>
+            <a:prstGeom prst="rect">
+              <a:avLst/>
+            </a:prstGeom>
+            <a:noFill/>
+            <a:ln>
+              <a:solidFill>
+                <a:srgbClr val="FFEEBB"/>
+              </a:solidFill>
+            </a:ln>
+          </p:spPr>
+          <p:style>
+            <a:lnRef idx="2">
+              <a:schemeClr val="accent1">
+                <a:shade val="50000"/>
+              </a:schemeClr>
+            </a:lnRef>
+            <a:fillRef idx="1">
+              <a:schemeClr val="accent1"/>
+            </a:fillRef>
+            <a:effectRef idx="0">
+              <a:schemeClr val="accent1"/>
+            </a:effectRef>
+            <a:fontRef idx="minor">
+              <a:schemeClr val="lt1"/>
+            </a:fontRef>
+          </p:style>
+          <p:txBody>
+            <a:bodyPr rtlCol="0" anchor="ctr"/>
+            <a:lstStyle/>
+            <a:p>
+              <a:pPr algn="ctr"/>
+              <a:r>
+                <a:rPr lang="en-US" sz="1400" b="1" dirty="0">
+                  <a:latin typeface="Avenir Next" panose="020B0503020202020204" pitchFamily="34" charset="0"/>
+                </a:rPr>
+                <a:t>+</a:t>
+              </a:r>
+            </a:p>
+          </p:txBody>
+        </p:sp>
+        <p:sp>
+          <p:nvSpPr>
+            <p:cNvPr id="30" name="Rectangle 29">
+              <a:extLst>
+                <a:ext uri="{FF2B5EF4-FFF2-40B4-BE49-F238E27FC236}">
+                  <a16:creationId xmlns:a16="http://schemas.microsoft.com/office/drawing/2014/main" id="{80FE7A64-6472-3F43-AAD7-DEDAB20510AB}"/>
+                </a:ext>
+              </a:extLst>
+            </p:cNvPr>
+            <p:cNvSpPr/>
+            <p:nvPr/>
+          </p:nvSpPr>
+          <p:spPr>
+            <a:xfrm>
+              <a:off x="2337782" y="1730471"/>
+              <a:ext cx="802418" cy="594592"/>
+            </a:xfrm>
+            <a:prstGeom prst="rect">
+              <a:avLst/>
+            </a:prstGeom>
+            <a:blipFill dpi="0" rotWithShape="1">
+              <a:blip r:embed="rId2">
+                <a:extLst>
+                  <a:ext uri="{28A0092B-C50C-407E-A947-70E740481C1C}">
+                    <a14:useLocalDpi xmlns:a14="http://schemas.microsoft.com/office/drawing/2010/main" val="0"/>
+                  </a:ext>
+                </a:extLst>
+              </a:blip>
+              <a:srcRect/>
+              <a:stretch>
+                <a:fillRect/>
+              </a:stretch>
+            </a:blipFill>
+            <a:ln>
+              <a:noFill/>
+            </a:ln>
+          </p:spPr>
+          <p:style>
+            <a:lnRef idx="2">
+              <a:schemeClr val="accent1">
+                <a:shade val="50000"/>
+              </a:schemeClr>
+            </a:lnRef>
+            <a:fillRef idx="1">
+              <a:schemeClr val="accent1"/>
+            </a:fillRef>
+            <a:effectRef idx="0">
+              <a:schemeClr val="accent1"/>
+            </a:effectRef>
+            <a:fontRef idx="minor">
+              <a:schemeClr val="lt1"/>
+            </a:fontRef>
+          </p:style>
+          <p:txBody>
+            <a:bodyPr rtlCol="0" anchor="ctr"/>
+            <a:lstStyle/>
+            <a:p>
+              <a:pPr algn="ctr"/>
+              <a:r>
+                <a:rPr lang="en-US" sz="1400" b="1" dirty="0">
+                  <a:latin typeface="Avenir Next" panose="020B0503020202020204" pitchFamily="34" charset="0"/>
+                </a:rPr>
+                <a:t>+</a:t>
+              </a:r>
+            </a:p>
+          </p:txBody>
+        </p:sp>
+        <p:sp>
+          <p:nvSpPr>
+            <p:cNvPr id="31" name="Rectangle 30">
+              <a:extLst>
+                <a:ext uri="{FF2B5EF4-FFF2-40B4-BE49-F238E27FC236}">
+                  <a16:creationId xmlns:a16="http://schemas.microsoft.com/office/drawing/2014/main" id="{EECE05F5-82EE-1447-99AA-A16626286FCB}"/>
+                </a:ext>
+              </a:extLst>
+            </p:cNvPr>
+            <p:cNvSpPr/>
+            <p:nvPr/>
+          </p:nvSpPr>
+          <p:spPr>
+            <a:xfrm>
+              <a:off x="4063158" y="1730471"/>
+              <a:ext cx="802418" cy="594592"/>
+            </a:xfrm>
+            <a:prstGeom prst="rect">
+              <a:avLst/>
+            </a:prstGeom>
+            <a:blipFill dpi="0" rotWithShape="1">
+              <a:blip r:embed="rId2">
+                <a:alphaModFix/>
+                <a:extLst>
+                  <a:ext uri="{28A0092B-C50C-407E-A947-70E740481C1C}">
+                    <a14:useLocalDpi xmlns:a14="http://schemas.microsoft.com/office/drawing/2010/main" val="0"/>
+                  </a:ext>
+                </a:extLst>
+              </a:blip>
+              <a:srcRect/>
+              <a:stretch>
+                <a:fillRect/>
+              </a:stretch>
+            </a:blipFill>
+            <a:ln>
+              <a:noFill/>
+            </a:ln>
+          </p:spPr>
+          <p:style>
+            <a:lnRef idx="2">
+              <a:schemeClr val="accent1">
+                <a:shade val="50000"/>
+              </a:schemeClr>
+            </a:lnRef>
+            <a:fillRef idx="1">
+              <a:schemeClr val="accent1"/>
+            </a:fillRef>
+            <a:effectRef idx="0">
+              <a:schemeClr val="accent1"/>
+            </a:effectRef>
+            <a:fontRef idx="minor">
+              <a:schemeClr val="lt1"/>
+            </a:fontRef>
+          </p:style>
+          <p:txBody>
+            <a:bodyPr rtlCol="0" anchor="ctr"/>
+            <a:lstStyle/>
+            <a:p>
+              <a:pPr algn="ctr"/>
+              <a:r>
+                <a:rPr lang="en-US" sz="1400" b="1" dirty="0">
+                  <a:latin typeface="Avenir Next" panose="020B0503020202020204" pitchFamily="34" charset="0"/>
+                </a:rPr>
+                <a:t>+</a:t>
+              </a:r>
+            </a:p>
+          </p:txBody>
+        </p:sp>
+        <p:pic>
+          <p:nvPicPr>
+            <p:cNvPr id="33" name="Picture 32">
+              <a:extLst>
+                <a:ext uri="{FF2B5EF4-FFF2-40B4-BE49-F238E27FC236}">
+                  <a16:creationId xmlns:a16="http://schemas.microsoft.com/office/drawing/2014/main" id="{5A6CE64F-8D72-0C4C-A11F-8046A7CB7F4D}"/>
+                </a:ext>
+              </a:extLst>
+            </p:cNvPr>
+            <p:cNvPicPr>
+              <a:picLocks noChangeAspect="1"/>
+            </p:cNvPicPr>
+            <p:nvPr/>
+          </p:nvPicPr>
+          <p:blipFill>
+            <a:blip r:embed="rId3">
+              <a:alphaModFix/>
+            </a:blip>
+            <a:stretch>
+              <a:fillRect/>
+            </a:stretch>
+          </p:blipFill>
+          <p:spPr>
+            <a:xfrm>
+              <a:off x="4487368" y="1831903"/>
+              <a:ext cx="398994" cy="398994"/>
+            </a:xfrm>
+            <a:prstGeom prst="rect">
+              <a:avLst/>
+            </a:prstGeom>
+          </p:spPr>
+        </p:pic>
+        <p:pic>
+          <p:nvPicPr>
+            <p:cNvPr id="34" name="Picture 33">
+              <a:extLst>
+                <a:ext uri="{FF2B5EF4-FFF2-40B4-BE49-F238E27FC236}">
+                  <a16:creationId xmlns:a16="http://schemas.microsoft.com/office/drawing/2014/main" id="{230EE8A0-A299-5A49-B8A4-222506A4D5AC}"/>
+                </a:ext>
+              </a:extLst>
+            </p:cNvPr>
+            <p:cNvPicPr>
+              <a:picLocks noChangeAspect="1"/>
+            </p:cNvPicPr>
+            <p:nvPr/>
+          </p:nvPicPr>
+          <p:blipFill>
+            <a:blip r:embed="rId4">
+              <a:alphaModFix/>
+            </a:blip>
+            <a:stretch>
+              <a:fillRect/>
+            </a:stretch>
+          </p:blipFill>
+          <p:spPr>
+            <a:xfrm>
+              <a:off x="4071526" y="1868798"/>
+              <a:ext cx="309281" cy="309281"/>
+            </a:xfrm>
+            <a:prstGeom prst="rect">
+              <a:avLst/>
+            </a:prstGeom>
+          </p:spPr>
+        </p:pic>
+        <p:sp>
+          <p:nvSpPr>
+            <p:cNvPr id="35" name="Rectangle 34">
+              <a:extLst>
+                <a:ext uri="{FF2B5EF4-FFF2-40B4-BE49-F238E27FC236}">
+                  <a16:creationId xmlns:a16="http://schemas.microsoft.com/office/drawing/2014/main" id="{EA1AF7A4-E156-8E46-B797-A9F2FFFB03F6}"/>
+                </a:ext>
+              </a:extLst>
+            </p:cNvPr>
+            <p:cNvSpPr/>
+            <p:nvPr/>
+          </p:nvSpPr>
+          <p:spPr>
+            <a:xfrm>
+              <a:off x="5797718" y="1736602"/>
+              <a:ext cx="802418" cy="594592"/>
+            </a:xfrm>
+            <a:prstGeom prst="rect">
+              <a:avLst/>
+            </a:prstGeom>
+            <a:blipFill dpi="0" rotWithShape="1">
+              <a:blip r:embed="rId2">
+                <a:alphaModFix/>
+                <a:extLst>
+                  <a:ext uri="{28A0092B-C50C-407E-A947-70E740481C1C}">
+                    <a14:useLocalDpi xmlns:a14="http://schemas.microsoft.com/office/drawing/2010/main" val="0"/>
+                  </a:ext>
+                </a:extLst>
+              </a:blip>
+              <a:srcRect/>
+              <a:stretch>
+                <a:fillRect/>
+              </a:stretch>
+            </a:blipFill>
+            <a:ln>
+              <a:noFill/>
+            </a:ln>
+          </p:spPr>
+          <p:style>
+            <a:lnRef idx="2">
+              <a:schemeClr val="accent1">
+                <a:shade val="50000"/>
+              </a:schemeClr>
+            </a:lnRef>
+            <a:fillRef idx="1">
+              <a:schemeClr val="accent1"/>
+            </a:fillRef>
+            <a:effectRef idx="0">
+              <a:schemeClr val="accent1"/>
+            </a:effectRef>
+            <a:fontRef idx="minor">
+              <a:schemeClr val="lt1"/>
+            </a:fontRef>
+          </p:style>
+          <p:txBody>
+            <a:bodyPr rtlCol="0" anchor="ctr"/>
+            <a:lstStyle/>
+            <a:p>
+              <a:pPr algn="ctr"/>
+              <a:r>
+                <a:rPr lang="en-US" sz="1400" b="1" dirty="0">
+                  <a:latin typeface="Avenir Next" panose="020B0503020202020204" pitchFamily="34" charset="0"/>
+                </a:rPr>
+                <a:t>+</a:t>
+              </a:r>
+            </a:p>
+          </p:txBody>
+        </p:sp>
+        <p:pic>
+          <p:nvPicPr>
+            <p:cNvPr id="36" name="Picture 35">
+              <a:extLst>
+                <a:ext uri="{FF2B5EF4-FFF2-40B4-BE49-F238E27FC236}">
+                  <a16:creationId xmlns:a16="http://schemas.microsoft.com/office/drawing/2014/main" id="{11CA855B-CDC4-3342-B62E-923B1BB119E8}"/>
+                </a:ext>
+              </a:extLst>
+            </p:cNvPr>
+            <p:cNvPicPr>
+              <a:picLocks noChangeAspect="1"/>
+            </p:cNvPicPr>
+            <p:nvPr/>
+          </p:nvPicPr>
+          <p:blipFill>
+            <a:blip r:embed="rId3">
+              <a:alphaModFix/>
+            </a:blip>
+            <a:stretch>
+              <a:fillRect/>
+            </a:stretch>
+          </p:blipFill>
+          <p:spPr>
+            <a:xfrm>
+              <a:off x="6221928" y="1838034"/>
+              <a:ext cx="398994" cy="398994"/>
+            </a:xfrm>
+            <a:prstGeom prst="rect">
+              <a:avLst/>
+            </a:prstGeom>
+          </p:spPr>
+        </p:pic>
+        <p:pic>
+          <p:nvPicPr>
+            <p:cNvPr id="37" name="Picture 36">
+              <a:extLst>
+                <a:ext uri="{FF2B5EF4-FFF2-40B4-BE49-F238E27FC236}">
+                  <a16:creationId xmlns:a16="http://schemas.microsoft.com/office/drawing/2014/main" id="{7C253263-C2AE-A04D-9B89-8680B9CDE8E1}"/>
+                </a:ext>
+              </a:extLst>
+            </p:cNvPr>
+            <p:cNvPicPr>
+              <a:picLocks noChangeAspect="1"/>
+            </p:cNvPicPr>
+            <p:nvPr/>
+          </p:nvPicPr>
+          <p:blipFill>
+            <a:blip r:embed="rId4">
+              <a:alphaModFix/>
+            </a:blip>
+            <a:stretch>
+              <a:fillRect/>
+            </a:stretch>
+          </p:blipFill>
+          <p:spPr>
+            <a:xfrm>
+              <a:off x="5806086" y="1874929"/>
+              <a:ext cx="309281" cy="309281"/>
+            </a:xfrm>
+            <a:prstGeom prst="rect">
+              <a:avLst/>
+            </a:prstGeom>
+          </p:spPr>
+        </p:pic>
+        <p:grpSp>
+          <p:nvGrpSpPr>
+            <p:cNvPr id="38" name="Group 37">
+              <a:extLst>
+                <a:ext uri="{FF2B5EF4-FFF2-40B4-BE49-F238E27FC236}">
+                  <a16:creationId xmlns:a16="http://schemas.microsoft.com/office/drawing/2014/main" id="{FD5949CB-590B-2A42-8E94-F95A2A864FA7}"/>
+                </a:ext>
+              </a:extLst>
+            </p:cNvPr>
+            <p:cNvGrpSpPr/>
+            <p:nvPr/>
+          </p:nvGrpSpPr>
+          <p:grpSpPr>
+            <a:xfrm>
+              <a:off x="5855094" y="1907259"/>
+              <a:ext cx="687665" cy="247771"/>
+              <a:chOff x="3949617" y="1806607"/>
+              <a:chExt cx="1185820" cy="427261"/>
+            </a:xfrm>
+          </p:grpSpPr>
+          <p:pic>
+            <p:nvPicPr>
+              <p:cNvPr id="39" name="Picture 38">
+                <a:extLst>
+                  <a:ext uri="{FF2B5EF4-FFF2-40B4-BE49-F238E27FC236}">
+                    <a16:creationId xmlns:a16="http://schemas.microsoft.com/office/drawing/2014/main" id="{92D3E20C-3674-C944-B84B-DE688A9AF3EC}"/>
+                  </a:ext>
+                </a:extLst>
+              </p:cNvPr>
+              <p:cNvPicPr>
+                <a:picLocks noChangeAspect="1"/>
+              </p:cNvPicPr>
+              <p:nvPr/>
+            </p:nvPicPr>
+            <p:blipFill>
+              <a:blip r:embed="rId5"/>
+              <a:stretch>
+                <a:fillRect/>
+              </a:stretch>
+            </p:blipFill>
+            <p:spPr>
+              <a:xfrm rot="1800000">
+                <a:off x="4345935" y="1806607"/>
+                <a:ext cx="394158" cy="394158"/>
+              </a:xfrm>
+              <a:prstGeom prst="rect">
+                <a:avLst/>
+              </a:prstGeom>
+            </p:spPr>
+          </p:pic>
+          <p:pic>
+            <p:nvPicPr>
+              <p:cNvPr id="40" name="Picture 39">
+                <a:extLst>
+                  <a:ext uri="{FF2B5EF4-FFF2-40B4-BE49-F238E27FC236}">
+                    <a16:creationId xmlns:a16="http://schemas.microsoft.com/office/drawing/2014/main" id="{882DE6DE-0CB2-EE46-BFE6-6B6B69BAAF3D}"/>
+                  </a:ext>
+                </a:extLst>
+              </p:cNvPr>
+              <p:cNvPicPr>
+                <a:picLocks noChangeAspect="1"/>
+              </p:cNvPicPr>
+              <p:nvPr/>
+            </p:nvPicPr>
+            <p:blipFill>
+              <a:blip r:embed="rId5"/>
+              <a:stretch>
+                <a:fillRect/>
+              </a:stretch>
+            </p:blipFill>
+            <p:spPr>
+              <a:xfrm rot="1800000">
+                <a:off x="4741279" y="1822726"/>
+                <a:ext cx="394158" cy="394158"/>
+              </a:xfrm>
+              <a:prstGeom prst="rect">
+                <a:avLst/>
+              </a:prstGeom>
+            </p:spPr>
+          </p:pic>
+          <p:grpSp>
+            <p:nvGrpSpPr>
+              <p:cNvPr id="41" name="Group 40">
+                <a:extLst>
+                  <a:ext uri="{FF2B5EF4-FFF2-40B4-BE49-F238E27FC236}">
+                    <a16:creationId xmlns:a16="http://schemas.microsoft.com/office/drawing/2014/main" id="{852A3C32-F7EF-7D44-A025-83B1747D855E}"/>
+                  </a:ext>
+                </a:extLst>
+              </p:cNvPr>
+              <p:cNvGrpSpPr/>
+              <p:nvPr/>
+            </p:nvGrpSpPr>
+            <p:grpSpPr>
+              <a:xfrm>
+                <a:off x="3949617" y="1839710"/>
+                <a:ext cx="394158" cy="394158"/>
+                <a:chOff x="8430338" y="3179003"/>
+                <a:chExt cx="394158" cy="394158"/>
+              </a:xfrm>
+            </p:grpSpPr>
+            <p:pic>
+              <p:nvPicPr>
+                <p:cNvPr id="42" name="Picture 41">
+                  <a:extLst>
+                    <a:ext uri="{FF2B5EF4-FFF2-40B4-BE49-F238E27FC236}">
+                      <a16:creationId xmlns:a16="http://schemas.microsoft.com/office/drawing/2014/main" id="{5AF3C93B-1B38-9545-8DF6-F4E359D9F739}"/>
+                    </a:ext>
+                  </a:extLst>
+                </p:cNvPr>
+                <p:cNvPicPr>
+                  <a:picLocks noChangeAspect="1"/>
+                </p:cNvPicPr>
+                <p:nvPr/>
+              </p:nvPicPr>
+              <p:blipFill>
+                <a:blip r:embed="rId5"/>
+                <a:stretch>
+                  <a:fillRect/>
+                </a:stretch>
+              </p:blipFill>
+              <p:spPr>
+                <a:xfrm rot="1800000">
+                  <a:off x="8430338" y="3179003"/>
+                  <a:ext cx="394158" cy="394158"/>
+                </a:xfrm>
+                <a:prstGeom prst="rect">
+                  <a:avLst/>
+                </a:prstGeom>
+              </p:spPr>
+            </p:pic>
+            <p:pic>
+              <p:nvPicPr>
+                <p:cNvPr id="43" name="Picture 42">
+                  <a:extLst>
+                    <a:ext uri="{FF2B5EF4-FFF2-40B4-BE49-F238E27FC236}">
+                      <a16:creationId xmlns:a16="http://schemas.microsoft.com/office/drawing/2014/main" id="{6FC3E8B8-C6D8-174E-B933-A060499386DB}"/>
+                    </a:ext>
+                  </a:extLst>
+                </p:cNvPr>
+                <p:cNvPicPr>
+                  <a:picLocks noChangeAspect="1"/>
+                </p:cNvPicPr>
+                <p:nvPr/>
+              </p:nvPicPr>
+              <p:blipFill>
+                <a:blip r:embed="rId5"/>
+                <a:stretch>
+                  <a:fillRect/>
+                </a:stretch>
+              </p:blipFill>
+              <p:spPr>
+                <a:xfrm rot="18000000">
+                  <a:off x="8430338" y="3179003"/>
+                  <a:ext cx="394158" cy="394158"/>
+                </a:xfrm>
+                <a:prstGeom prst="rect">
+                  <a:avLst/>
+                </a:prstGeom>
+              </p:spPr>
+            </p:pic>
+          </p:grpSp>
+        </p:grpSp>
+        <p:sp>
+          <p:nvSpPr>
+            <p:cNvPr id="44" name="Rectangle 43">
+              <a:extLst>
+                <a:ext uri="{FF2B5EF4-FFF2-40B4-BE49-F238E27FC236}">
+                  <a16:creationId xmlns:a16="http://schemas.microsoft.com/office/drawing/2014/main" id="{8D2F93C0-CAC5-C249-9326-11B879BFB115}"/>
+                </a:ext>
+              </a:extLst>
+            </p:cNvPr>
+            <p:cNvSpPr/>
+            <p:nvPr/>
+          </p:nvSpPr>
+          <p:spPr>
+            <a:xfrm>
+              <a:off x="7543281" y="1730470"/>
+              <a:ext cx="802418" cy="594592"/>
+            </a:xfrm>
+            <a:prstGeom prst="rect">
+              <a:avLst/>
+            </a:prstGeom>
+            <a:blipFill dpi="0" rotWithShape="1">
+              <a:blip r:embed="rId2">
+                <a:alphaModFix/>
+                <a:extLst>
+                  <a:ext uri="{28A0092B-C50C-407E-A947-70E740481C1C}">
+                    <a14:useLocalDpi xmlns:a14="http://schemas.microsoft.com/office/drawing/2010/main" val="0"/>
+                  </a:ext>
+                </a:extLst>
+              </a:blip>
+              <a:srcRect/>
+              <a:stretch>
+                <a:fillRect/>
+              </a:stretch>
+            </a:blipFill>
+            <a:ln>
+              <a:noFill/>
+            </a:ln>
+          </p:spPr>
+          <p:style>
+            <a:lnRef idx="2">
+              <a:schemeClr val="accent1">
+                <a:shade val="50000"/>
+              </a:schemeClr>
+            </a:lnRef>
+            <a:fillRef idx="1">
+              <a:schemeClr val="accent1"/>
+            </a:fillRef>
+            <a:effectRef idx="0">
+              <a:schemeClr val="accent1"/>
+            </a:effectRef>
+            <a:fontRef idx="minor">
+              <a:schemeClr val="lt1"/>
+            </a:fontRef>
+          </p:style>
+          <p:txBody>
+            <a:bodyPr rtlCol="0" anchor="ctr"/>
+            <a:lstStyle/>
+            <a:p>
+              <a:pPr algn="ctr"/>
+              <a:r>
+                <a:rPr lang="en-US" sz="1400" b="1" dirty="0">
+                  <a:latin typeface="Avenir Next" panose="020B0503020202020204" pitchFamily="34" charset="0"/>
+                </a:rPr>
+                <a:t>+</a:t>
+              </a:r>
+            </a:p>
+          </p:txBody>
+        </p:sp>
+        <p:pic>
+          <p:nvPicPr>
+            <p:cNvPr id="45" name="Picture 44">
+              <a:extLst>
+                <a:ext uri="{FF2B5EF4-FFF2-40B4-BE49-F238E27FC236}">
+                  <a16:creationId xmlns:a16="http://schemas.microsoft.com/office/drawing/2014/main" id="{CBD3E29B-3D22-F64F-9D2B-2084B6EA90B0}"/>
+                </a:ext>
+              </a:extLst>
+            </p:cNvPr>
+            <p:cNvPicPr>
+              <a:picLocks noChangeAspect="1"/>
+            </p:cNvPicPr>
+            <p:nvPr/>
+          </p:nvPicPr>
+          <p:blipFill>
+            <a:blip r:embed="rId3">
+              <a:alphaModFix/>
+            </a:blip>
+            <a:stretch>
+              <a:fillRect/>
+            </a:stretch>
+          </p:blipFill>
+          <p:spPr>
+            <a:xfrm>
+              <a:off x="7967491" y="1831902"/>
+              <a:ext cx="398994" cy="398994"/>
+            </a:xfrm>
+            <a:prstGeom prst="rect">
+              <a:avLst/>
+            </a:prstGeom>
+          </p:spPr>
+        </p:pic>
+        <p:pic>
+          <p:nvPicPr>
+            <p:cNvPr id="46" name="Picture 45">
+              <a:extLst>
+                <a:ext uri="{FF2B5EF4-FFF2-40B4-BE49-F238E27FC236}">
+                  <a16:creationId xmlns:a16="http://schemas.microsoft.com/office/drawing/2014/main" id="{054409EB-90FB-C446-ACC9-7ECDB3451379}"/>
+                </a:ext>
+              </a:extLst>
+            </p:cNvPr>
+            <p:cNvPicPr>
+              <a:picLocks noChangeAspect="1"/>
+            </p:cNvPicPr>
+            <p:nvPr/>
+          </p:nvPicPr>
+          <p:blipFill>
+            <a:blip r:embed="rId4">
+              <a:alphaModFix/>
+            </a:blip>
+            <a:stretch>
+              <a:fillRect/>
+            </a:stretch>
+          </p:blipFill>
+          <p:spPr>
+            <a:xfrm>
+              <a:off x="7551649" y="1868797"/>
+              <a:ext cx="309281" cy="309281"/>
+            </a:xfrm>
+            <a:prstGeom prst="rect">
+              <a:avLst/>
+            </a:prstGeom>
+          </p:spPr>
+        </p:pic>
+      </p:grpSp>
     </p:spTree>
     <p:extLst>
       <p:ext uri="{BB962C8B-B14F-4D97-AF65-F5344CB8AC3E}">
-        <p14:creationId xmlns:p14="http://schemas.microsoft.com/office/powerpoint/2010/main" val="2498007383"/>
-      </p:ext>
-    </p:extLst>
-  </p:cSld>
-  <p:clrMapOvr>
-    <a:masterClrMapping/>
-  </p:clrMapOvr>
-</p:sld>
-</file>
-
-<file path=ppt/slides/slide8.xml><?xml version="1.0" encoding="utf-8"?>
-<p:sld xmlns:a="http://schemas.openxmlformats.org/drawingml/2006/main" xmlns:r="http://schemas.openxmlformats.org/officeDocument/2006/relationships" xmlns:p="http://schemas.openxmlformats.org/presentationml/2006/main">
-  <p:cSld>
-    <p:spTree>
-      <p:nvGrpSpPr>
-        <p:cNvPr id="1" name=""/>
-        <p:cNvGrpSpPr/>
-        <p:nvPr/>
-      </p:nvGrpSpPr>
-      <p:grpSpPr>
-        <a:xfrm>
-          <a:off x="0" y="0"/>
-          <a:ext cx="0" cy="0"/>
-          <a:chOff x="0" y="0"/>
-          <a:chExt cx="0" cy="0"/>
-        </a:xfrm>
-      </p:grpSpPr>
-      <p:pic>
-        <p:nvPicPr>
-          <p:cNvPr id="4" name="Picture 3">
-            <a:extLst>
-              <a:ext uri="{FF2B5EF4-FFF2-40B4-BE49-F238E27FC236}">
-                <a16:creationId xmlns:a16="http://schemas.microsoft.com/office/drawing/2014/main" id="{E33656D3-9C80-DB41-86E2-CB1EB8813318}"/>
-              </a:ext>
-            </a:extLst>
-          </p:cNvPr>
-          <p:cNvPicPr>
-            <a:picLocks noChangeAspect="1"/>
-          </p:cNvPicPr>
-          <p:nvPr/>
-        </p:nvPicPr>
-        <p:blipFill>
-          <a:blip r:embed="rId2"/>
-          <a:stretch>
-            <a:fillRect/>
-          </a:stretch>
-        </p:blipFill>
-        <p:spPr>
-          <a:xfrm>
-            <a:off x="349250" y="1797050"/>
-            <a:ext cx="8445500" cy="3263900"/>
-          </a:xfrm>
-          <a:prstGeom prst="rect">
-            <a:avLst/>
-          </a:prstGeom>
-        </p:spPr>
-      </p:pic>
-    </p:spTree>
-    <p:extLst>
-      <p:ext uri="{BB962C8B-B14F-4D97-AF65-F5344CB8AC3E}">
-        <p14:creationId xmlns:p14="http://schemas.microsoft.com/office/powerpoint/2010/main" val="3082747512"/>
-      </p:ext>
-    </p:extLst>
-  </p:cSld>
-  <p:clrMapOvr>
-    <a:masterClrMapping/>
-  </p:clrMapOvr>
-</p:sld>
-</file>
-
-<file path=ppt/slides/slide9.xml><?xml version="1.0" encoding="utf-8"?>
-<p:sld xmlns:a="http://schemas.openxmlformats.org/drawingml/2006/main" xmlns:r="http://schemas.openxmlformats.org/officeDocument/2006/relationships" xmlns:p="http://schemas.openxmlformats.org/presentationml/2006/main">
-  <p:cSld>
-    <p:spTree>
-      <p:nvGrpSpPr>
-        <p:cNvPr id="1" name=""/>
-        <p:cNvGrpSpPr/>
-        <p:nvPr/>
-      </p:nvGrpSpPr>
-      <p:grpSpPr>
-        <a:xfrm>
-          <a:off x="0" y="0"/>
-          <a:ext cx="0" cy="0"/>
-          <a:chOff x="0" y="0"/>
-          <a:chExt cx="0" cy="0"/>
-        </a:xfrm>
-      </p:grpSpPr>
-      <p:pic>
-        <p:nvPicPr>
-          <p:cNvPr id="3" name="Picture 2">
-            <a:extLst>
-              <a:ext uri="{FF2B5EF4-FFF2-40B4-BE49-F238E27FC236}">
-                <a16:creationId xmlns:a16="http://schemas.microsoft.com/office/drawing/2014/main" id="{89342A99-C930-9248-A5BE-2F426611F19B}"/>
-              </a:ext>
-            </a:extLst>
-          </p:cNvPr>
-          <p:cNvPicPr>
-            <a:picLocks noChangeAspect="1"/>
-          </p:cNvPicPr>
-          <p:nvPr/>
-        </p:nvPicPr>
-        <p:blipFill>
-          <a:blip r:embed="rId2"/>
-          <a:stretch>
-            <a:fillRect/>
-          </a:stretch>
-        </p:blipFill>
-        <p:spPr>
-          <a:xfrm>
-            <a:off x="342900" y="831850"/>
-            <a:ext cx="8458200" cy="5194300"/>
-          </a:xfrm>
-          <a:prstGeom prst="rect">
-            <a:avLst/>
-          </a:prstGeom>
-        </p:spPr>
-      </p:pic>
-    </p:spTree>
-    <p:extLst>
-      <p:ext uri="{BB962C8B-B14F-4D97-AF65-F5344CB8AC3E}">
-        <p14:creationId xmlns:p14="http://schemas.microsoft.com/office/powerpoint/2010/main" val="3131905678"/>
+        <p14:creationId xmlns:p14="http://schemas.microsoft.com/office/powerpoint/2010/main" val="700313117"/>
       </p:ext>
     </p:extLst>
   </p:cSld>

--- a/static/instructions.pptx
+++ b/static/instructions.pptx
@@ -12,6 +12,9 @@
     <p:sldId id="277" r:id="rId6"/>
     <p:sldId id="278" r:id="rId7"/>
     <p:sldId id="272" r:id="rId8"/>
+    <p:sldId id="279" r:id="rId9"/>
+    <p:sldId id="281" r:id="rId10"/>
+    <p:sldId id="280" r:id="rId11"/>
   </p:sldIdLst>
   <p:sldSz cx="9144000" cy="6858000" type="screen4x3"/>
   <p:notesSz cx="6858000" cy="9144000"/>
@@ -261,7 +264,7 @@
           <a:p>
             <a:fld id="{902713C3-5061-9A46-A5B3-217D06B1AD92}" type="datetimeFigureOut">
               <a:rPr lang="en-US" smtClean="0"/>
-              <a:t>8/7/18</a:t>
+              <a:t>8/29/18</a:t>
             </a:fld>
             <a:endParaRPr lang="en-US"/>
           </a:p>
@@ -431,7 +434,7 @@
           <a:p>
             <a:fld id="{902713C3-5061-9A46-A5B3-217D06B1AD92}" type="datetimeFigureOut">
               <a:rPr lang="en-US" smtClean="0"/>
-              <a:t>8/7/18</a:t>
+              <a:t>8/29/18</a:t>
             </a:fld>
             <a:endParaRPr lang="en-US"/>
           </a:p>
@@ -611,7 +614,7 @@
           <a:p>
             <a:fld id="{902713C3-5061-9A46-A5B3-217D06B1AD92}" type="datetimeFigureOut">
               <a:rPr lang="en-US" smtClean="0"/>
-              <a:t>8/7/18</a:t>
+              <a:t>8/29/18</a:t>
             </a:fld>
             <a:endParaRPr lang="en-US"/>
           </a:p>
@@ -781,7 +784,7 @@
           <a:p>
             <a:fld id="{902713C3-5061-9A46-A5B3-217D06B1AD92}" type="datetimeFigureOut">
               <a:rPr lang="en-US" smtClean="0"/>
-              <a:t>8/7/18</a:t>
+              <a:t>8/29/18</a:t>
             </a:fld>
             <a:endParaRPr lang="en-US"/>
           </a:p>
@@ -1025,7 +1028,7 @@
           <a:p>
             <a:fld id="{902713C3-5061-9A46-A5B3-217D06B1AD92}" type="datetimeFigureOut">
               <a:rPr lang="en-US" smtClean="0"/>
-              <a:t>8/7/18</a:t>
+              <a:t>8/29/18</a:t>
             </a:fld>
             <a:endParaRPr lang="en-US"/>
           </a:p>
@@ -1257,7 +1260,7 @@
           <a:p>
             <a:fld id="{902713C3-5061-9A46-A5B3-217D06B1AD92}" type="datetimeFigureOut">
               <a:rPr lang="en-US" smtClean="0"/>
-              <a:t>8/7/18</a:t>
+              <a:t>8/29/18</a:t>
             </a:fld>
             <a:endParaRPr lang="en-US"/>
           </a:p>
@@ -1624,7 +1627,7 @@
           <a:p>
             <a:fld id="{902713C3-5061-9A46-A5B3-217D06B1AD92}" type="datetimeFigureOut">
               <a:rPr lang="en-US" smtClean="0"/>
-              <a:t>8/7/18</a:t>
+              <a:t>8/29/18</a:t>
             </a:fld>
             <a:endParaRPr lang="en-US"/>
           </a:p>
@@ -1742,7 +1745,7 @@
           <a:p>
             <a:fld id="{902713C3-5061-9A46-A5B3-217D06B1AD92}" type="datetimeFigureOut">
               <a:rPr lang="en-US" smtClean="0"/>
-              <a:t>8/7/18</a:t>
+              <a:t>8/29/18</a:t>
             </a:fld>
             <a:endParaRPr lang="en-US"/>
           </a:p>
@@ -1837,7 +1840,7 @@
           <a:p>
             <a:fld id="{902713C3-5061-9A46-A5B3-217D06B1AD92}" type="datetimeFigureOut">
               <a:rPr lang="en-US" smtClean="0"/>
-              <a:t>8/7/18</a:t>
+              <a:t>8/29/18</a:t>
             </a:fld>
             <a:endParaRPr lang="en-US"/>
           </a:p>
@@ -2114,7 +2117,7 @@
           <a:p>
             <a:fld id="{902713C3-5061-9A46-A5B3-217D06B1AD92}" type="datetimeFigureOut">
               <a:rPr lang="en-US" smtClean="0"/>
-              <a:t>8/7/18</a:t>
+              <a:t>8/29/18</a:t>
             </a:fld>
             <a:endParaRPr lang="en-US"/>
           </a:p>
@@ -2371,7 +2374,7 @@
           <a:p>
             <a:fld id="{902713C3-5061-9A46-A5B3-217D06B1AD92}" type="datetimeFigureOut">
               <a:rPr lang="en-US" smtClean="0"/>
-              <a:t>8/7/18</a:t>
+              <a:t>8/29/18</a:t>
             </a:fld>
             <a:endParaRPr lang="en-US"/>
           </a:p>
@@ -2587,7 +2590,7 @@
           <a:p>
             <a:fld id="{902713C3-5061-9A46-A5B3-217D06B1AD92}" type="datetimeFigureOut">
               <a:rPr lang="en-US" smtClean="0"/>
-              <a:t>8/7/18</a:t>
+              <a:t>8/29/18</a:t>
             </a:fld>
             <a:endParaRPr lang="en-US"/>
           </a:p>
@@ -3375,6 +3378,208 @@
 </p:sld>
 </file>
 
+<file path=ppt/slides/slide10.xml><?xml version="1.0" encoding="utf-8"?>
+<p:sld xmlns:a="http://schemas.openxmlformats.org/drawingml/2006/main" xmlns:r="http://schemas.openxmlformats.org/officeDocument/2006/relationships" xmlns:p="http://schemas.openxmlformats.org/presentationml/2006/main">
+  <p:cSld>
+    <p:spTree>
+      <p:nvGrpSpPr>
+        <p:cNvPr id="1" name=""/>
+        <p:cNvGrpSpPr/>
+        <p:nvPr/>
+      </p:nvGrpSpPr>
+      <p:grpSpPr>
+        <a:xfrm>
+          <a:off x="0" y="0"/>
+          <a:ext cx="0" cy="0"/>
+          <a:chOff x="0" y="0"/>
+          <a:chExt cx="0" cy="0"/>
+        </a:xfrm>
+      </p:grpSpPr>
+      <p:sp>
+        <p:nvSpPr>
+          <p:cNvPr id="10" name="Rectangle 9">
+            <a:extLst>
+              <a:ext uri="{FF2B5EF4-FFF2-40B4-BE49-F238E27FC236}">
+                <a16:creationId xmlns:a16="http://schemas.microsoft.com/office/drawing/2014/main" id="{0540BD83-46C7-9A48-A306-4253A35345A4}"/>
+              </a:ext>
+            </a:extLst>
+          </p:cNvPr>
+          <p:cNvSpPr/>
+          <p:nvPr/>
+        </p:nvSpPr>
+        <p:spPr>
+          <a:xfrm>
+            <a:off x="105184" y="804334"/>
+            <a:ext cx="8830734" cy="5326456"/>
+          </a:xfrm>
+          <a:prstGeom prst="rect">
+            <a:avLst/>
+          </a:prstGeom>
+          <a:noFill/>
+          <a:ln>
+            <a:noFill/>
+          </a:ln>
+        </p:spPr>
+        <p:style>
+          <a:lnRef idx="2">
+            <a:schemeClr val="accent1">
+              <a:shade val="50000"/>
+            </a:schemeClr>
+          </a:lnRef>
+          <a:fillRef idx="1">
+            <a:schemeClr val="accent1"/>
+          </a:fillRef>
+          <a:effectRef idx="0">
+            <a:schemeClr val="accent1"/>
+          </a:effectRef>
+          <a:fontRef idx="minor">
+            <a:schemeClr val="lt1"/>
+          </a:fontRef>
+        </p:style>
+        <p:txBody>
+          <a:bodyPr rtlCol="0" anchor="ctr"/>
+          <a:lstStyle/>
+          <a:p>
+            <a:pPr algn="ctr"/>
+            <a:endParaRPr lang="en-US"/>
+          </a:p>
+        </p:txBody>
+      </p:sp>
+      <p:pic>
+        <p:nvPicPr>
+          <p:cNvPr id="3" name="Picture 2">
+            <a:extLst>
+              <a:ext uri="{FF2B5EF4-FFF2-40B4-BE49-F238E27FC236}">
+                <a16:creationId xmlns:a16="http://schemas.microsoft.com/office/drawing/2014/main" id="{7624361F-ADE4-964E-9827-3B340ADC8D8C}"/>
+              </a:ext>
+            </a:extLst>
+          </p:cNvPr>
+          <p:cNvPicPr>
+            <a:picLocks noChangeAspect="1"/>
+          </p:cNvPicPr>
+          <p:nvPr/>
+        </p:nvPicPr>
+        <p:blipFill>
+          <a:blip r:embed="rId2"/>
+          <a:stretch>
+            <a:fillRect/>
+          </a:stretch>
+        </p:blipFill>
+        <p:spPr>
+          <a:xfrm rot="2700000">
+            <a:off x="2130438" y="2767262"/>
+            <a:ext cx="814897" cy="814897"/>
+          </a:xfrm>
+          <a:prstGeom prst="rect">
+            <a:avLst/>
+          </a:prstGeom>
+        </p:spPr>
+      </p:pic>
+      <p:pic>
+        <p:nvPicPr>
+          <p:cNvPr id="9" name="Picture 8">
+            <a:extLst>
+              <a:ext uri="{FF2B5EF4-FFF2-40B4-BE49-F238E27FC236}">
+                <a16:creationId xmlns:a16="http://schemas.microsoft.com/office/drawing/2014/main" id="{1CD3675B-9D4A-9A4F-9032-244DB4A20492}"/>
+              </a:ext>
+            </a:extLst>
+          </p:cNvPr>
+          <p:cNvPicPr>
+            <a:picLocks noChangeAspect="1"/>
+          </p:cNvPicPr>
+          <p:nvPr/>
+        </p:nvPicPr>
+        <p:blipFill>
+          <a:blip r:embed="rId2"/>
+          <a:stretch>
+            <a:fillRect/>
+          </a:stretch>
+        </p:blipFill>
+        <p:spPr>
+          <a:xfrm rot="18900000">
+            <a:off x="3791825" y="2767264"/>
+            <a:ext cx="814897" cy="814897"/>
+          </a:xfrm>
+          <a:prstGeom prst="rect">
+            <a:avLst/>
+          </a:prstGeom>
+        </p:spPr>
+      </p:pic>
+      <p:pic>
+        <p:nvPicPr>
+          <p:cNvPr id="6" name="Picture 5">
+            <a:extLst>
+              <a:ext uri="{FF2B5EF4-FFF2-40B4-BE49-F238E27FC236}">
+                <a16:creationId xmlns:a16="http://schemas.microsoft.com/office/drawing/2014/main" id="{7A83ABDF-42C7-9641-9F5C-F1A1B14DDDFD}"/>
+              </a:ext>
+            </a:extLst>
+          </p:cNvPr>
+          <p:cNvPicPr>
+            <a:picLocks noChangeAspect="1"/>
+          </p:cNvPicPr>
+          <p:nvPr/>
+        </p:nvPicPr>
+        <p:blipFill>
+          <a:blip r:embed="rId2"/>
+          <a:stretch>
+            <a:fillRect/>
+          </a:stretch>
+        </p:blipFill>
+        <p:spPr>
+          <a:xfrm rot="2700000">
+            <a:off x="5453212" y="2767264"/>
+            <a:ext cx="814897" cy="814897"/>
+          </a:xfrm>
+          <a:prstGeom prst="rect">
+            <a:avLst/>
+          </a:prstGeom>
+        </p:spPr>
+      </p:pic>
+      <p:pic>
+        <p:nvPicPr>
+          <p:cNvPr id="7" name="Picture 6">
+            <a:extLst>
+              <a:ext uri="{FF2B5EF4-FFF2-40B4-BE49-F238E27FC236}">
+                <a16:creationId xmlns:a16="http://schemas.microsoft.com/office/drawing/2014/main" id="{283FE03D-6847-FA4F-874E-415903EC4F0E}"/>
+              </a:ext>
+            </a:extLst>
+          </p:cNvPr>
+          <p:cNvPicPr>
+            <a:picLocks noChangeAspect="1"/>
+          </p:cNvPicPr>
+          <p:nvPr/>
+        </p:nvPicPr>
+        <p:blipFill>
+          <a:blip r:embed="rId2">
+            <a:alphaModFix amt="50000"/>
+          </a:blip>
+          <a:stretch>
+            <a:fillRect/>
+          </a:stretch>
+        </p:blipFill>
+        <p:spPr>
+          <a:xfrm rot="18900000">
+            <a:off x="5453212" y="2767266"/>
+            <a:ext cx="814897" cy="814897"/>
+          </a:xfrm>
+          <a:prstGeom prst="rect">
+            <a:avLst/>
+          </a:prstGeom>
+        </p:spPr>
+      </p:pic>
+    </p:spTree>
+    <p:extLst>
+      <p:ext uri="{BB962C8B-B14F-4D97-AF65-F5344CB8AC3E}">
+        <p14:creationId xmlns:p14="http://schemas.microsoft.com/office/powerpoint/2010/main" val="3815038319"/>
+      </p:ext>
+    </p:extLst>
+  </p:cSld>
+  <p:clrMapOvr>
+    <a:masterClrMapping/>
+  </p:clrMapOvr>
+</p:sld>
+</file>
+
 <file path=ppt/slides/slide2.xml><?xml version="1.0" encoding="utf-8"?>
 <p:sld xmlns:a="http://schemas.openxmlformats.org/drawingml/2006/main" xmlns:r="http://schemas.openxmlformats.org/officeDocument/2006/relationships" xmlns:p="http://schemas.openxmlformats.org/presentationml/2006/main">
   <p:cSld>
@@ -8129,25 +8334,7 @@
                 </a:solidFill>
                 <a:latin typeface="Avenir Next" panose="020B0503020202020204" pitchFamily="34" charset="0"/>
               </a:rPr>
-              <a:t>A quick recap. This is the experiment sequence. Maintain fixation on </a:t>
-            </a:r>
-            <a:r>
-              <a:rPr lang="en-US" sz="1400" b="1">
-                <a:solidFill>
-                  <a:schemeClr val="bg1"/>
-                </a:solidFill>
-                <a:latin typeface="Avenir Next" panose="020B0503020202020204" pitchFamily="34" charset="0"/>
-              </a:rPr>
-              <a:t>the cross </a:t>
-            </a:r>
-            <a:r>
-              <a:rPr lang="en-US" sz="1400" b="1" dirty="0">
-                <a:solidFill>
-                  <a:schemeClr val="bg1"/>
-                </a:solidFill>
-                <a:latin typeface="Avenir Next" panose="020B0503020202020204" pitchFamily="34" charset="0"/>
-              </a:rPr>
-              <a:t>throughout the experiment and report whether the two circle targets are slanted in the same direction or not. </a:t>
+              <a:t>A quick recap. This is the experiment sequence. Maintain fixation on the cross throughout the experiment and report whether the two circle targets are slanted in the same direction or not. </a:t>
             </a:r>
           </a:p>
           <a:p>
@@ -9546,6 +9733,378 @@
 </p:sld>
 </file>
 
+<file path=ppt/slides/slide8.xml><?xml version="1.0" encoding="utf-8"?>
+<p:sld xmlns:a="http://schemas.openxmlformats.org/drawingml/2006/main" xmlns:r="http://schemas.openxmlformats.org/officeDocument/2006/relationships" xmlns:p="http://schemas.openxmlformats.org/presentationml/2006/main">
+  <p:cSld>
+    <p:spTree>
+      <p:nvGrpSpPr>
+        <p:cNvPr id="1" name=""/>
+        <p:cNvGrpSpPr/>
+        <p:nvPr/>
+      </p:nvGrpSpPr>
+      <p:grpSpPr>
+        <a:xfrm>
+          <a:off x="0" y="0"/>
+          <a:ext cx="0" cy="0"/>
+          <a:chOff x="0" y="0"/>
+          <a:chExt cx="0" cy="0"/>
+        </a:xfrm>
+      </p:grpSpPr>
+      <p:sp>
+        <p:nvSpPr>
+          <p:cNvPr id="10" name="Rectangle 9">
+            <a:extLst>
+              <a:ext uri="{FF2B5EF4-FFF2-40B4-BE49-F238E27FC236}">
+                <a16:creationId xmlns:a16="http://schemas.microsoft.com/office/drawing/2014/main" id="{0540BD83-46C7-9A48-A306-4253A35345A4}"/>
+              </a:ext>
+            </a:extLst>
+          </p:cNvPr>
+          <p:cNvSpPr/>
+          <p:nvPr/>
+        </p:nvSpPr>
+        <p:spPr>
+          <a:xfrm>
+            <a:off x="105184" y="804334"/>
+            <a:ext cx="8830734" cy="5326456"/>
+          </a:xfrm>
+          <a:prstGeom prst="rect">
+            <a:avLst/>
+          </a:prstGeom>
+          <a:noFill/>
+          <a:ln>
+            <a:noFill/>
+          </a:ln>
+        </p:spPr>
+        <p:style>
+          <a:lnRef idx="2">
+            <a:schemeClr val="accent1">
+              <a:shade val="50000"/>
+            </a:schemeClr>
+          </a:lnRef>
+          <a:fillRef idx="1">
+            <a:schemeClr val="accent1"/>
+          </a:fillRef>
+          <a:effectRef idx="0">
+            <a:schemeClr val="accent1"/>
+          </a:effectRef>
+          <a:fontRef idx="minor">
+            <a:schemeClr val="lt1"/>
+          </a:fontRef>
+        </p:style>
+        <p:txBody>
+          <a:bodyPr rtlCol="0" anchor="ctr"/>
+          <a:lstStyle/>
+          <a:p>
+            <a:pPr algn="ctr"/>
+            <a:endParaRPr lang="en-US" dirty="0"/>
+          </a:p>
+        </p:txBody>
+      </p:sp>
+      <p:sp>
+        <p:nvSpPr>
+          <p:cNvPr id="16" name="TextBox 15">
+            <a:extLst>
+              <a:ext uri="{FF2B5EF4-FFF2-40B4-BE49-F238E27FC236}">
+                <a16:creationId xmlns:a16="http://schemas.microsoft.com/office/drawing/2014/main" id="{431822A4-809C-E243-BF2F-5C9ED7858AD0}"/>
+              </a:ext>
+            </a:extLst>
+          </p:cNvPr>
+          <p:cNvSpPr txBox="1"/>
+          <p:nvPr/>
+        </p:nvSpPr>
+        <p:spPr>
+          <a:xfrm>
+            <a:off x="1880570" y="2228761"/>
+            <a:ext cx="6271863" cy="2477601"/>
+          </a:xfrm>
+          <a:prstGeom prst="rect">
+            <a:avLst/>
+          </a:prstGeom>
+          <a:noFill/>
+          <a:ln>
+            <a:noFill/>
+          </a:ln>
+        </p:spPr>
+        <p:txBody>
+          <a:bodyPr wrap="square" bIns="0" rtlCol="0">
+            <a:spAutoFit/>
+          </a:bodyPr>
+          <a:lstStyle/>
+          <a:p>
+            <a:pPr>
+              <a:spcAft>
+                <a:spcPts val="600"/>
+              </a:spcAft>
+            </a:pPr>
+            <a:r>
+              <a:rPr lang="en-US" sz="1600" b="1" dirty="0">
+                <a:solidFill>
+                  <a:schemeClr val="bg1"/>
+                </a:solidFill>
+                <a:latin typeface="Avenir Next" panose="020B0503020202020204" pitchFamily="34" charset="0"/>
+              </a:rPr>
+              <a:t>Good Job! You finished practice.</a:t>
+            </a:r>
+          </a:p>
+          <a:p>
+            <a:pPr>
+              <a:spcAft>
+                <a:spcPts val="600"/>
+              </a:spcAft>
+            </a:pPr>
+            <a:endParaRPr lang="en-US" sz="1600" b="1" dirty="0">
+              <a:solidFill>
+                <a:schemeClr val="bg1"/>
+              </a:solidFill>
+              <a:latin typeface="Avenir Next" panose="020B0503020202020204" pitchFamily="34" charset="0"/>
+            </a:endParaRPr>
+          </a:p>
+          <a:p>
+            <a:pPr>
+              <a:spcAft>
+                <a:spcPts val="600"/>
+              </a:spcAft>
+            </a:pPr>
+            <a:r>
+              <a:rPr lang="en-US" sz="1600" b="1" dirty="0">
+                <a:solidFill>
+                  <a:schemeClr val="bg1"/>
+                </a:solidFill>
+                <a:latin typeface="Avenir Next" panose="020B0503020202020204" pitchFamily="34" charset="0"/>
+              </a:rPr>
+              <a:t>Now, get ready for the real experiment. </a:t>
+            </a:r>
+          </a:p>
+          <a:p>
+            <a:pPr>
+              <a:spcAft>
+                <a:spcPts val="600"/>
+              </a:spcAft>
+            </a:pPr>
+            <a:endParaRPr lang="en-US" sz="1600" b="1" dirty="0">
+              <a:solidFill>
+                <a:schemeClr val="bg1"/>
+              </a:solidFill>
+              <a:latin typeface="Avenir Next" panose="020B0503020202020204" pitchFamily="34" charset="0"/>
+            </a:endParaRPr>
+          </a:p>
+          <a:p>
+            <a:pPr>
+              <a:spcAft>
+                <a:spcPts val="600"/>
+              </a:spcAft>
+            </a:pPr>
+            <a:r>
+              <a:rPr lang="en-US" sz="1600" b="1" dirty="0">
+                <a:solidFill>
+                  <a:schemeClr val="bg1"/>
+                </a:solidFill>
+                <a:latin typeface="Avenir Next" panose="020B0503020202020204" pitchFamily="34" charset="0"/>
+              </a:rPr>
+              <a:t>Note: There will be no instructions and the targets will be presented for only a brief period of time.</a:t>
+            </a:r>
+          </a:p>
+          <a:p>
+            <a:pPr>
+              <a:spcAft>
+                <a:spcPts val="600"/>
+              </a:spcAft>
+            </a:pPr>
+            <a:endParaRPr lang="en-US" sz="1600" b="1" dirty="0">
+              <a:solidFill>
+                <a:schemeClr val="bg1"/>
+              </a:solidFill>
+              <a:latin typeface="Avenir Next" panose="020B0503020202020204" pitchFamily="34" charset="0"/>
+            </a:endParaRPr>
+          </a:p>
+          <a:p>
+            <a:pPr>
+              <a:spcAft>
+                <a:spcPts val="600"/>
+              </a:spcAft>
+            </a:pPr>
+            <a:r>
+              <a:rPr lang="en-US" sz="1600" b="1" dirty="0">
+                <a:solidFill>
+                  <a:schemeClr val="bg1"/>
+                </a:solidFill>
+                <a:latin typeface="Avenir Next" panose="020B0503020202020204" pitchFamily="34" charset="0"/>
+              </a:rPr>
+              <a:t>Press Spacebar to begin the experiment</a:t>
+            </a:r>
+          </a:p>
+        </p:txBody>
+      </p:sp>
+    </p:spTree>
+    <p:extLst>
+      <p:ext uri="{BB962C8B-B14F-4D97-AF65-F5344CB8AC3E}">
+        <p14:creationId xmlns:p14="http://schemas.microsoft.com/office/powerpoint/2010/main" val="1221059433"/>
+      </p:ext>
+    </p:extLst>
+  </p:cSld>
+  <p:clrMapOvr>
+    <a:masterClrMapping/>
+  </p:clrMapOvr>
+</p:sld>
+</file>
+
+<file path=ppt/slides/slide9.xml><?xml version="1.0" encoding="utf-8"?>
+<p:sld xmlns:a="http://schemas.openxmlformats.org/drawingml/2006/main" xmlns:r="http://schemas.openxmlformats.org/officeDocument/2006/relationships" xmlns:p="http://schemas.openxmlformats.org/presentationml/2006/main">
+  <p:cSld>
+    <p:spTree>
+      <p:nvGrpSpPr>
+        <p:cNvPr id="1" name=""/>
+        <p:cNvGrpSpPr/>
+        <p:nvPr/>
+      </p:nvGrpSpPr>
+      <p:grpSpPr>
+        <a:xfrm>
+          <a:off x="0" y="0"/>
+          <a:ext cx="0" cy="0"/>
+          <a:chOff x="0" y="0"/>
+          <a:chExt cx="0" cy="0"/>
+        </a:xfrm>
+      </p:grpSpPr>
+      <p:sp>
+        <p:nvSpPr>
+          <p:cNvPr id="10" name="Rectangle 9">
+            <a:extLst>
+              <a:ext uri="{FF2B5EF4-FFF2-40B4-BE49-F238E27FC236}">
+                <a16:creationId xmlns:a16="http://schemas.microsoft.com/office/drawing/2014/main" id="{0540BD83-46C7-9A48-A306-4253A35345A4}"/>
+              </a:ext>
+            </a:extLst>
+          </p:cNvPr>
+          <p:cNvSpPr/>
+          <p:nvPr/>
+        </p:nvSpPr>
+        <p:spPr>
+          <a:xfrm>
+            <a:off x="105184" y="804334"/>
+            <a:ext cx="8830734" cy="5326456"/>
+          </a:xfrm>
+          <a:prstGeom prst="rect">
+            <a:avLst/>
+          </a:prstGeom>
+          <a:noFill/>
+          <a:ln>
+            <a:noFill/>
+          </a:ln>
+        </p:spPr>
+        <p:style>
+          <a:lnRef idx="2">
+            <a:schemeClr val="accent1">
+              <a:shade val="50000"/>
+            </a:schemeClr>
+          </a:lnRef>
+          <a:fillRef idx="1">
+            <a:schemeClr val="accent1"/>
+          </a:fillRef>
+          <a:effectRef idx="0">
+            <a:schemeClr val="accent1"/>
+          </a:effectRef>
+          <a:fontRef idx="minor">
+            <a:schemeClr val="lt1"/>
+          </a:fontRef>
+        </p:style>
+        <p:txBody>
+          <a:bodyPr rtlCol="0" anchor="ctr"/>
+          <a:lstStyle/>
+          <a:p>
+            <a:pPr algn="ctr"/>
+            <a:endParaRPr lang="en-US" dirty="0"/>
+          </a:p>
+        </p:txBody>
+      </p:sp>
+      <p:sp>
+        <p:nvSpPr>
+          <p:cNvPr id="16" name="TextBox 15">
+            <a:extLst>
+              <a:ext uri="{FF2B5EF4-FFF2-40B4-BE49-F238E27FC236}">
+                <a16:creationId xmlns:a16="http://schemas.microsoft.com/office/drawing/2014/main" id="{431822A4-809C-E243-BF2F-5C9ED7858AD0}"/>
+              </a:ext>
+            </a:extLst>
+          </p:cNvPr>
+          <p:cNvSpPr txBox="1"/>
+          <p:nvPr/>
+        </p:nvSpPr>
+        <p:spPr>
+          <a:xfrm>
+            <a:off x="1384619" y="2998202"/>
+            <a:ext cx="6271863" cy="938719"/>
+          </a:xfrm>
+          <a:prstGeom prst="rect">
+            <a:avLst/>
+          </a:prstGeom>
+          <a:noFill/>
+          <a:ln>
+            <a:noFill/>
+          </a:ln>
+        </p:spPr>
+        <p:txBody>
+          <a:bodyPr wrap="square" bIns="0" rtlCol="0">
+            <a:spAutoFit/>
+          </a:bodyPr>
+          <a:lstStyle/>
+          <a:p>
+            <a:pPr algn="ctr">
+              <a:spcAft>
+                <a:spcPts val="600"/>
+              </a:spcAft>
+            </a:pPr>
+            <a:r>
+              <a:rPr lang="en-US" sz="1600" b="1" dirty="0">
+                <a:solidFill>
+                  <a:schemeClr val="bg1"/>
+                </a:solidFill>
+                <a:latin typeface="Avenir Next" panose="020B0503020202020204" pitchFamily="34" charset="0"/>
+              </a:rPr>
+              <a:t>You completed the experiment. Thank you!</a:t>
+            </a:r>
+          </a:p>
+          <a:p>
+            <a:pPr algn="ctr">
+              <a:spcAft>
+                <a:spcPts val="600"/>
+              </a:spcAft>
+            </a:pPr>
+            <a:endParaRPr lang="en-US" sz="1600" b="1" dirty="0">
+              <a:solidFill>
+                <a:schemeClr val="bg1"/>
+              </a:solidFill>
+              <a:latin typeface="Avenir Next" panose="020B0503020202020204" pitchFamily="34" charset="0"/>
+            </a:endParaRPr>
+          </a:p>
+          <a:p>
+            <a:pPr algn="ctr">
+              <a:spcAft>
+                <a:spcPts val="600"/>
+              </a:spcAft>
+            </a:pPr>
+            <a:r>
+              <a:rPr lang="en-US" sz="1600" b="1" dirty="0">
+                <a:solidFill>
+                  <a:schemeClr val="bg1"/>
+                </a:solidFill>
+                <a:latin typeface="Avenir Next" panose="020B0503020202020204" pitchFamily="34" charset="0"/>
+              </a:rPr>
+              <a:t>Press Spacebar to continue</a:t>
+            </a:r>
+          </a:p>
+        </p:txBody>
+      </p:sp>
+    </p:spTree>
+    <p:extLst>
+      <p:ext uri="{BB962C8B-B14F-4D97-AF65-F5344CB8AC3E}">
+        <p14:creationId xmlns:p14="http://schemas.microsoft.com/office/powerpoint/2010/main" val="2603362203"/>
+      </p:ext>
+    </p:extLst>
+  </p:cSld>
+  <p:clrMapOvr>
+    <a:masterClrMapping/>
+  </p:clrMapOvr>
+</p:sld>
+</file>
+
 <file path=ppt/theme/theme1.xml><?xml version="1.0" encoding="utf-8"?>
 <a:theme xmlns:a="http://schemas.openxmlformats.org/drawingml/2006/main" name="Office Theme">
   <a:themeElements>
